--- a/0 발표용 파워포인트/0417 3차발표/0417 project05 - 파워포인트 - 형준.pptx
+++ b/0 발표용 파워포인트/0417 3차발표/0417 project05 - 파워포인트 - 형준.pptx
@@ -123,7 +123,7 @@
   </p:defaultTextStyle>
   <p:extLst>
     <p:ext uri="{EFAFB233-063F-42B5-8137-9DF3F51BA10A}">
-      <p15:sldGuideLst xmlns:p15="http://schemas.microsoft.com/office/powerpoint/2012/main" xmlns="">
+      <p15:sldGuideLst xmlns="" xmlns:p15="http://schemas.microsoft.com/office/powerpoint/2012/main">
         <p15:guide id="1" orient="horz" pos="2160">
           <p15:clr>
             <a:srgbClr val="A4A3A4"/>
@@ -4677,14 +4677,14 @@
                 <a:gridCol w="289755">
                   <a:extLst>
                     <a:ext uri="{9D8B030D-6E8A-4147-A177-3AD203B41FA5}">
-                      <a16:colId xmlns:a16="http://schemas.microsoft.com/office/drawing/2014/main" xmlns="" val="20000"/>
+                      <a16:colId xmlns="" xmlns:a16="http://schemas.microsoft.com/office/drawing/2014/main" val="20000"/>
                     </a:ext>
                   </a:extLst>
                 </a:gridCol>
                 <a:gridCol w="2662575">
                   <a:extLst>
                     <a:ext uri="{9D8B030D-6E8A-4147-A177-3AD203B41FA5}">
-                      <a16:colId xmlns:a16="http://schemas.microsoft.com/office/drawing/2014/main" xmlns="" val="20001"/>
+                      <a16:colId xmlns="" xmlns:a16="http://schemas.microsoft.com/office/drawing/2014/main" val="20001"/>
                     </a:ext>
                   </a:extLst>
                 </a:gridCol>
@@ -4842,7 +4842,7 @@
                 </a:tc>
                 <a:extLst>
                   <a:ext uri="{0D108BD9-81ED-4DB2-BD59-A6C34878D82A}">
-                    <a16:rowId xmlns:a16="http://schemas.microsoft.com/office/drawing/2014/main" xmlns="" val="10000"/>
+                    <a16:rowId xmlns="" xmlns:a16="http://schemas.microsoft.com/office/drawing/2014/main" val="10000"/>
                   </a:ext>
                 </a:extLst>
               </a:tr>
@@ -5008,7 +5008,7 @@
                 </a:tc>
                 <a:extLst>
                   <a:ext uri="{0D108BD9-81ED-4DB2-BD59-A6C34878D82A}">
-                    <a16:rowId xmlns:a16="http://schemas.microsoft.com/office/drawing/2014/main" xmlns="" val="10001"/>
+                    <a16:rowId xmlns="" xmlns:a16="http://schemas.microsoft.com/office/drawing/2014/main" val="10001"/>
                   </a:ext>
                 </a:extLst>
               </a:tr>
@@ -5185,7 +5185,7 @@
                 </a:tc>
                 <a:extLst>
                   <a:ext uri="{0D108BD9-81ED-4DB2-BD59-A6C34878D82A}">
-                    <a16:rowId xmlns:a16="http://schemas.microsoft.com/office/drawing/2014/main" xmlns="" val="10002"/>
+                    <a16:rowId xmlns="" xmlns:a16="http://schemas.microsoft.com/office/drawing/2014/main" val="10002"/>
                   </a:ext>
                 </a:extLst>
               </a:tr>
@@ -5378,7 +5378,7 @@
                 </a:tc>
                 <a:extLst>
                   <a:ext uri="{0D108BD9-81ED-4DB2-BD59-A6C34878D82A}">
-                    <a16:rowId xmlns:a16="http://schemas.microsoft.com/office/drawing/2014/main" xmlns="" val="10003"/>
+                    <a16:rowId xmlns="" xmlns:a16="http://schemas.microsoft.com/office/drawing/2014/main" val="10003"/>
                   </a:ext>
                 </a:extLst>
               </a:tr>
@@ -5591,7 +5591,7 @@
                 </a:tc>
                 <a:extLst>
                   <a:ext uri="{0D108BD9-81ED-4DB2-BD59-A6C34878D82A}">
-                    <a16:rowId xmlns:a16="http://schemas.microsoft.com/office/drawing/2014/main" xmlns="" val="10004"/>
+                    <a16:rowId xmlns="" xmlns:a16="http://schemas.microsoft.com/office/drawing/2014/main" val="10004"/>
                   </a:ext>
                 </a:extLst>
               </a:tr>
@@ -5792,7 +5792,7 @@
                 </a:tc>
                 <a:extLst>
                   <a:ext uri="{0D108BD9-81ED-4DB2-BD59-A6C34878D82A}">
-                    <a16:rowId xmlns:a16="http://schemas.microsoft.com/office/drawing/2014/main" xmlns="" val="10005"/>
+                    <a16:rowId xmlns="" xmlns:a16="http://schemas.microsoft.com/office/drawing/2014/main" val="10005"/>
                   </a:ext>
                 </a:extLst>
               </a:tr>
@@ -8510,6 +8510,52 @@
           </a:p>
         </p:txBody>
       </p:sp>
+      <p:sp>
+        <p:nvSpPr>
+          <p:cNvPr id="2" name="직사각형 1"/>
+          <p:cNvSpPr/>
+          <p:nvPr/>
+        </p:nvSpPr>
+        <p:spPr>
+          <a:xfrm>
+            <a:off x="135466" y="1617134"/>
+            <a:ext cx="11895667" cy="4411134"/>
+          </a:xfrm>
+          <a:prstGeom prst="rect">
+            <a:avLst/>
+          </a:prstGeom>
+          <a:noFill/>
+          <a:ln>
+            <a:solidFill>
+              <a:schemeClr val="tx1"/>
+            </a:solidFill>
+          </a:ln>
+        </p:spPr>
+        <p:style>
+          <a:lnRef idx="2">
+            <a:schemeClr val="accent1">
+              <a:shade val="50000"/>
+            </a:schemeClr>
+          </a:lnRef>
+          <a:fillRef idx="1">
+            <a:schemeClr val="accent1"/>
+          </a:fillRef>
+          <a:effectRef idx="0">
+            <a:schemeClr val="accent1"/>
+          </a:effectRef>
+          <a:fontRef idx="minor">
+            <a:schemeClr val="lt1"/>
+          </a:fontRef>
+        </p:style>
+        <p:txBody>
+          <a:bodyPr rtlCol="0" anchor="ctr"/>
+          <a:lstStyle/>
+          <a:p>
+            <a:pPr algn="ctr"/>
+            <a:endParaRPr lang="ko-KR" altLang="en-US"/>
+          </a:p>
+        </p:txBody>
+      </p:sp>
     </p:spTree>
     <p:extLst>
       <p:ext uri="{BB962C8B-B14F-4D97-AF65-F5344CB8AC3E}">
@@ -8573,14 +8619,14 @@
                 <a:gridCol w="289755">
                   <a:extLst>
                     <a:ext uri="{9D8B030D-6E8A-4147-A177-3AD203B41FA5}">
-                      <a16:colId xmlns:a16="http://schemas.microsoft.com/office/drawing/2014/main" xmlns="" val="20000"/>
+                      <a16:colId xmlns="" xmlns:a16="http://schemas.microsoft.com/office/drawing/2014/main" val="20000"/>
                     </a:ext>
                   </a:extLst>
                 </a:gridCol>
                 <a:gridCol w="2662575">
                   <a:extLst>
                     <a:ext uri="{9D8B030D-6E8A-4147-A177-3AD203B41FA5}">
-                      <a16:colId xmlns:a16="http://schemas.microsoft.com/office/drawing/2014/main" xmlns="" val="20001"/>
+                      <a16:colId xmlns="" xmlns:a16="http://schemas.microsoft.com/office/drawing/2014/main" val="20001"/>
                     </a:ext>
                   </a:extLst>
                 </a:gridCol>
@@ -8738,7 +8784,7 @@
                 </a:tc>
                 <a:extLst>
                   <a:ext uri="{0D108BD9-81ED-4DB2-BD59-A6C34878D82A}">
-                    <a16:rowId xmlns:a16="http://schemas.microsoft.com/office/drawing/2014/main" xmlns="" val="10000"/>
+                    <a16:rowId xmlns="" xmlns:a16="http://schemas.microsoft.com/office/drawing/2014/main" val="10000"/>
                   </a:ext>
                 </a:extLst>
               </a:tr>
@@ -8956,7 +9002,7 @@
                 </a:tc>
                 <a:extLst>
                   <a:ext uri="{0D108BD9-81ED-4DB2-BD59-A6C34878D82A}">
-                    <a16:rowId xmlns:a16="http://schemas.microsoft.com/office/drawing/2014/main" xmlns="" val="10001"/>
+                    <a16:rowId xmlns="" xmlns:a16="http://schemas.microsoft.com/office/drawing/2014/main" val="10001"/>
                   </a:ext>
                 </a:extLst>
               </a:tr>
@@ -9180,7 +9226,7 @@
                 </a:tc>
                 <a:extLst>
                   <a:ext uri="{0D108BD9-81ED-4DB2-BD59-A6C34878D82A}">
-                    <a16:rowId xmlns:a16="http://schemas.microsoft.com/office/drawing/2014/main" xmlns="" val="10002"/>
+                    <a16:rowId xmlns="" xmlns:a16="http://schemas.microsoft.com/office/drawing/2014/main" val="10002"/>
                   </a:ext>
                 </a:extLst>
               </a:tr>
@@ -9449,7 +9495,7 @@
                 </a:tc>
                 <a:extLst>
                   <a:ext uri="{0D108BD9-81ED-4DB2-BD59-A6C34878D82A}">
-                    <a16:rowId xmlns:a16="http://schemas.microsoft.com/office/drawing/2014/main" xmlns="" val="10003"/>
+                    <a16:rowId xmlns="" xmlns:a16="http://schemas.microsoft.com/office/drawing/2014/main" val="10003"/>
                   </a:ext>
                 </a:extLst>
               </a:tr>
@@ -11213,14 +11259,14 @@
                 <a:gridCol w="289755">
                   <a:extLst>
                     <a:ext uri="{9D8B030D-6E8A-4147-A177-3AD203B41FA5}">
-                      <a16:colId xmlns:a16="http://schemas.microsoft.com/office/drawing/2014/main" xmlns="" val="20000"/>
+                      <a16:colId xmlns="" xmlns:a16="http://schemas.microsoft.com/office/drawing/2014/main" val="20000"/>
                     </a:ext>
                   </a:extLst>
                 </a:gridCol>
                 <a:gridCol w="2662575">
                   <a:extLst>
                     <a:ext uri="{9D8B030D-6E8A-4147-A177-3AD203B41FA5}">
-                      <a16:colId xmlns:a16="http://schemas.microsoft.com/office/drawing/2014/main" xmlns="" val="20001"/>
+                      <a16:colId xmlns="" xmlns:a16="http://schemas.microsoft.com/office/drawing/2014/main" val="20001"/>
                     </a:ext>
                   </a:extLst>
                 </a:gridCol>
@@ -11378,7 +11424,7 @@
                 </a:tc>
                 <a:extLst>
                   <a:ext uri="{0D108BD9-81ED-4DB2-BD59-A6C34878D82A}">
-                    <a16:rowId xmlns:a16="http://schemas.microsoft.com/office/drawing/2014/main" xmlns="" val="10000"/>
+                    <a16:rowId xmlns="" xmlns:a16="http://schemas.microsoft.com/office/drawing/2014/main" val="10000"/>
                   </a:ext>
                 </a:extLst>
               </a:tr>
@@ -11536,7 +11582,7 @@
                 </a:tc>
                 <a:extLst>
                   <a:ext uri="{0D108BD9-81ED-4DB2-BD59-A6C34878D82A}">
-                    <a16:rowId xmlns:a16="http://schemas.microsoft.com/office/drawing/2014/main" xmlns="" val="10001"/>
+                    <a16:rowId xmlns="" xmlns:a16="http://schemas.microsoft.com/office/drawing/2014/main" val="10001"/>
                   </a:ext>
                 </a:extLst>
               </a:tr>
@@ -11705,7 +11751,7 @@
                 </a:tc>
                 <a:extLst>
                   <a:ext uri="{0D108BD9-81ED-4DB2-BD59-A6C34878D82A}">
-                    <a16:rowId xmlns:a16="http://schemas.microsoft.com/office/drawing/2014/main" xmlns="" val="10002"/>
+                    <a16:rowId xmlns="" xmlns:a16="http://schemas.microsoft.com/office/drawing/2014/main" val="10002"/>
                   </a:ext>
                 </a:extLst>
               </a:tr>
@@ -11894,7 +11940,7 @@
                 </a:tc>
                 <a:extLst>
                   <a:ext uri="{0D108BD9-81ED-4DB2-BD59-A6C34878D82A}">
-                    <a16:rowId xmlns:a16="http://schemas.microsoft.com/office/drawing/2014/main" xmlns="" val="10003"/>
+                    <a16:rowId xmlns="" xmlns:a16="http://schemas.microsoft.com/office/drawing/2014/main" val="10003"/>
                   </a:ext>
                 </a:extLst>
               </a:tr>
@@ -15262,7 +15308,7 @@
   <a:extraClrSchemeLst/>
   <a:extLst>
     <a:ext uri="{05A4C25C-085E-4340-85A3-A5531E510DB2}">
-      <thm15:themeFamily xmlns:thm15="http://schemas.microsoft.com/office/thememl/2012/main" xmlns="" name="Office Theme" id="{62F939B6-93AF-4DB8-9C6B-D6C7DFDC589F}" vid="{4A3C46E8-61CC-4603-A589-7422A47A8E4A}"/>
+      <thm15:themeFamily xmlns="" xmlns:thm15="http://schemas.microsoft.com/office/thememl/2012/main" name="Office Theme" id="{62F939B6-93AF-4DB8-9C6B-D6C7DFDC589F}" vid="{4A3C46E8-61CC-4603-A589-7422A47A8E4A}"/>
     </a:ext>
   </a:extLst>
 </a:theme>
@@ -15523,7 +15569,7 @@
   <a:extraClrSchemeLst/>
   <a:extLst>
     <a:ext uri="{05A4C25C-085E-4340-85A3-A5531E510DB2}">
-      <thm15:themeFamily xmlns:thm15="http://schemas.microsoft.com/office/thememl/2012/main" xmlns="" name="Office Theme" id="{62F939B6-93AF-4DB8-9C6B-D6C7DFDC589F}" vid="{4A3C46E8-61CC-4603-A589-7422A47A8E4A}"/>
+      <thm15:themeFamily xmlns="" xmlns:thm15="http://schemas.microsoft.com/office/thememl/2012/main" name="Office Theme" id="{62F939B6-93AF-4DB8-9C6B-D6C7DFDC589F}" vid="{4A3C46E8-61CC-4603-A589-7422A47A8E4A}"/>
     </a:ext>
   </a:extLst>
 </a:theme>

--- a/0 발표용 파워포인트/0417 3차발표/0417 project05 - 파워포인트 - 형준.pptx
+++ b/0 발표용 파워포인트/0417 3차발표/0417 project05 - 파워포인트 - 형준.pptx
@@ -5,7 +5,7 @@
     <p:sldMasterId id="2147483648" r:id="rId1"/>
   </p:sldMasterIdLst>
   <p:notesMasterIdLst>
-    <p:notesMasterId r:id="rId17"/>
+    <p:notesMasterId r:id="rId27"/>
   </p:notesMasterIdLst>
   <p:sldIdLst>
     <p:sldId id="256" r:id="rId2"/>
@@ -13,16 +13,26 @@
     <p:sldId id="260" r:id="rId4"/>
     <p:sldId id="257" r:id="rId5"/>
     <p:sldId id="258" r:id="rId6"/>
-    <p:sldId id="261" r:id="rId7"/>
-    <p:sldId id="262" r:id="rId8"/>
-    <p:sldId id="263" r:id="rId9"/>
-    <p:sldId id="264" r:id="rId10"/>
-    <p:sldId id="265" r:id="rId11"/>
-    <p:sldId id="266" r:id="rId12"/>
-    <p:sldId id="267" r:id="rId13"/>
-    <p:sldId id="268" r:id="rId14"/>
-    <p:sldId id="269" r:id="rId15"/>
-    <p:sldId id="270" r:id="rId16"/>
+    <p:sldId id="271" r:id="rId7"/>
+    <p:sldId id="261" r:id="rId8"/>
+    <p:sldId id="262" r:id="rId9"/>
+    <p:sldId id="263" r:id="rId10"/>
+    <p:sldId id="264" r:id="rId11"/>
+    <p:sldId id="265" r:id="rId12"/>
+    <p:sldId id="266" r:id="rId13"/>
+    <p:sldId id="267" r:id="rId14"/>
+    <p:sldId id="268" r:id="rId15"/>
+    <p:sldId id="269" r:id="rId16"/>
+    <p:sldId id="270" r:id="rId17"/>
+    <p:sldId id="272" r:id="rId18"/>
+    <p:sldId id="273" r:id="rId19"/>
+    <p:sldId id="274" r:id="rId20"/>
+    <p:sldId id="275" r:id="rId21"/>
+    <p:sldId id="276" r:id="rId22"/>
+    <p:sldId id="277" r:id="rId23"/>
+    <p:sldId id="278" r:id="rId24"/>
+    <p:sldId id="279" r:id="rId25"/>
+    <p:sldId id="280" r:id="rId26"/>
   </p:sldIdLst>
   <p:sldSz cx="12192000" cy="6858000"/>
   <p:notesSz cx="6858000" cy="9144000"/>
@@ -123,7 +133,7 @@
   </p:defaultTextStyle>
   <p:extLst>
     <p:ext uri="{EFAFB233-063F-42B5-8137-9DF3F51BA10A}">
-      <p15:sldGuideLst xmlns="" xmlns:p15="http://schemas.microsoft.com/office/powerpoint/2012/main">
+      <p15:sldGuideLst xmlns:p15="http://schemas.microsoft.com/office/powerpoint/2012/main" xmlns="">
         <p15:guide id="1" orient="horz" pos="2160">
           <p15:clr>
             <a:srgbClr val="A4A3A4"/>
@@ -619,7 +629,7 @@
 </p:notes>
 </file>
 
-<file path=ppt/notesSlides/notesSlide2.xml><?xml version="1.0" encoding="utf-8"?>
+<file path=ppt/notesSlides/notesSlide10.xml><?xml version="1.0" encoding="utf-8"?>
 <p:notes xmlns:a="http://schemas.openxmlformats.org/drawingml/2006/main" xmlns:r="http://schemas.openxmlformats.org/officeDocument/2006/relationships" xmlns:p="http://schemas.openxmlformats.org/presentationml/2006/main" showMasterSp="0" showMasterPhAnim="0">
   <p:cSld>
     <p:spTree>
@@ -746,7 +756,7 @@
 </p:notes>
 </file>
 
-<file path=ppt/notesSlides/notesSlide3.xml><?xml version="1.0" encoding="utf-8"?>
+<file path=ppt/notesSlides/notesSlide11.xml><?xml version="1.0" encoding="utf-8"?>
 <p:notes xmlns:a="http://schemas.openxmlformats.org/drawingml/2006/main" xmlns:r="http://schemas.openxmlformats.org/officeDocument/2006/relationships" xmlns:p="http://schemas.openxmlformats.org/presentationml/2006/main" showMasterSp="0" showMasterPhAnim="0">
   <p:cSld>
     <p:spTree>
@@ -873,7 +883,7 @@
 </p:notes>
 </file>
 
-<file path=ppt/notesSlides/notesSlide4.xml><?xml version="1.0" encoding="utf-8"?>
+<file path=ppt/notesSlides/notesSlide12.xml><?xml version="1.0" encoding="utf-8"?>
 <p:notes xmlns:a="http://schemas.openxmlformats.org/drawingml/2006/main" xmlns:r="http://schemas.openxmlformats.org/officeDocument/2006/relationships" xmlns:p="http://schemas.openxmlformats.org/presentationml/2006/main" showMasterSp="0" showMasterPhAnim="0">
   <p:cSld>
     <p:spTree>
@@ -1000,7 +1010,7 @@
 </p:notes>
 </file>
 
-<file path=ppt/notesSlides/notesSlide5.xml><?xml version="1.0" encoding="utf-8"?>
+<file path=ppt/notesSlides/notesSlide13.xml><?xml version="1.0" encoding="utf-8"?>
 <p:notes xmlns:a="http://schemas.openxmlformats.org/drawingml/2006/main" xmlns:r="http://schemas.openxmlformats.org/officeDocument/2006/relationships" xmlns:p="http://schemas.openxmlformats.org/presentationml/2006/main" showMasterSp="0" showMasterPhAnim="0">
   <p:cSld>
     <p:spTree>
@@ -1127,7 +1137,7 @@
 </p:notes>
 </file>
 
-<file path=ppt/notesSlides/notesSlide6.xml><?xml version="1.0" encoding="utf-8"?>
+<file path=ppt/notesSlides/notesSlide14.xml><?xml version="1.0" encoding="utf-8"?>
 <p:notes xmlns:a="http://schemas.openxmlformats.org/drawingml/2006/main" xmlns:r="http://schemas.openxmlformats.org/officeDocument/2006/relationships" xmlns:p="http://schemas.openxmlformats.org/presentationml/2006/main" showMasterSp="0" showMasterPhAnim="0">
   <p:cSld>
     <p:spTree>
@@ -1254,7 +1264,1150 @@
 </p:notes>
 </file>
 
+<file path=ppt/notesSlides/notesSlide15.xml><?xml version="1.0" encoding="utf-8"?>
+<p:notes xmlns:a="http://schemas.openxmlformats.org/drawingml/2006/main" xmlns:r="http://schemas.openxmlformats.org/officeDocument/2006/relationships" xmlns:p="http://schemas.openxmlformats.org/presentationml/2006/main" showMasterSp="0" showMasterPhAnim="0">
+  <p:cSld>
+    <p:spTree>
+      <p:nvGrpSpPr>
+        <p:cNvPr id="1" name="Shape 87"/>
+        <p:cNvGrpSpPr/>
+        <p:nvPr/>
+      </p:nvGrpSpPr>
+      <p:grpSpPr>
+        <a:xfrm>
+          <a:off x="0" y="0"/>
+          <a:ext cx="0" cy="0"/>
+          <a:chOff x="0" y="0"/>
+          <a:chExt cx="0" cy="0"/>
+        </a:xfrm>
+      </p:grpSpPr>
+      <p:sp>
+        <p:nvSpPr>
+          <p:cNvPr id="88" name="Google Shape;88;g7c553259d1_0_3:notes"/>
+          <p:cNvSpPr txBox="1">
+            <a:spLocks noGrp="1"/>
+          </p:cNvSpPr>
+          <p:nvPr>
+            <p:ph type="body" idx="1"/>
+          </p:nvPr>
+        </p:nvSpPr>
+        <p:spPr>
+          <a:xfrm>
+            <a:off x="685800" y="4343400"/>
+            <a:ext cx="5486400" cy="4114800"/>
+          </a:xfrm>
+          <a:prstGeom prst="rect">
+            <a:avLst/>
+          </a:prstGeom>
+          <a:noFill/>
+          <a:ln>
+            <a:noFill/>
+          </a:ln>
+        </p:spPr>
+        <p:txBody>
+          <a:bodyPr spcFirstLastPara="1" wrap="square" lIns="91425" tIns="91425" rIns="91425" bIns="91425" anchor="t" anchorCtr="0">
+            <a:noAutofit/>
+          </a:bodyPr>
+          <a:lstStyle/>
+          <a:p>
+            <a:pPr marL="0" lvl="0" indent="0" algn="l" rtl="0">
+              <a:lnSpc>
+                <a:spcPct val="100000"/>
+              </a:lnSpc>
+              <a:spcBef>
+                <a:spcPts val="0"/>
+              </a:spcBef>
+              <a:spcAft>
+                <a:spcPts val="0"/>
+              </a:spcAft>
+              <a:buSzPts val="1100"/>
+              <a:buNone/>
+            </a:pPr>
+            <a:endParaRPr/>
+          </a:p>
+        </p:txBody>
+      </p:sp>
+      <p:sp>
+        <p:nvSpPr>
+          <p:cNvPr id="89" name="Google Shape;89;g7c553259d1_0_3:notes"/>
+          <p:cNvSpPr>
+            <a:spLocks noGrp="1" noRot="1" noChangeAspect="1"/>
+          </p:cNvSpPr>
+          <p:nvPr>
+            <p:ph type="sldImg" idx="2"/>
+          </p:nvPr>
+        </p:nvSpPr>
+        <p:spPr>
+          <a:xfrm>
+            <a:off x="382588" y="685800"/>
+            <a:ext cx="6094412" cy="3429000"/>
+          </a:xfrm>
+          <a:custGeom>
+            <a:avLst/>
+            <a:gdLst/>
+            <a:ahLst/>
+            <a:cxnLst/>
+            <a:rect l="l" t="t" r="r" b="b"/>
+            <a:pathLst>
+              <a:path w="120000" h="120000" extrusionOk="0">
+                <a:moveTo>
+                  <a:pt x="0" y="0"/>
+                </a:moveTo>
+                <a:lnTo>
+                  <a:pt x="120000" y="0"/>
+                </a:lnTo>
+                <a:lnTo>
+                  <a:pt x="120000" y="120000"/>
+                </a:lnTo>
+                <a:lnTo>
+                  <a:pt x="0" y="120000"/>
+                </a:lnTo>
+                <a:close/>
+              </a:path>
+            </a:pathLst>
+          </a:custGeom>
+          <a:noFill/>
+          <a:ln w="9525" cap="flat" cmpd="sng">
+            <a:solidFill>
+              <a:srgbClr val="000000"/>
+            </a:solidFill>
+            <a:prstDash val="solid"/>
+            <a:round/>
+            <a:headEnd type="none" w="sm" len="sm"/>
+            <a:tailEnd type="none" w="sm" len="sm"/>
+          </a:ln>
+        </p:spPr>
+      </p:sp>
+    </p:spTree>
+    <p:extLst>
+      <p:ext uri="{BB962C8B-B14F-4D97-AF65-F5344CB8AC3E}">
+        <p14:creationId xmlns:p14="http://schemas.microsoft.com/office/powerpoint/2010/main" val="904104145"/>
+      </p:ext>
+    </p:extLst>
+  </p:cSld>
+  <p:clrMapOvr>
+    <a:masterClrMapping/>
+  </p:clrMapOvr>
+</p:notes>
+</file>
+
+<file path=ppt/notesSlides/notesSlide16.xml><?xml version="1.0" encoding="utf-8"?>
+<p:notes xmlns:a="http://schemas.openxmlformats.org/drawingml/2006/main" xmlns:r="http://schemas.openxmlformats.org/officeDocument/2006/relationships" xmlns:p="http://schemas.openxmlformats.org/presentationml/2006/main" showMasterSp="0" showMasterPhAnim="0">
+  <p:cSld>
+    <p:spTree>
+      <p:nvGrpSpPr>
+        <p:cNvPr id="1" name="Shape 87"/>
+        <p:cNvGrpSpPr/>
+        <p:nvPr/>
+      </p:nvGrpSpPr>
+      <p:grpSpPr>
+        <a:xfrm>
+          <a:off x="0" y="0"/>
+          <a:ext cx="0" cy="0"/>
+          <a:chOff x="0" y="0"/>
+          <a:chExt cx="0" cy="0"/>
+        </a:xfrm>
+      </p:grpSpPr>
+      <p:sp>
+        <p:nvSpPr>
+          <p:cNvPr id="88" name="Google Shape;88;g7c553259d1_0_3:notes"/>
+          <p:cNvSpPr txBox="1">
+            <a:spLocks noGrp="1"/>
+          </p:cNvSpPr>
+          <p:nvPr>
+            <p:ph type="body" idx="1"/>
+          </p:nvPr>
+        </p:nvSpPr>
+        <p:spPr>
+          <a:xfrm>
+            <a:off x="685800" y="4343400"/>
+            <a:ext cx="5486400" cy="4114800"/>
+          </a:xfrm>
+          <a:prstGeom prst="rect">
+            <a:avLst/>
+          </a:prstGeom>
+          <a:noFill/>
+          <a:ln>
+            <a:noFill/>
+          </a:ln>
+        </p:spPr>
+        <p:txBody>
+          <a:bodyPr spcFirstLastPara="1" wrap="square" lIns="91425" tIns="91425" rIns="91425" bIns="91425" anchor="t" anchorCtr="0">
+            <a:noAutofit/>
+          </a:bodyPr>
+          <a:lstStyle/>
+          <a:p>
+            <a:pPr marL="0" lvl="0" indent="0" algn="l" rtl="0">
+              <a:lnSpc>
+                <a:spcPct val="100000"/>
+              </a:lnSpc>
+              <a:spcBef>
+                <a:spcPts val="0"/>
+              </a:spcBef>
+              <a:spcAft>
+                <a:spcPts val="0"/>
+              </a:spcAft>
+              <a:buSzPts val="1100"/>
+              <a:buNone/>
+            </a:pPr>
+            <a:endParaRPr/>
+          </a:p>
+        </p:txBody>
+      </p:sp>
+      <p:sp>
+        <p:nvSpPr>
+          <p:cNvPr id="89" name="Google Shape;89;g7c553259d1_0_3:notes"/>
+          <p:cNvSpPr>
+            <a:spLocks noGrp="1" noRot="1" noChangeAspect="1"/>
+          </p:cNvSpPr>
+          <p:nvPr>
+            <p:ph type="sldImg" idx="2"/>
+          </p:nvPr>
+        </p:nvSpPr>
+        <p:spPr>
+          <a:xfrm>
+            <a:off x="382588" y="685800"/>
+            <a:ext cx="6094412" cy="3429000"/>
+          </a:xfrm>
+          <a:custGeom>
+            <a:avLst/>
+            <a:gdLst/>
+            <a:ahLst/>
+            <a:cxnLst/>
+            <a:rect l="l" t="t" r="r" b="b"/>
+            <a:pathLst>
+              <a:path w="120000" h="120000" extrusionOk="0">
+                <a:moveTo>
+                  <a:pt x="0" y="0"/>
+                </a:moveTo>
+                <a:lnTo>
+                  <a:pt x="120000" y="0"/>
+                </a:lnTo>
+                <a:lnTo>
+                  <a:pt x="120000" y="120000"/>
+                </a:lnTo>
+                <a:lnTo>
+                  <a:pt x="0" y="120000"/>
+                </a:lnTo>
+                <a:close/>
+              </a:path>
+            </a:pathLst>
+          </a:custGeom>
+          <a:noFill/>
+          <a:ln w="9525" cap="flat" cmpd="sng">
+            <a:solidFill>
+              <a:srgbClr val="000000"/>
+            </a:solidFill>
+            <a:prstDash val="solid"/>
+            <a:round/>
+            <a:headEnd type="none" w="sm" len="sm"/>
+            <a:tailEnd type="none" w="sm" len="sm"/>
+          </a:ln>
+        </p:spPr>
+      </p:sp>
+    </p:spTree>
+    <p:extLst>
+      <p:ext uri="{BB962C8B-B14F-4D97-AF65-F5344CB8AC3E}">
+        <p14:creationId xmlns:p14="http://schemas.microsoft.com/office/powerpoint/2010/main" val="904104145"/>
+      </p:ext>
+    </p:extLst>
+  </p:cSld>
+  <p:clrMapOvr>
+    <a:masterClrMapping/>
+  </p:clrMapOvr>
+</p:notes>
+</file>
+
+<file path=ppt/notesSlides/notesSlide2.xml><?xml version="1.0" encoding="utf-8"?>
+<p:notes xmlns:a="http://schemas.openxmlformats.org/drawingml/2006/main" xmlns:r="http://schemas.openxmlformats.org/officeDocument/2006/relationships" xmlns:p="http://schemas.openxmlformats.org/presentationml/2006/main" showMasterSp="0" showMasterPhAnim="0">
+  <p:cSld>
+    <p:spTree>
+      <p:nvGrpSpPr>
+        <p:cNvPr id="1" name="Shape 87"/>
+        <p:cNvGrpSpPr/>
+        <p:nvPr/>
+      </p:nvGrpSpPr>
+      <p:grpSpPr>
+        <a:xfrm>
+          <a:off x="0" y="0"/>
+          <a:ext cx="0" cy="0"/>
+          <a:chOff x="0" y="0"/>
+          <a:chExt cx="0" cy="0"/>
+        </a:xfrm>
+      </p:grpSpPr>
+      <p:sp>
+        <p:nvSpPr>
+          <p:cNvPr id="88" name="Google Shape;88;g7c553259d1_0_3:notes"/>
+          <p:cNvSpPr txBox="1">
+            <a:spLocks noGrp="1"/>
+          </p:cNvSpPr>
+          <p:nvPr>
+            <p:ph type="body" idx="1"/>
+          </p:nvPr>
+        </p:nvSpPr>
+        <p:spPr>
+          <a:xfrm>
+            <a:off x="685800" y="4343400"/>
+            <a:ext cx="5486400" cy="4114800"/>
+          </a:xfrm>
+          <a:prstGeom prst="rect">
+            <a:avLst/>
+          </a:prstGeom>
+          <a:noFill/>
+          <a:ln>
+            <a:noFill/>
+          </a:ln>
+        </p:spPr>
+        <p:txBody>
+          <a:bodyPr spcFirstLastPara="1" wrap="square" lIns="91425" tIns="91425" rIns="91425" bIns="91425" anchor="t" anchorCtr="0">
+            <a:noAutofit/>
+          </a:bodyPr>
+          <a:lstStyle/>
+          <a:p>
+            <a:pPr marL="0" lvl="0" indent="0" algn="l" rtl="0">
+              <a:lnSpc>
+                <a:spcPct val="100000"/>
+              </a:lnSpc>
+              <a:spcBef>
+                <a:spcPts val="0"/>
+              </a:spcBef>
+              <a:spcAft>
+                <a:spcPts val="0"/>
+              </a:spcAft>
+              <a:buSzPts val="1100"/>
+              <a:buNone/>
+            </a:pPr>
+            <a:endParaRPr/>
+          </a:p>
+        </p:txBody>
+      </p:sp>
+      <p:sp>
+        <p:nvSpPr>
+          <p:cNvPr id="89" name="Google Shape;89;g7c553259d1_0_3:notes"/>
+          <p:cNvSpPr>
+            <a:spLocks noGrp="1" noRot="1" noChangeAspect="1"/>
+          </p:cNvSpPr>
+          <p:nvPr>
+            <p:ph type="sldImg" idx="2"/>
+          </p:nvPr>
+        </p:nvSpPr>
+        <p:spPr>
+          <a:xfrm>
+            <a:off x="382588" y="685800"/>
+            <a:ext cx="6094412" cy="3429000"/>
+          </a:xfrm>
+          <a:custGeom>
+            <a:avLst/>
+            <a:gdLst/>
+            <a:ahLst/>
+            <a:cxnLst/>
+            <a:rect l="l" t="t" r="r" b="b"/>
+            <a:pathLst>
+              <a:path w="120000" h="120000" extrusionOk="0">
+                <a:moveTo>
+                  <a:pt x="0" y="0"/>
+                </a:moveTo>
+                <a:lnTo>
+                  <a:pt x="120000" y="0"/>
+                </a:lnTo>
+                <a:lnTo>
+                  <a:pt x="120000" y="120000"/>
+                </a:lnTo>
+                <a:lnTo>
+                  <a:pt x="0" y="120000"/>
+                </a:lnTo>
+                <a:close/>
+              </a:path>
+            </a:pathLst>
+          </a:custGeom>
+          <a:noFill/>
+          <a:ln w="9525" cap="flat" cmpd="sng">
+            <a:solidFill>
+              <a:srgbClr val="000000"/>
+            </a:solidFill>
+            <a:prstDash val="solid"/>
+            <a:round/>
+            <a:headEnd type="none" w="sm" len="sm"/>
+            <a:tailEnd type="none" w="sm" len="sm"/>
+          </a:ln>
+        </p:spPr>
+      </p:sp>
+    </p:spTree>
+    <p:extLst>
+      <p:ext uri="{BB962C8B-B14F-4D97-AF65-F5344CB8AC3E}">
+        <p14:creationId xmlns:p14="http://schemas.microsoft.com/office/powerpoint/2010/main" val="904104145"/>
+      </p:ext>
+    </p:extLst>
+  </p:cSld>
+  <p:clrMapOvr>
+    <a:masterClrMapping/>
+  </p:clrMapOvr>
+</p:notes>
+</file>
+
+<file path=ppt/notesSlides/notesSlide3.xml><?xml version="1.0" encoding="utf-8"?>
+<p:notes xmlns:a="http://schemas.openxmlformats.org/drawingml/2006/main" xmlns:r="http://schemas.openxmlformats.org/officeDocument/2006/relationships" xmlns:p="http://schemas.openxmlformats.org/presentationml/2006/main" showMasterSp="0" showMasterPhAnim="0">
+  <p:cSld>
+    <p:spTree>
+      <p:nvGrpSpPr>
+        <p:cNvPr id="1" name="Shape 87"/>
+        <p:cNvGrpSpPr/>
+        <p:nvPr/>
+      </p:nvGrpSpPr>
+      <p:grpSpPr>
+        <a:xfrm>
+          <a:off x="0" y="0"/>
+          <a:ext cx="0" cy="0"/>
+          <a:chOff x="0" y="0"/>
+          <a:chExt cx="0" cy="0"/>
+        </a:xfrm>
+      </p:grpSpPr>
+      <p:sp>
+        <p:nvSpPr>
+          <p:cNvPr id="88" name="Google Shape;88;g7c553259d1_0_3:notes"/>
+          <p:cNvSpPr txBox="1">
+            <a:spLocks noGrp="1"/>
+          </p:cNvSpPr>
+          <p:nvPr>
+            <p:ph type="body" idx="1"/>
+          </p:nvPr>
+        </p:nvSpPr>
+        <p:spPr>
+          <a:xfrm>
+            <a:off x="685800" y="4343400"/>
+            <a:ext cx="5486400" cy="4114800"/>
+          </a:xfrm>
+          <a:prstGeom prst="rect">
+            <a:avLst/>
+          </a:prstGeom>
+          <a:noFill/>
+          <a:ln>
+            <a:noFill/>
+          </a:ln>
+        </p:spPr>
+        <p:txBody>
+          <a:bodyPr spcFirstLastPara="1" wrap="square" lIns="91425" tIns="91425" rIns="91425" bIns="91425" anchor="t" anchorCtr="0">
+            <a:noAutofit/>
+          </a:bodyPr>
+          <a:lstStyle/>
+          <a:p>
+            <a:pPr marL="0" lvl="0" indent="0" algn="l" rtl="0">
+              <a:lnSpc>
+                <a:spcPct val="100000"/>
+              </a:lnSpc>
+              <a:spcBef>
+                <a:spcPts val="0"/>
+              </a:spcBef>
+              <a:spcAft>
+                <a:spcPts val="0"/>
+              </a:spcAft>
+              <a:buSzPts val="1100"/>
+              <a:buNone/>
+            </a:pPr>
+            <a:endParaRPr/>
+          </a:p>
+        </p:txBody>
+      </p:sp>
+      <p:sp>
+        <p:nvSpPr>
+          <p:cNvPr id="89" name="Google Shape;89;g7c553259d1_0_3:notes"/>
+          <p:cNvSpPr>
+            <a:spLocks noGrp="1" noRot="1" noChangeAspect="1"/>
+          </p:cNvSpPr>
+          <p:nvPr>
+            <p:ph type="sldImg" idx="2"/>
+          </p:nvPr>
+        </p:nvSpPr>
+        <p:spPr>
+          <a:xfrm>
+            <a:off x="382588" y="685800"/>
+            <a:ext cx="6094412" cy="3429000"/>
+          </a:xfrm>
+          <a:custGeom>
+            <a:avLst/>
+            <a:gdLst/>
+            <a:ahLst/>
+            <a:cxnLst/>
+            <a:rect l="l" t="t" r="r" b="b"/>
+            <a:pathLst>
+              <a:path w="120000" h="120000" extrusionOk="0">
+                <a:moveTo>
+                  <a:pt x="0" y="0"/>
+                </a:moveTo>
+                <a:lnTo>
+                  <a:pt x="120000" y="0"/>
+                </a:lnTo>
+                <a:lnTo>
+                  <a:pt x="120000" y="120000"/>
+                </a:lnTo>
+                <a:lnTo>
+                  <a:pt x="0" y="120000"/>
+                </a:lnTo>
+                <a:close/>
+              </a:path>
+            </a:pathLst>
+          </a:custGeom>
+          <a:noFill/>
+          <a:ln w="9525" cap="flat" cmpd="sng">
+            <a:solidFill>
+              <a:srgbClr val="000000"/>
+            </a:solidFill>
+            <a:prstDash val="solid"/>
+            <a:round/>
+            <a:headEnd type="none" w="sm" len="sm"/>
+            <a:tailEnd type="none" w="sm" len="sm"/>
+          </a:ln>
+        </p:spPr>
+      </p:sp>
+    </p:spTree>
+    <p:extLst>
+      <p:ext uri="{BB962C8B-B14F-4D97-AF65-F5344CB8AC3E}">
+        <p14:creationId xmlns:p14="http://schemas.microsoft.com/office/powerpoint/2010/main" val="904104145"/>
+      </p:ext>
+    </p:extLst>
+  </p:cSld>
+  <p:clrMapOvr>
+    <a:masterClrMapping/>
+  </p:clrMapOvr>
+</p:notes>
+</file>
+
+<file path=ppt/notesSlides/notesSlide4.xml><?xml version="1.0" encoding="utf-8"?>
+<p:notes xmlns:a="http://schemas.openxmlformats.org/drawingml/2006/main" xmlns:r="http://schemas.openxmlformats.org/officeDocument/2006/relationships" xmlns:p="http://schemas.openxmlformats.org/presentationml/2006/main" showMasterSp="0" showMasterPhAnim="0">
+  <p:cSld>
+    <p:spTree>
+      <p:nvGrpSpPr>
+        <p:cNvPr id="1" name="Shape 87"/>
+        <p:cNvGrpSpPr/>
+        <p:nvPr/>
+      </p:nvGrpSpPr>
+      <p:grpSpPr>
+        <a:xfrm>
+          <a:off x="0" y="0"/>
+          <a:ext cx="0" cy="0"/>
+          <a:chOff x="0" y="0"/>
+          <a:chExt cx="0" cy="0"/>
+        </a:xfrm>
+      </p:grpSpPr>
+      <p:sp>
+        <p:nvSpPr>
+          <p:cNvPr id="88" name="Google Shape;88;g7c553259d1_0_3:notes"/>
+          <p:cNvSpPr txBox="1">
+            <a:spLocks noGrp="1"/>
+          </p:cNvSpPr>
+          <p:nvPr>
+            <p:ph type="body" idx="1"/>
+          </p:nvPr>
+        </p:nvSpPr>
+        <p:spPr>
+          <a:xfrm>
+            <a:off x="685800" y="4343400"/>
+            <a:ext cx="5486400" cy="4114800"/>
+          </a:xfrm>
+          <a:prstGeom prst="rect">
+            <a:avLst/>
+          </a:prstGeom>
+          <a:noFill/>
+          <a:ln>
+            <a:noFill/>
+          </a:ln>
+        </p:spPr>
+        <p:txBody>
+          <a:bodyPr spcFirstLastPara="1" wrap="square" lIns="91425" tIns="91425" rIns="91425" bIns="91425" anchor="t" anchorCtr="0">
+            <a:noAutofit/>
+          </a:bodyPr>
+          <a:lstStyle/>
+          <a:p>
+            <a:pPr marL="0" lvl="0" indent="0" algn="l" rtl="0">
+              <a:lnSpc>
+                <a:spcPct val="100000"/>
+              </a:lnSpc>
+              <a:spcBef>
+                <a:spcPts val="0"/>
+              </a:spcBef>
+              <a:spcAft>
+                <a:spcPts val="0"/>
+              </a:spcAft>
+              <a:buSzPts val="1100"/>
+              <a:buNone/>
+            </a:pPr>
+            <a:endParaRPr/>
+          </a:p>
+        </p:txBody>
+      </p:sp>
+      <p:sp>
+        <p:nvSpPr>
+          <p:cNvPr id="89" name="Google Shape;89;g7c553259d1_0_3:notes"/>
+          <p:cNvSpPr>
+            <a:spLocks noGrp="1" noRot="1" noChangeAspect="1"/>
+          </p:cNvSpPr>
+          <p:nvPr>
+            <p:ph type="sldImg" idx="2"/>
+          </p:nvPr>
+        </p:nvSpPr>
+        <p:spPr>
+          <a:xfrm>
+            <a:off x="382588" y="685800"/>
+            <a:ext cx="6094412" cy="3429000"/>
+          </a:xfrm>
+          <a:custGeom>
+            <a:avLst/>
+            <a:gdLst/>
+            <a:ahLst/>
+            <a:cxnLst/>
+            <a:rect l="l" t="t" r="r" b="b"/>
+            <a:pathLst>
+              <a:path w="120000" h="120000" extrusionOk="0">
+                <a:moveTo>
+                  <a:pt x="0" y="0"/>
+                </a:moveTo>
+                <a:lnTo>
+                  <a:pt x="120000" y="0"/>
+                </a:lnTo>
+                <a:lnTo>
+                  <a:pt x="120000" y="120000"/>
+                </a:lnTo>
+                <a:lnTo>
+                  <a:pt x="0" y="120000"/>
+                </a:lnTo>
+                <a:close/>
+              </a:path>
+            </a:pathLst>
+          </a:custGeom>
+          <a:noFill/>
+          <a:ln w="9525" cap="flat" cmpd="sng">
+            <a:solidFill>
+              <a:srgbClr val="000000"/>
+            </a:solidFill>
+            <a:prstDash val="solid"/>
+            <a:round/>
+            <a:headEnd type="none" w="sm" len="sm"/>
+            <a:tailEnd type="none" w="sm" len="sm"/>
+          </a:ln>
+        </p:spPr>
+      </p:sp>
+    </p:spTree>
+    <p:extLst>
+      <p:ext uri="{BB962C8B-B14F-4D97-AF65-F5344CB8AC3E}">
+        <p14:creationId xmlns:p14="http://schemas.microsoft.com/office/powerpoint/2010/main" val="904104145"/>
+      </p:ext>
+    </p:extLst>
+  </p:cSld>
+  <p:clrMapOvr>
+    <a:masterClrMapping/>
+  </p:clrMapOvr>
+</p:notes>
+</file>
+
+<file path=ppt/notesSlides/notesSlide5.xml><?xml version="1.0" encoding="utf-8"?>
+<p:notes xmlns:a="http://schemas.openxmlformats.org/drawingml/2006/main" xmlns:r="http://schemas.openxmlformats.org/officeDocument/2006/relationships" xmlns:p="http://schemas.openxmlformats.org/presentationml/2006/main" showMasterSp="0" showMasterPhAnim="0">
+  <p:cSld>
+    <p:spTree>
+      <p:nvGrpSpPr>
+        <p:cNvPr id="1" name="Shape 87"/>
+        <p:cNvGrpSpPr/>
+        <p:nvPr/>
+      </p:nvGrpSpPr>
+      <p:grpSpPr>
+        <a:xfrm>
+          <a:off x="0" y="0"/>
+          <a:ext cx="0" cy="0"/>
+          <a:chOff x="0" y="0"/>
+          <a:chExt cx="0" cy="0"/>
+        </a:xfrm>
+      </p:grpSpPr>
+      <p:sp>
+        <p:nvSpPr>
+          <p:cNvPr id="88" name="Google Shape;88;g7c553259d1_0_3:notes"/>
+          <p:cNvSpPr txBox="1">
+            <a:spLocks noGrp="1"/>
+          </p:cNvSpPr>
+          <p:nvPr>
+            <p:ph type="body" idx="1"/>
+          </p:nvPr>
+        </p:nvSpPr>
+        <p:spPr>
+          <a:xfrm>
+            <a:off x="685800" y="4343400"/>
+            <a:ext cx="5486400" cy="4114800"/>
+          </a:xfrm>
+          <a:prstGeom prst="rect">
+            <a:avLst/>
+          </a:prstGeom>
+          <a:noFill/>
+          <a:ln>
+            <a:noFill/>
+          </a:ln>
+        </p:spPr>
+        <p:txBody>
+          <a:bodyPr spcFirstLastPara="1" wrap="square" lIns="91425" tIns="91425" rIns="91425" bIns="91425" anchor="t" anchorCtr="0">
+            <a:noAutofit/>
+          </a:bodyPr>
+          <a:lstStyle/>
+          <a:p>
+            <a:pPr marL="0" lvl="0" indent="0" algn="l" rtl="0">
+              <a:lnSpc>
+                <a:spcPct val="100000"/>
+              </a:lnSpc>
+              <a:spcBef>
+                <a:spcPts val="0"/>
+              </a:spcBef>
+              <a:spcAft>
+                <a:spcPts val="0"/>
+              </a:spcAft>
+              <a:buSzPts val="1100"/>
+              <a:buNone/>
+            </a:pPr>
+            <a:endParaRPr/>
+          </a:p>
+        </p:txBody>
+      </p:sp>
+      <p:sp>
+        <p:nvSpPr>
+          <p:cNvPr id="89" name="Google Shape;89;g7c553259d1_0_3:notes"/>
+          <p:cNvSpPr>
+            <a:spLocks noGrp="1" noRot="1" noChangeAspect="1"/>
+          </p:cNvSpPr>
+          <p:nvPr>
+            <p:ph type="sldImg" idx="2"/>
+          </p:nvPr>
+        </p:nvSpPr>
+        <p:spPr>
+          <a:xfrm>
+            <a:off x="382588" y="685800"/>
+            <a:ext cx="6094412" cy="3429000"/>
+          </a:xfrm>
+          <a:custGeom>
+            <a:avLst/>
+            <a:gdLst/>
+            <a:ahLst/>
+            <a:cxnLst/>
+            <a:rect l="l" t="t" r="r" b="b"/>
+            <a:pathLst>
+              <a:path w="120000" h="120000" extrusionOk="0">
+                <a:moveTo>
+                  <a:pt x="0" y="0"/>
+                </a:moveTo>
+                <a:lnTo>
+                  <a:pt x="120000" y="0"/>
+                </a:lnTo>
+                <a:lnTo>
+                  <a:pt x="120000" y="120000"/>
+                </a:lnTo>
+                <a:lnTo>
+                  <a:pt x="0" y="120000"/>
+                </a:lnTo>
+                <a:close/>
+              </a:path>
+            </a:pathLst>
+          </a:custGeom>
+          <a:noFill/>
+          <a:ln w="9525" cap="flat" cmpd="sng">
+            <a:solidFill>
+              <a:srgbClr val="000000"/>
+            </a:solidFill>
+            <a:prstDash val="solid"/>
+            <a:round/>
+            <a:headEnd type="none" w="sm" len="sm"/>
+            <a:tailEnd type="none" w="sm" len="sm"/>
+          </a:ln>
+        </p:spPr>
+      </p:sp>
+    </p:spTree>
+    <p:extLst>
+      <p:ext uri="{BB962C8B-B14F-4D97-AF65-F5344CB8AC3E}">
+        <p14:creationId xmlns:p14="http://schemas.microsoft.com/office/powerpoint/2010/main" val="904104145"/>
+      </p:ext>
+    </p:extLst>
+  </p:cSld>
+  <p:clrMapOvr>
+    <a:masterClrMapping/>
+  </p:clrMapOvr>
+</p:notes>
+</file>
+
+<file path=ppt/notesSlides/notesSlide6.xml><?xml version="1.0" encoding="utf-8"?>
+<p:notes xmlns:a="http://schemas.openxmlformats.org/drawingml/2006/main" xmlns:r="http://schemas.openxmlformats.org/officeDocument/2006/relationships" xmlns:p="http://schemas.openxmlformats.org/presentationml/2006/main" showMasterSp="0" showMasterPhAnim="0">
+  <p:cSld>
+    <p:spTree>
+      <p:nvGrpSpPr>
+        <p:cNvPr id="1" name="Shape 87"/>
+        <p:cNvGrpSpPr/>
+        <p:nvPr/>
+      </p:nvGrpSpPr>
+      <p:grpSpPr>
+        <a:xfrm>
+          <a:off x="0" y="0"/>
+          <a:ext cx="0" cy="0"/>
+          <a:chOff x="0" y="0"/>
+          <a:chExt cx="0" cy="0"/>
+        </a:xfrm>
+      </p:grpSpPr>
+      <p:sp>
+        <p:nvSpPr>
+          <p:cNvPr id="88" name="Google Shape;88;g7c553259d1_0_3:notes"/>
+          <p:cNvSpPr txBox="1">
+            <a:spLocks noGrp="1"/>
+          </p:cNvSpPr>
+          <p:nvPr>
+            <p:ph type="body" idx="1"/>
+          </p:nvPr>
+        </p:nvSpPr>
+        <p:spPr>
+          <a:xfrm>
+            <a:off x="685800" y="4343400"/>
+            <a:ext cx="5486400" cy="4114800"/>
+          </a:xfrm>
+          <a:prstGeom prst="rect">
+            <a:avLst/>
+          </a:prstGeom>
+          <a:noFill/>
+          <a:ln>
+            <a:noFill/>
+          </a:ln>
+        </p:spPr>
+        <p:txBody>
+          <a:bodyPr spcFirstLastPara="1" wrap="square" lIns="91425" tIns="91425" rIns="91425" bIns="91425" anchor="t" anchorCtr="0">
+            <a:noAutofit/>
+          </a:bodyPr>
+          <a:lstStyle/>
+          <a:p>
+            <a:pPr marL="0" lvl="0" indent="0" algn="l" rtl="0">
+              <a:lnSpc>
+                <a:spcPct val="100000"/>
+              </a:lnSpc>
+              <a:spcBef>
+                <a:spcPts val="0"/>
+              </a:spcBef>
+              <a:spcAft>
+                <a:spcPts val="0"/>
+              </a:spcAft>
+              <a:buSzPts val="1100"/>
+              <a:buNone/>
+            </a:pPr>
+            <a:endParaRPr/>
+          </a:p>
+        </p:txBody>
+      </p:sp>
+      <p:sp>
+        <p:nvSpPr>
+          <p:cNvPr id="89" name="Google Shape;89;g7c553259d1_0_3:notes"/>
+          <p:cNvSpPr>
+            <a:spLocks noGrp="1" noRot="1" noChangeAspect="1"/>
+          </p:cNvSpPr>
+          <p:nvPr>
+            <p:ph type="sldImg" idx="2"/>
+          </p:nvPr>
+        </p:nvSpPr>
+        <p:spPr>
+          <a:xfrm>
+            <a:off x="382588" y="685800"/>
+            <a:ext cx="6094412" cy="3429000"/>
+          </a:xfrm>
+          <a:custGeom>
+            <a:avLst/>
+            <a:gdLst/>
+            <a:ahLst/>
+            <a:cxnLst/>
+            <a:rect l="l" t="t" r="r" b="b"/>
+            <a:pathLst>
+              <a:path w="120000" h="120000" extrusionOk="0">
+                <a:moveTo>
+                  <a:pt x="0" y="0"/>
+                </a:moveTo>
+                <a:lnTo>
+                  <a:pt x="120000" y="0"/>
+                </a:lnTo>
+                <a:lnTo>
+                  <a:pt x="120000" y="120000"/>
+                </a:lnTo>
+                <a:lnTo>
+                  <a:pt x="0" y="120000"/>
+                </a:lnTo>
+                <a:close/>
+              </a:path>
+            </a:pathLst>
+          </a:custGeom>
+          <a:noFill/>
+          <a:ln w="9525" cap="flat" cmpd="sng">
+            <a:solidFill>
+              <a:srgbClr val="000000"/>
+            </a:solidFill>
+            <a:prstDash val="solid"/>
+            <a:round/>
+            <a:headEnd type="none" w="sm" len="sm"/>
+            <a:tailEnd type="none" w="sm" len="sm"/>
+          </a:ln>
+        </p:spPr>
+      </p:sp>
+    </p:spTree>
+    <p:extLst>
+      <p:ext uri="{BB962C8B-B14F-4D97-AF65-F5344CB8AC3E}">
+        <p14:creationId xmlns:p14="http://schemas.microsoft.com/office/powerpoint/2010/main" val="904104145"/>
+      </p:ext>
+    </p:extLst>
+  </p:cSld>
+  <p:clrMapOvr>
+    <a:masterClrMapping/>
+  </p:clrMapOvr>
+</p:notes>
+</file>
+
 <file path=ppt/notesSlides/notesSlide7.xml><?xml version="1.0" encoding="utf-8"?>
+<p:notes xmlns:a="http://schemas.openxmlformats.org/drawingml/2006/main" xmlns:r="http://schemas.openxmlformats.org/officeDocument/2006/relationships" xmlns:p="http://schemas.openxmlformats.org/presentationml/2006/main" showMasterSp="0" showMasterPhAnim="0">
+  <p:cSld>
+    <p:spTree>
+      <p:nvGrpSpPr>
+        <p:cNvPr id="1" name="Shape 87"/>
+        <p:cNvGrpSpPr/>
+        <p:nvPr/>
+      </p:nvGrpSpPr>
+      <p:grpSpPr>
+        <a:xfrm>
+          <a:off x="0" y="0"/>
+          <a:ext cx="0" cy="0"/>
+          <a:chOff x="0" y="0"/>
+          <a:chExt cx="0" cy="0"/>
+        </a:xfrm>
+      </p:grpSpPr>
+      <p:sp>
+        <p:nvSpPr>
+          <p:cNvPr id="88" name="Google Shape;88;g7c553259d1_0_3:notes"/>
+          <p:cNvSpPr txBox="1">
+            <a:spLocks noGrp="1"/>
+          </p:cNvSpPr>
+          <p:nvPr>
+            <p:ph type="body" idx="1"/>
+          </p:nvPr>
+        </p:nvSpPr>
+        <p:spPr>
+          <a:xfrm>
+            <a:off x="685800" y="4343400"/>
+            <a:ext cx="5486400" cy="4114800"/>
+          </a:xfrm>
+          <a:prstGeom prst="rect">
+            <a:avLst/>
+          </a:prstGeom>
+          <a:noFill/>
+          <a:ln>
+            <a:noFill/>
+          </a:ln>
+        </p:spPr>
+        <p:txBody>
+          <a:bodyPr spcFirstLastPara="1" wrap="square" lIns="91425" tIns="91425" rIns="91425" bIns="91425" anchor="t" anchorCtr="0">
+            <a:noAutofit/>
+          </a:bodyPr>
+          <a:lstStyle/>
+          <a:p>
+            <a:pPr marL="0" lvl="0" indent="0" algn="l" rtl="0">
+              <a:lnSpc>
+                <a:spcPct val="100000"/>
+              </a:lnSpc>
+              <a:spcBef>
+                <a:spcPts val="0"/>
+              </a:spcBef>
+              <a:spcAft>
+                <a:spcPts val="0"/>
+              </a:spcAft>
+              <a:buSzPts val="1100"/>
+              <a:buNone/>
+            </a:pPr>
+            <a:endParaRPr/>
+          </a:p>
+        </p:txBody>
+      </p:sp>
+      <p:sp>
+        <p:nvSpPr>
+          <p:cNvPr id="89" name="Google Shape;89;g7c553259d1_0_3:notes"/>
+          <p:cNvSpPr>
+            <a:spLocks noGrp="1" noRot="1" noChangeAspect="1"/>
+          </p:cNvSpPr>
+          <p:nvPr>
+            <p:ph type="sldImg" idx="2"/>
+          </p:nvPr>
+        </p:nvSpPr>
+        <p:spPr>
+          <a:xfrm>
+            <a:off x="382588" y="685800"/>
+            <a:ext cx="6094412" cy="3429000"/>
+          </a:xfrm>
+          <a:custGeom>
+            <a:avLst/>
+            <a:gdLst/>
+            <a:ahLst/>
+            <a:cxnLst/>
+            <a:rect l="l" t="t" r="r" b="b"/>
+            <a:pathLst>
+              <a:path w="120000" h="120000" extrusionOk="0">
+                <a:moveTo>
+                  <a:pt x="0" y="0"/>
+                </a:moveTo>
+                <a:lnTo>
+                  <a:pt x="120000" y="0"/>
+                </a:lnTo>
+                <a:lnTo>
+                  <a:pt x="120000" y="120000"/>
+                </a:lnTo>
+                <a:lnTo>
+                  <a:pt x="0" y="120000"/>
+                </a:lnTo>
+                <a:close/>
+              </a:path>
+            </a:pathLst>
+          </a:custGeom>
+          <a:noFill/>
+          <a:ln w="9525" cap="flat" cmpd="sng">
+            <a:solidFill>
+              <a:srgbClr val="000000"/>
+            </a:solidFill>
+            <a:prstDash val="solid"/>
+            <a:round/>
+            <a:headEnd type="none" w="sm" len="sm"/>
+            <a:tailEnd type="none" w="sm" len="sm"/>
+          </a:ln>
+        </p:spPr>
+      </p:sp>
+    </p:spTree>
+    <p:extLst>
+      <p:ext uri="{BB962C8B-B14F-4D97-AF65-F5344CB8AC3E}">
+        <p14:creationId xmlns:p14="http://schemas.microsoft.com/office/powerpoint/2010/main" val="904104145"/>
+      </p:ext>
+    </p:extLst>
+  </p:cSld>
+  <p:clrMapOvr>
+    <a:masterClrMapping/>
+  </p:clrMapOvr>
+</p:notes>
+</file>
+
+<file path=ppt/notesSlides/notesSlide8.xml><?xml version="1.0" encoding="utf-8"?>
+<p:notes xmlns:a="http://schemas.openxmlformats.org/drawingml/2006/main" xmlns:r="http://schemas.openxmlformats.org/officeDocument/2006/relationships" xmlns:p="http://schemas.openxmlformats.org/presentationml/2006/main" showMasterSp="0" showMasterPhAnim="0">
+  <p:cSld>
+    <p:spTree>
+      <p:nvGrpSpPr>
+        <p:cNvPr id="1" name="Shape 87"/>
+        <p:cNvGrpSpPr/>
+        <p:nvPr/>
+      </p:nvGrpSpPr>
+      <p:grpSpPr>
+        <a:xfrm>
+          <a:off x="0" y="0"/>
+          <a:ext cx="0" cy="0"/>
+          <a:chOff x="0" y="0"/>
+          <a:chExt cx="0" cy="0"/>
+        </a:xfrm>
+      </p:grpSpPr>
+      <p:sp>
+        <p:nvSpPr>
+          <p:cNvPr id="88" name="Google Shape;88;g7c553259d1_0_3:notes"/>
+          <p:cNvSpPr txBox="1">
+            <a:spLocks noGrp="1"/>
+          </p:cNvSpPr>
+          <p:nvPr>
+            <p:ph type="body" idx="1"/>
+          </p:nvPr>
+        </p:nvSpPr>
+        <p:spPr>
+          <a:xfrm>
+            <a:off x="685800" y="4343400"/>
+            <a:ext cx="5486400" cy="4114800"/>
+          </a:xfrm>
+          <a:prstGeom prst="rect">
+            <a:avLst/>
+          </a:prstGeom>
+          <a:noFill/>
+          <a:ln>
+            <a:noFill/>
+          </a:ln>
+        </p:spPr>
+        <p:txBody>
+          <a:bodyPr spcFirstLastPara="1" wrap="square" lIns="91425" tIns="91425" rIns="91425" bIns="91425" anchor="t" anchorCtr="0">
+            <a:noAutofit/>
+          </a:bodyPr>
+          <a:lstStyle/>
+          <a:p>
+            <a:pPr marL="0" lvl="0" indent="0" algn="l" rtl="0">
+              <a:lnSpc>
+                <a:spcPct val="100000"/>
+              </a:lnSpc>
+              <a:spcBef>
+                <a:spcPts val="0"/>
+              </a:spcBef>
+              <a:spcAft>
+                <a:spcPts val="0"/>
+              </a:spcAft>
+              <a:buSzPts val="1100"/>
+              <a:buNone/>
+            </a:pPr>
+            <a:endParaRPr/>
+          </a:p>
+        </p:txBody>
+      </p:sp>
+      <p:sp>
+        <p:nvSpPr>
+          <p:cNvPr id="89" name="Google Shape;89;g7c553259d1_0_3:notes"/>
+          <p:cNvSpPr>
+            <a:spLocks noGrp="1" noRot="1" noChangeAspect="1"/>
+          </p:cNvSpPr>
+          <p:nvPr>
+            <p:ph type="sldImg" idx="2"/>
+          </p:nvPr>
+        </p:nvSpPr>
+        <p:spPr>
+          <a:xfrm>
+            <a:off x="382588" y="685800"/>
+            <a:ext cx="6094412" cy="3429000"/>
+          </a:xfrm>
+          <a:custGeom>
+            <a:avLst/>
+            <a:gdLst/>
+            <a:ahLst/>
+            <a:cxnLst/>
+            <a:rect l="l" t="t" r="r" b="b"/>
+            <a:pathLst>
+              <a:path w="120000" h="120000" extrusionOk="0">
+                <a:moveTo>
+                  <a:pt x="0" y="0"/>
+                </a:moveTo>
+                <a:lnTo>
+                  <a:pt x="120000" y="0"/>
+                </a:lnTo>
+                <a:lnTo>
+                  <a:pt x="120000" y="120000"/>
+                </a:lnTo>
+                <a:lnTo>
+                  <a:pt x="0" y="120000"/>
+                </a:lnTo>
+                <a:close/>
+              </a:path>
+            </a:pathLst>
+          </a:custGeom>
+          <a:noFill/>
+          <a:ln w="9525" cap="flat" cmpd="sng">
+            <a:solidFill>
+              <a:srgbClr val="000000"/>
+            </a:solidFill>
+            <a:prstDash val="solid"/>
+            <a:round/>
+            <a:headEnd type="none" w="sm" len="sm"/>
+            <a:tailEnd type="none" w="sm" len="sm"/>
+          </a:ln>
+        </p:spPr>
+      </p:sp>
+    </p:spTree>
+    <p:extLst>
+      <p:ext uri="{BB962C8B-B14F-4D97-AF65-F5344CB8AC3E}">
+        <p14:creationId xmlns:p14="http://schemas.microsoft.com/office/powerpoint/2010/main" val="904104145"/>
+      </p:ext>
+    </p:extLst>
+  </p:cSld>
+  <p:clrMapOvr>
+    <a:masterClrMapping/>
+  </p:clrMapOvr>
+</p:notes>
+</file>
+
+<file path=ppt/notesSlides/notesSlide9.xml><?xml version="1.0" encoding="utf-8"?>
 <p:notes xmlns:a="http://schemas.openxmlformats.org/drawingml/2006/main" xmlns:r="http://schemas.openxmlformats.org/officeDocument/2006/relationships" xmlns:p="http://schemas.openxmlformats.org/presentationml/2006/main" showMasterSp="0" showMasterPhAnim="0">
   <p:cSld>
     <p:spTree>
@@ -4472,6 +5625,395 @@
                 </a:solidFill>
                 <a:latin typeface="+mj-lt"/>
               </a:rPr>
+              <a:t>– AJAX</a:t>
+            </a:r>
+            <a:r>
+              <a:rPr lang="ko-KR" altLang="en-US" sz="2500" b="1" dirty="0" smtClean="0">
+                <a:solidFill>
+                  <a:schemeClr val="bg1"/>
+                </a:solidFill>
+                <a:latin typeface="+mj-lt"/>
+              </a:rPr>
+              <a:t>이용한 아이디 중복체크</a:t>
+            </a:r>
+            <a:endParaRPr lang="ko-KR" altLang="en-US" sz="2500" b="1" dirty="0">
+              <a:solidFill>
+                <a:schemeClr val="bg1"/>
+              </a:solidFill>
+              <a:latin typeface="+mj-lt"/>
+            </a:endParaRPr>
+          </a:p>
+        </p:txBody>
+      </p:sp>
+      <p:sp>
+        <p:nvSpPr>
+          <p:cNvPr id="5" name="TextBox 4"/>
+          <p:cNvSpPr txBox="1"/>
+          <p:nvPr/>
+        </p:nvSpPr>
+        <p:spPr>
+          <a:xfrm>
+            <a:off x="694644" y="3213580"/>
+            <a:ext cx="10608355" cy="646331"/>
+          </a:xfrm>
+          <a:prstGeom prst="rect">
+            <a:avLst/>
+          </a:prstGeom>
+          <a:noFill/>
+        </p:spPr>
+        <p:txBody>
+          <a:bodyPr wrap="square" rtlCol="0">
+            <a:spAutoFit/>
+          </a:bodyPr>
+          <a:lstStyle/>
+          <a:p>
+            <a:r>
+              <a:rPr lang="ko-KR" altLang="en-US" dirty="0" smtClean="0">
+                <a:sym typeface="Wingdings" panose="05000000000000000000" pitchFamily="2" charset="2"/>
+              </a:rPr>
+              <a:t>아이디 중복체크를 위한 </a:t>
+            </a:r>
+            <a:r>
+              <a:rPr lang="ko-KR" altLang="en-US" dirty="0" err="1" smtClean="0">
+                <a:sym typeface="Wingdings" panose="05000000000000000000" pitchFamily="2" charset="2"/>
+              </a:rPr>
+              <a:t>웹서블릿</a:t>
+            </a:r>
+            <a:r>
+              <a:rPr lang="en-US" altLang="ko-KR" dirty="0" smtClean="0">
+                <a:sym typeface="Wingdings" panose="05000000000000000000" pitchFamily="2" charset="2"/>
+              </a:rPr>
+              <a:t>(IdChk.java), </a:t>
+            </a:r>
+            <a:r>
+              <a:rPr lang="ko-KR" altLang="en-US" dirty="0" smtClean="0">
+                <a:sym typeface="Wingdings" panose="05000000000000000000" pitchFamily="2" charset="2"/>
+              </a:rPr>
+              <a:t>내부에서 </a:t>
+            </a:r>
+            <a:r>
+              <a:rPr lang="en-US" altLang="ko-KR" dirty="0" err="1" smtClean="0">
+                <a:sym typeface="Wingdings" panose="05000000000000000000" pitchFamily="2" charset="2"/>
+              </a:rPr>
+              <a:t>MemberDao</a:t>
+            </a:r>
+            <a:r>
+              <a:rPr lang="en-US" altLang="ko-KR" dirty="0" smtClean="0">
+                <a:sym typeface="Wingdings" panose="05000000000000000000" pitchFamily="2" charset="2"/>
+              </a:rPr>
+              <a:t> </a:t>
+            </a:r>
+            <a:r>
+              <a:rPr lang="ko-KR" altLang="en-US" dirty="0" smtClean="0">
+                <a:sym typeface="Wingdings" panose="05000000000000000000" pitchFamily="2" charset="2"/>
+              </a:rPr>
+              <a:t>객체를 이용하여</a:t>
+            </a:r>
+            <a:endParaRPr lang="en-US" altLang="ko-KR" dirty="0" smtClean="0">
+              <a:sym typeface="Wingdings" panose="05000000000000000000" pitchFamily="2" charset="2"/>
+            </a:endParaRPr>
+          </a:p>
+          <a:p>
+            <a:r>
+              <a:rPr lang="ko-KR" altLang="en-US" dirty="0" smtClean="0">
+                <a:sym typeface="Wingdings" panose="05000000000000000000" pitchFamily="2" charset="2"/>
+              </a:rPr>
+              <a:t>아이디 중복 체크를 위한 </a:t>
+            </a:r>
+            <a:r>
+              <a:rPr lang="en-US" altLang="ko-KR" dirty="0" smtClean="0">
+                <a:sym typeface="Wingdings" panose="05000000000000000000" pitchFamily="2" charset="2"/>
+              </a:rPr>
+              <a:t>JSON</a:t>
+            </a:r>
+            <a:r>
+              <a:rPr lang="ko-KR" altLang="en-US" dirty="0" smtClean="0">
+                <a:sym typeface="Wingdings" panose="05000000000000000000" pitchFamily="2" charset="2"/>
+              </a:rPr>
+              <a:t>생성 </a:t>
+            </a:r>
+            <a:endParaRPr lang="en-US" altLang="ko-KR" dirty="0" smtClean="0">
+              <a:sym typeface="Wingdings" panose="05000000000000000000" pitchFamily="2" charset="2"/>
+            </a:endParaRPr>
+          </a:p>
+        </p:txBody>
+      </p:sp>
+      <p:pic>
+        <p:nvPicPr>
+          <p:cNvPr id="3074" name="Picture 2" descr="C:\Users\ezen-033\Desktop\ppt\회원가입3.PNG"/>
+          <p:cNvPicPr>
+            <a:picLocks noChangeAspect="1" noChangeArrowheads="1"/>
+          </p:cNvPicPr>
+          <p:nvPr/>
+        </p:nvPicPr>
+        <p:blipFill>
+          <a:blip r:embed="rId2">
+            <a:extLst>
+              <a:ext uri="{28A0092B-C50C-407E-A947-70E740481C1C}">
+                <a14:useLocalDpi xmlns:a14="http://schemas.microsoft.com/office/drawing/2010/main" val="0"/>
+              </a:ext>
+            </a:extLst>
+          </a:blip>
+          <a:srcRect/>
+          <a:stretch>
+            <a:fillRect/>
+          </a:stretch>
+        </p:blipFill>
+        <p:spPr bwMode="auto">
+          <a:xfrm>
+            <a:off x="598457" y="1616139"/>
+            <a:ext cx="8832835" cy="1436595"/>
+          </a:xfrm>
+          <a:prstGeom prst="rect">
+            <a:avLst/>
+          </a:prstGeom>
+          <a:noFill/>
+          <a:ln>
+            <a:solidFill>
+              <a:schemeClr val="tx1"/>
+            </a:solidFill>
+          </a:ln>
+          <a:extLst>
+            <a:ext uri="{909E8E84-426E-40DD-AFC4-6F175D3DCCD1}">
+              <a14:hiddenFill xmlns:a14="http://schemas.microsoft.com/office/drawing/2010/main">
+                <a:solidFill>
+                  <a:srgbClr val="FFFFFF"/>
+                </a:solidFill>
+              </a14:hiddenFill>
+            </a:ext>
+          </a:extLst>
+        </p:spPr>
+      </p:pic>
+      <p:pic>
+        <p:nvPicPr>
+          <p:cNvPr id="3075" name="Picture 3" descr="C:\Users\ezen-033\Desktop\ppt\회원가입4.PNG"/>
+          <p:cNvPicPr>
+            <a:picLocks noChangeAspect="1" noChangeArrowheads="1"/>
+          </p:cNvPicPr>
+          <p:nvPr/>
+        </p:nvPicPr>
+        <p:blipFill>
+          <a:blip r:embed="rId3">
+            <a:extLst>
+              <a:ext uri="{28A0092B-C50C-407E-A947-70E740481C1C}">
+                <a14:useLocalDpi xmlns:a14="http://schemas.microsoft.com/office/drawing/2010/main" val="0"/>
+              </a:ext>
+            </a:extLst>
+          </a:blip>
+          <a:srcRect/>
+          <a:stretch>
+            <a:fillRect/>
+          </a:stretch>
+        </p:blipFill>
+        <p:spPr bwMode="auto">
+          <a:xfrm>
+            <a:off x="762530" y="4578350"/>
+            <a:ext cx="4400550" cy="952500"/>
+          </a:xfrm>
+          <a:prstGeom prst="rect">
+            <a:avLst/>
+          </a:prstGeom>
+          <a:noFill/>
+          <a:ln>
+            <a:solidFill>
+              <a:schemeClr val="tx1"/>
+            </a:solidFill>
+          </a:ln>
+          <a:extLst>
+            <a:ext uri="{909E8E84-426E-40DD-AFC4-6F175D3DCCD1}">
+              <a14:hiddenFill xmlns:a14="http://schemas.microsoft.com/office/drawing/2010/main">
+                <a:solidFill>
+                  <a:srgbClr val="FFFFFF"/>
+                </a:solidFill>
+              </a14:hiddenFill>
+            </a:ext>
+          </a:extLst>
+        </p:spPr>
+      </p:pic>
+      <p:pic>
+        <p:nvPicPr>
+          <p:cNvPr id="3076" name="Picture 4" descr="C:\Users\ezen-033\Desktop\ppt\회원가입5.PNG"/>
+          <p:cNvPicPr>
+            <a:picLocks noChangeAspect="1" noChangeArrowheads="1"/>
+          </p:cNvPicPr>
+          <p:nvPr/>
+        </p:nvPicPr>
+        <p:blipFill>
+          <a:blip r:embed="rId4">
+            <a:extLst>
+              <a:ext uri="{28A0092B-C50C-407E-A947-70E740481C1C}">
+                <a14:useLocalDpi xmlns:a14="http://schemas.microsoft.com/office/drawing/2010/main" val="0"/>
+              </a:ext>
+            </a:extLst>
+          </a:blip>
+          <a:srcRect/>
+          <a:stretch>
+            <a:fillRect/>
+          </a:stretch>
+        </p:blipFill>
+        <p:spPr bwMode="auto">
+          <a:xfrm>
+            <a:off x="5625833" y="4578350"/>
+            <a:ext cx="4200525" cy="933450"/>
+          </a:xfrm>
+          <a:prstGeom prst="rect">
+            <a:avLst/>
+          </a:prstGeom>
+          <a:noFill/>
+          <a:ln>
+            <a:solidFill>
+              <a:schemeClr val="tx1"/>
+            </a:solidFill>
+          </a:ln>
+          <a:extLst>
+            <a:ext uri="{909E8E84-426E-40DD-AFC4-6F175D3DCCD1}">
+              <a14:hiddenFill xmlns:a14="http://schemas.microsoft.com/office/drawing/2010/main">
+                <a:solidFill>
+                  <a:srgbClr val="FFFFFF"/>
+                </a:solidFill>
+              </a14:hiddenFill>
+            </a:ext>
+          </a:extLst>
+        </p:spPr>
+      </p:pic>
+    </p:spTree>
+    <p:extLst>
+      <p:ext uri="{BB962C8B-B14F-4D97-AF65-F5344CB8AC3E}">
+        <p14:creationId xmlns:p14="http://schemas.microsoft.com/office/powerpoint/2010/main" val="454951003"/>
+      </p:ext>
+    </p:extLst>
+  </p:cSld>
+  <p:clrMapOvr>
+    <a:masterClrMapping/>
+  </p:clrMapOvr>
+</p:sld>
+</file>
+
+<file path=ppt/slides/slide11.xml><?xml version="1.0" encoding="utf-8"?>
+<p:sld xmlns:a="http://schemas.openxmlformats.org/drawingml/2006/main" xmlns:r="http://schemas.openxmlformats.org/officeDocument/2006/relationships" xmlns:p="http://schemas.openxmlformats.org/presentationml/2006/main">
+  <p:cSld>
+    <p:spTree>
+      <p:nvGrpSpPr>
+        <p:cNvPr id="1" name=""/>
+        <p:cNvGrpSpPr/>
+        <p:nvPr/>
+      </p:nvGrpSpPr>
+      <p:grpSpPr>
+        <a:xfrm>
+          <a:off x="0" y="0"/>
+          <a:ext cx="0" cy="0"/>
+          <a:chOff x="0" y="0"/>
+          <a:chExt cx="0" cy="0"/>
+        </a:xfrm>
+      </p:grpSpPr>
+      <p:sp>
+        <p:nvSpPr>
+          <p:cNvPr id="4" name="TextBox 3"/>
+          <p:cNvSpPr txBox="1"/>
+          <p:nvPr/>
+        </p:nvSpPr>
+        <p:spPr>
+          <a:xfrm>
+            <a:off x="380466" y="160866"/>
+            <a:ext cx="10744734" cy="477054"/>
+          </a:xfrm>
+          <a:prstGeom prst="rect">
+            <a:avLst/>
+          </a:prstGeom>
+          <a:noFill/>
+        </p:spPr>
+        <p:txBody>
+          <a:bodyPr wrap="square" rtlCol="0">
+            <a:spAutoFit/>
+          </a:bodyPr>
+          <a:lstStyle/>
+          <a:p>
+            <a:pPr lvl="0" algn="ctr">
+              <a:buClr>
+                <a:srgbClr val="000000"/>
+              </a:buClr>
+              <a:buSzPts val="1500"/>
+              <a:defRPr/>
+            </a:pPr>
+            <a:r>
+              <a:rPr lang="en-US" altLang="ko-KR" sz="2500" b="1" dirty="0" smtClean="0">
+                <a:solidFill>
+                  <a:schemeClr val="bg1"/>
+                </a:solidFill>
+                <a:latin typeface="+mj-lt"/>
+              </a:rPr>
+              <a:t>[</a:t>
+            </a:r>
+            <a:r>
+              <a:rPr lang="ko-KR" altLang="en-US" sz="2500" b="1" dirty="0" smtClean="0">
+                <a:solidFill>
+                  <a:schemeClr val="bg1"/>
+                </a:solidFill>
+                <a:latin typeface="+mj-lt"/>
+              </a:rPr>
+              <a:t>화면 구현</a:t>
+            </a:r>
+            <a:r>
+              <a:rPr lang="en-US" altLang="ko-KR" sz="2500" b="1" dirty="0" smtClean="0">
+                <a:solidFill>
+                  <a:schemeClr val="bg1"/>
+                </a:solidFill>
+                <a:latin typeface="+mj-lt"/>
+              </a:rPr>
+              <a:t>] </a:t>
+            </a:r>
+            <a:r>
+              <a:rPr lang="ko-KR" altLang="en-US" sz="2500" b="1" dirty="0" smtClean="0">
+                <a:solidFill>
+                  <a:schemeClr val="bg1"/>
+                </a:solidFill>
+                <a:latin typeface="+mj-lt"/>
+              </a:rPr>
+              <a:t>사용자 </a:t>
+            </a:r>
+            <a:r>
+              <a:rPr lang="en-US" altLang="ko-KR" sz="2500" b="1" dirty="0" smtClean="0">
+                <a:solidFill>
+                  <a:schemeClr val="bg1"/>
+                </a:solidFill>
+                <a:latin typeface="+mj-lt"/>
+              </a:rPr>
+              <a:t>- </a:t>
+            </a:r>
+            <a:r>
+              <a:rPr lang="ko-KR" altLang="en-US" sz="2500" b="1" dirty="0" smtClean="0">
+                <a:solidFill>
+                  <a:schemeClr val="bg1"/>
+                </a:solidFill>
+                <a:latin typeface="+mj-lt"/>
+              </a:rPr>
+              <a:t>웹 </a:t>
+            </a:r>
+            <a:r>
+              <a:rPr lang="en-US" altLang="ko-KR" sz="2500" b="1" dirty="0" smtClean="0">
+                <a:solidFill>
+                  <a:schemeClr val="bg1"/>
+                </a:solidFill>
+                <a:latin typeface="+mj-lt"/>
+              </a:rPr>
+              <a:t>– </a:t>
+            </a:r>
+            <a:r>
+              <a:rPr lang="ko-KR" altLang="en-US" sz="2500" b="1" dirty="0" smtClean="0">
+                <a:solidFill>
+                  <a:schemeClr val="bg1"/>
+                </a:solidFill>
+                <a:latin typeface="+mj-lt"/>
+              </a:rPr>
+              <a:t>회원가입 </a:t>
+            </a:r>
+            <a:r>
+              <a:rPr lang="en-US" altLang="ko-KR" sz="2500" b="1" dirty="0" smtClean="0">
+                <a:solidFill>
+                  <a:schemeClr val="bg1"/>
+                </a:solidFill>
+                <a:latin typeface="+mj-lt"/>
+              </a:rPr>
               <a:t>– </a:t>
             </a:r>
             <a:r>
@@ -4634,7 +6176,7 @@
 </p:sld>
 </file>
 
-<file path=ppt/slides/slide11.xml><?xml version="1.0" encoding="utf-8"?>
+<file path=ppt/slides/slide12.xml><?xml version="1.0" encoding="utf-8"?>
 <p:sld xmlns:a="http://schemas.openxmlformats.org/drawingml/2006/main" xmlns:r="http://schemas.openxmlformats.org/officeDocument/2006/relationships" xmlns:p="http://schemas.openxmlformats.org/presentationml/2006/main">
   <p:cSld>
     <p:spTree>
@@ -4677,14 +6219,14 @@
                 <a:gridCol w="289755">
                   <a:extLst>
                     <a:ext uri="{9D8B030D-6E8A-4147-A177-3AD203B41FA5}">
-                      <a16:colId xmlns="" xmlns:a16="http://schemas.microsoft.com/office/drawing/2014/main" val="20000"/>
+                      <a16:colId xmlns:a16="http://schemas.microsoft.com/office/drawing/2014/main" xmlns="" val="20000"/>
                     </a:ext>
                   </a:extLst>
                 </a:gridCol>
                 <a:gridCol w="2662575">
                   <a:extLst>
                     <a:ext uri="{9D8B030D-6E8A-4147-A177-3AD203B41FA5}">
-                      <a16:colId xmlns="" xmlns:a16="http://schemas.microsoft.com/office/drawing/2014/main" val="20001"/>
+                      <a16:colId xmlns:a16="http://schemas.microsoft.com/office/drawing/2014/main" xmlns="" val="20001"/>
                     </a:ext>
                   </a:extLst>
                 </a:gridCol>
@@ -4842,7 +6384,7 @@
                 </a:tc>
                 <a:extLst>
                   <a:ext uri="{0D108BD9-81ED-4DB2-BD59-A6C34878D82A}">
-                    <a16:rowId xmlns="" xmlns:a16="http://schemas.microsoft.com/office/drawing/2014/main" val="10000"/>
+                    <a16:rowId xmlns:a16="http://schemas.microsoft.com/office/drawing/2014/main" xmlns="" val="10000"/>
                   </a:ext>
                 </a:extLst>
               </a:tr>
@@ -5008,7 +6550,7 @@
                 </a:tc>
                 <a:extLst>
                   <a:ext uri="{0D108BD9-81ED-4DB2-BD59-A6C34878D82A}">
-                    <a16:rowId xmlns="" xmlns:a16="http://schemas.microsoft.com/office/drawing/2014/main" val="10001"/>
+                    <a16:rowId xmlns:a16="http://schemas.microsoft.com/office/drawing/2014/main" xmlns="" val="10001"/>
                   </a:ext>
                 </a:extLst>
               </a:tr>
@@ -5185,7 +6727,7 @@
                 </a:tc>
                 <a:extLst>
                   <a:ext uri="{0D108BD9-81ED-4DB2-BD59-A6C34878D82A}">
-                    <a16:rowId xmlns="" xmlns:a16="http://schemas.microsoft.com/office/drawing/2014/main" val="10002"/>
+                    <a16:rowId xmlns:a16="http://schemas.microsoft.com/office/drawing/2014/main" xmlns="" val="10002"/>
                   </a:ext>
                 </a:extLst>
               </a:tr>
@@ -5378,7 +6920,7 @@
                 </a:tc>
                 <a:extLst>
                   <a:ext uri="{0D108BD9-81ED-4DB2-BD59-A6C34878D82A}">
-                    <a16:rowId xmlns="" xmlns:a16="http://schemas.microsoft.com/office/drawing/2014/main" val="10003"/>
+                    <a16:rowId xmlns:a16="http://schemas.microsoft.com/office/drawing/2014/main" xmlns="" val="10003"/>
                   </a:ext>
                 </a:extLst>
               </a:tr>
@@ -5591,7 +7133,7 @@
                 </a:tc>
                 <a:extLst>
                   <a:ext uri="{0D108BD9-81ED-4DB2-BD59-A6C34878D82A}">
-                    <a16:rowId xmlns="" xmlns:a16="http://schemas.microsoft.com/office/drawing/2014/main" val="10004"/>
+                    <a16:rowId xmlns:a16="http://schemas.microsoft.com/office/drawing/2014/main" xmlns="" val="10004"/>
                   </a:ext>
                 </a:extLst>
               </a:tr>
@@ -5792,7 +7334,7 @@
                 </a:tc>
                 <a:extLst>
                   <a:ext uri="{0D108BD9-81ED-4DB2-BD59-A6C34878D82A}">
-                    <a16:rowId xmlns="" xmlns:a16="http://schemas.microsoft.com/office/drawing/2014/main" val="10005"/>
+                    <a16:rowId xmlns:a16="http://schemas.microsoft.com/office/drawing/2014/main" xmlns="" val="10005"/>
                   </a:ext>
                 </a:extLst>
               </a:tr>
@@ -6635,7 +8177,7 @@
 </p:sld>
 </file>
 
-<file path=ppt/slides/slide12.xml><?xml version="1.0" encoding="utf-8"?>
+<file path=ppt/slides/slide13.xml><?xml version="1.0" encoding="utf-8"?>
 <p:sld xmlns:a="http://schemas.openxmlformats.org/drawingml/2006/main" xmlns:r="http://schemas.openxmlformats.org/officeDocument/2006/relationships" xmlns:p="http://schemas.openxmlformats.org/presentationml/2006/main">
   <p:cSld>
     <p:spTree>
@@ -6912,7 +8454,7 @@
 </p:sld>
 </file>
 
-<file path=ppt/slides/slide13.xml><?xml version="1.0" encoding="utf-8"?>
+<file path=ppt/slides/slide14.xml><?xml version="1.0" encoding="utf-8"?>
 <p:sld xmlns:a="http://schemas.openxmlformats.org/drawingml/2006/main" xmlns:r="http://schemas.openxmlformats.org/officeDocument/2006/relationships" xmlns:p="http://schemas.openxmlformats.org/presentationml/2006/main">
   <p:cSld>
     <p:spTree>
@@ -7197,7 +8739,7 @@
 </p:sld>
 </file>
 
-<file path=ppt/slides/slide14.xml><?xml version="1.0" encoding="utf-8"?>
+<file path=ppt/slides/slide15.xml><?xml version="1.0" encoding="utf-8"?>
 <p:sld xmlns:a="http://schemas.openxmlformats.org/drawingml/2006/main" xmlns:r="http://schemas.openxmlformats.org/officeDocument/2006/relationships" xmlns:p="http://schemas.openxmlformats.org/presentationml/2006/main">
   <p:cSld>
     <p:spTree>
@@ -7502,7 +9044,7 @@
 </p:sld>
 </file>
 
-<file path=ppt/slides/slide15.xml><?xml version="1.0" encoding="utf-8"?>
+<file path=ppt/slides/slide16.xml><?xml version="1.0" encoding="utf-8"?>
 <p:sld xmlns:a="http://schemas.openxmlformats.org/drawingml/2006/main" xmlns:r="http://schemas.openxmlformats.org/officeDocument/2006/relationships" xmlns:p="http://schemas.openxmlformats.org/presentationml/2006/main">
   <p:cSld>
     <p:spTree>
@@ -8576,6 +10118,965 @@
 </p:sld>
 </file>
 
+<file path=ppt/slides/slide17.xml><?xml version="1.0" encoding="utf-8"?>
+<p:sld xmlns:a="http://schemas.openxmlformats.org/drawingml/2006/main" xmlns:r="http://schemas.openxmlformats.org/officeDocument/2006/relationships" xmlns:p="http://schemas.openxmlformats.org/presentationml/2006/main">
+  <p:cSld>
+    <p:spTree>
+      <p:nvGrpSpPr>
+        <p:cNvPr id="1" name="Shape 90"/>
+        <p:cNvGrpSpPr/>
+        <p:nvPr/>
+      </p:nvGrpSpPr>
+      <p:grpSpPr>
+        <a:xfrm>
+          <a:off x="0" y="0"/>
+          <a:ext cx="0" cy="0"/>
+          <a:chOff x="0" y="0"/>
+          <a:chExt cx="0" cy="0"/>
+        </a:xfrm>
+      </p:grpSpPr>
+      <p:sp>
+        <p:nvSpPr>
+          <p:cNvPr id="18" name="TextBox 17"/>
+          <p:cNvSpPr txBox="1"/>
+          <p:nvPr/>
+        </p:nvSpPr>
+        <p:spPr>
+          <a:xfrm>
+            <a:off x="470648" y="195307"/>
+            <a:ext cx="10933952" cy="477054"/>
+          </a:xfrm>
+          <a:prstGeom prst="rect">
+            <a:avLst/>
+          </a:prstGeom>
+          <a:noFill/>
+        </p:spPr>
+        <p:txBody>
+          <a:bodyPr wrap="square" rtlCol="0">
+            <a:spAutoFit/>
+          </a:bodyPr>
+          <a:lstStyle/>
+          <a:p>
+            <a:pPr lvl="0" algn="ctr">
+              <a:buClr>
+                <a:srgbClr val="000000"/>
+              </a:buClr>
+              <a:buSzPts val="1500"/>
+              <a:defRPr/>
+            </a:pPr>
+            <a:r>
+              <a:rPr lang="en-US" altLang="ko-KR" sz="2500" b="1" dirty="0" smtClean="0">
+                <a:solidFill>
+                  <a:schemeClr val="bg1"/>
+                </a:solidFill>
+                <a:latin typeface="+mj-lt"/>
+              </a:rPr>
+              <a:t>[</a:t>
+            </a:r>
+            <a:r>
+              <a:rPr lang="ko-KR" altLang="en-US" sz="2500" b="1" dirty="0" smtClean="0">
+                <a:solidFill>
+                  <a:schemeClr val="bg1"/>
+                </a:solidFill>
+                <a:latin typeface="+mj-lt"/>
+              </a:rPr>
+              <a:t>화면 구</a:t>
+            </a:r>
+            <a:r>
+              <a:rPr lang="ko-KR" altLang="en-US" sz="2500" b="1" dirty="0">
+                <a:solidFill>
+                  <a:schemeClr val="bg1"/>
+                </a:solidFill>
+                <a:latin typeface="+mj-lt"/>
+              </a:rPr>
+              <a:t>현</a:t>
+            </a:r>
+            <a:r>
+              <a:rPr lang="en-US" altLang="ko-KR" sz="2500" b="1" dirty="0" smtClean="0">
+                <a:solidFill>
+                  <a:schemeClr val="bg1"/>
+                </a:solidFill>
+                <a:latin typeface="+mj-lt"/>
+              </a:rPr>
+              <a:t>] </a:t>
+            </a:r>
+            <a:r>
+              <a:rPr lang="ko-KR" altLang="en-US" sz="2500" b="1" dirty="0" smtClean="0">
+                <a:solidFill>
+                  <a:schemeClr val="bg1"/>
+                </a:solidFill>
+                <a:latin typeface="+mj-lt"/>
+              </a:rPr>
+              <a:t>사용자 </a:t>
+            </a:r>
+            <a:r>
+              <a:rPr lang="en-US" altLang="ko-KR" sz="2500" b="1" dirty="0" smtClean="0">
+                <a:solidFill>
+                  <a:schemeClr val="bg1"/>
+                </a:solidFill>
+                <a:latin typeface="+mj-lt"/>
+              </a:rPr>
+              <a:t>– </a:t>
+            </a:r>
+            <a:r>
+              <a:rPr lang="ko-KR" altLang="en-US" sz="2500" b="1" dirty="0" smtClean="0">
+                <a:solidFill>
+                  <a:schemeClr val="bg1"/>
+                </a:solidFill>
+                <a:latin typeface="+mj-lt"/>
+              </a:rPr>
+              <a:t>웹</a:t>
+            </a:r>
+            <a:r>
+              <a:rPr lang="en-US" altLang="ko-KR" sz="2500" b="1" dirty="0" smtClean="0">
+                <a:solidFill>
+                  <a:schemeClr val="bg1"/>
+                </a:solidFill>
+                <a:latin typeface="+mj-lt"/>
+              </a:rPr>
+              <a:t> – </a:t>
+            </a:r>
+            <a:r>
+              <a:rPr lang="ko-KR" altLang="en-US" sz="2500" b="1" dirty="0" err="1" smtClean="0">
+                <a:solidFill>
+                  <a:schemeClr val="bg1"/>
+                </a:solidFill>
+                <a:latin typeface="+mj-lt"/>
+              </a:rPr>
+              <a:t>마이페이지</a:t>
+            </a:r>
+            <a:r>
+              <a:rPr lang="ko-KR" altLang="en-US" sz="2500" b="1" dirty="0" smtClean="0">
+                <a:solidFill>
+                  <a:schemeClr val="bg1"/>
+                </a:solidFill>
+                <a:latin typeface="+mj-lt"/>
+              </a:rPr>
+              <a:t> </a:t>
+            </a:r>
+            <a:r>
+              <a:rPr lang="en-US" altLang="ko-KR" sz="2500" b="1" dirty="0" smtClean="0">
+                <a:solidFill>
+                  <a:schemeClr val="bg1"/>
+                </a:solidFill>
+                <a:latin typeface="+mj-lt"/>
+              </a:rPr>
+              <a:t>– </a:t>
+            </a:r>
+            <a:r>
+              <a:rPr lang="ko-KR" altLang="en-US" sz="2500" b="1" dirty="0" smtClean="0">
+                <a:solidFill>
+                  <a:schemeClr val="bg1"/>
+                </a:solidFill>
+                <a:latin typeface="+mj-lt"/>
+              </a:rPr>
+              <a:t>세미나 예약 </a:t>
+            </a:r>
+            <a:r>
+              <a:rPr lang="ko-KR" altLang="en-US" sz="2500" b="1" dirty="0" smtClean="0">
+                <a:solidFill>
+                  <a:schemeClr val="bg1"/>
+                </a:solidFill>
+                <a:latin typeface="+mj-lt"/>
+              </a:rPr>
+              <a:t>리스트</a:t>
+            </a:r>
+            <a:endParaRPr lang="ko-KR" altLang="en-US" sz="2500" b="1" dirty="0">
+              <a:solidFill>
+                <a:schemeClr val="bg1"/>
+              </a:solidFill>
+              <a:latin typeface="+mj-lt"/>
+            </a:endParaRPr>
+          </a:p>
+        </p:txBody>
+      </p:sp>
+      <p:pic>
+        <p:nvPicPr>
+          <p:cNvPr id="1026" name="Picture 2" descr="C:\Users\ezen-033\Desktop\ppt\마이페이지세미나\세미나2.PNG"/>
+          <p:cNvPicPr>
+            <a:picLocks noChangeAspect="1" noChangeArrowheads="1"/>
+          </p:cNvPicPr>
+          <p:nvPr/>
+        </p:nvPicPr>
+        <p:blipFill>
+          <a:blip r:embed="rId3">
+            <a:extLst>
+              <a:ext uri="{28A0092B-C50C-407E-A947-70E740481C1C}">
+                <a14:useLocalDpi xmlns:a14="http://schemas.microsoft.com/office/drawing/2010/main" val="0"/>
+              </a:ext>
+            </a:extLst>
+          </a:blip>
+          <a:srcRect/>
+          <a:stretch>
+            <a:fillRect/>
+          </a:stretch>
+        </p:blipFill>
+        <p:spPr bwMode="auto">
+          <a:xfrm>
+            <a:off x="470648" y="1624744"/>
+            <a:ext cx="8391634" cy="4629867"/>
+          </a:xfrm>
+          <a:prstGeom prst="rect">
+            <a:avLst/>
+          </a:prstGeom>
+          <a:noFill/>
+          <a:extLst>
+            <a:ext uri="{909E8E84-426E-40DD-AFC4-6F175D3DCCD1}">
+              <a14:hiddenFill xmlns:a14="http://schemas.microsoft.com/office/drawing/2010/main">
+                <a:solidFill>
+                  <a:srgbClr val="FFFFFF"/>
+                </a:solidFill>
+              </a14:hiddenFill>
+            </a:ext>
+          </a:extLst>
+        </p:spPr>
+      </p:pic>
+      <p:sp>
+        <p:nvSpPr>
+          <p:cNvPr id="2" name="TextBox 1"/>
+          <p:cNvSpPr txBox="1"/>
+          <p:nvPr/>
+        </p:nvSpPr>
+        <p:spPr>
+          <a:xfrm>
+            <a:off x="9042400" y="1981200"/>
+            <a:ext cx="2768600" cy="923330"/>
+          </a:xfrm>
+          <a:prstGeom prst="rect">
+            <a:avLst/>
+          </a:prstGeom>
+          <a:noFill/>
+        </p:spPr>
+        <p:txBody>
+          <a:bodyPr wrap="square" rtlCol="0">
+            <a:spAutoFit/>
+          </a:bodyPr>
+          <a:lstStyle/>
+          <a:p>
+            <a:r>
+              <a:rPr lang="en-US" altLang="ko-KR" dirty="0" smtClean="0"/>
+              <a:t>DOM</a:t>
+            </a:r>
+            <a:r>
+              <a:rPr lang="ko-KR" altLang="en-US" dirty="0" smtClean="0"/>
+              <a:t>이 모두 로딩 된 후</a:t>
+            </a:r>
+            <a:r>
+              <a:rPr lang="en-US" altLang="ko-KR" dirty="0" smtClean="0"/>
+              <a:t>, AJAX</a:t>
+            </a:r>
+            <a:r>
+              <a:rPr lang="ko-KR" altLang="en-US" dirty="0" smtClean="0"/>
+              <a:t>를 통해 받은 데이터를 이용해서 </a:t>
+            </a:r>
+            <a:r>
+              <a:rPr lang="en-US" altLang="ko-KR" dirty="0" smtClean="0"/>
+              <a:t>list </a:t>
+            </a:r>
+            <a:r>
+              <a:rPr lang="ko-KR" altLang="en-US" dirty="0" smtClean="0"/>
+              <a:t>로드</a:t>
+            </a:r>
+            <a:endParaRPr lang="ko-KR" altLang="en-US" dirty="0"/>
+          </a:p>
+        </p:txBody>
+      </p:sp>
+    </p:spTree>
+    <p:extLst>
+      <p:ext uri="{BB962C8B-B14F-4D97-AF65-F5344CB8AC3E}">
+        <p14:creationId xmlns:p14="http://schemas.microsoft.com/office/powerpoint/2010/main" val="1328652976"/>
+      </p:ext>
+    </p:extLst>
+  </p:cSld>
+  <p:clrMapOvr>
+    <a:masterClrMapping/>
+  </p:clrMapOvr>
+  <p:timing>
+    <p:tnLst>
+      <p:par>
+        <p:cTn id="1" dur="indefinite" restart="never" nodeType="tmRoot"/>
+      </p:par>
+    </p:tnLst>
+  </p:timing>
+</p:sld>
+</file>
+
+<file path=ppt/slides/slide18.xml><?xml version="1.0" encoding="utf-8"?>
+<p:sld xmlns:a="http://schemas.openxmlformats.org/drawingml/2006/main" xmlns:r="http://schemas.openxmlformats.org/officeDocument/2006/relationships" xmlns:p="http://schemas.openxmlformats.org/presentationml/2006/main">
+  <p:cSld>
+    <p:spTree>
+      <p:nvGrpSpPr>
+        <p:cNvPr id="1" name="Shape 90"/>
+        <p:cNvGrpSpPr/>
+        <p:nvPr/>
+      </p:nvGrpSpPr>
+      <p:grpSpPr>
+        <a:xfrm>
+          <a:off x="0" y="0"/>
+          <a:ext cx="0" cy="0"/>
+          <a:chOff x="0" y="0"/>
+          <a:chExt cx="0" cy="0"/>
+        </a:xfrm>
+      </p:grpSpPr>
+      <p:sp>
+        <p:nvSpPr>
+          <p:cNvPr id="18" name="TextBox 17"/>
+          <p:cNvSpPr txBox="1"/>
+          <p:nvPr/>
+        </p:nvSpPr>
+        <p:spPr>
+          <a:xfrm>
+            <a:off x="470648" y="195307"/>
+            <a:ext cx="10933952" cy="477054"/>
+          </a:xfrm>
+          <a:prstGeom prst="rect">
+            <a:avLst/>
+          </a:prstGeom>
+          <a:noFill/>
+        </p:spPr>
+        <p:txBody>
+          <a:bodyPr wrap="square" rtlCol="0">
+            <a:spAutoFit/>
+          </a:bodyPr>
+          <a:lstStyle/>
+          <a:p>
+            <a:pPr lvl="0" algn="ctr">
+              <a:buClr>
+                <a:srgbClr val="000000"/>
+              </a:buClr>
+              <a:buSzPts val="1500"/>
+              <a:defRPr/>
+            </a:pPr>
+            <a:r>
+              <a:rPr lang="en-US" altLang="ko-KR" sz="2500" b="1" dirty="0" smtClean="0">
+                <a:solidFill>
+                  <a:schemeClr val="bg1"/>
+                </a:solidFill>
+                <a:latin typeface="+mj-lt"/>
+              </a:rPr>
+              <a:t>[</a:t>
+            </a:r>
+            <a:r>
+              <a:rPr lang="ko-KR" altLang="en-US" sz="2500" b="1" dirty="0" smtClean="0">
+                <a:solidFill>
+                  <a:schemeClr val="bg1"/>
+                </a:solidFill>
+                <a:latin typeface="+mj-lt"/>
+              </a:rPr>
+              <a:t>화면 구</a:t>
+            </a:r>
+            <a:r>
+              <a:rPr lang="ko-KR" altLang="en-US" sz="2500" b="1" dirty="0">
+                <a:solidFill>
+                  <a:schemeClr val="bg1"/>
+                </a:solidFill>
+                <a:latin typeface="+mj-lt"/>
+              </a:rPr>
+              <a:t>현</a:t>
+            </a:r>
+            <a:r>
+              <a:rPr lang="en-US" altLang="ko-KR" sz="2500" b="1" dirty="0" smtClean="0">
+                <a:solidFill>
+                  <a:schemeClr val="bg1"/>
+                </a:solidFill>
+                <a:latin typeface="+mj-lt"/>
+              </a:rPr>
+              <a:t>] </a:t>
+            </a:r>
+            <a:r>
+              <a:rPr lang="ko-KR" altLang="en-US" sz="2500" b="1" dirty="0" smtClean="0">
+                <a:solidFill>
+                  <a:schemeClr val="bg1"/>
+                </a:solidFill>
+                <a:latin typeface="+mj-lt"/>
+              </a:rPr>
+              <a:t>사용자 </a:t>
+            </a:r>
+            <a:r>
+              <a:rPr lang="en-US" altLang="ko-KR" sz="2500" b="1" dirty="0" smtClean="0">
+                <a:solidFill>
+                  <a:schemeClr val="bg1"/>
+                </a:solidFill>
+                <a:latin typeface="+mj-lt"/>
+              </a:rPr>
+              <a:t>– </a:t>
+            </a:r>
+            <a:r>
+              <a:rPr lang="ko-KR" altLang="en-US" sz="2500" b="1" dirty="0" smtClean="0">
+                <a:solidFill>
+                  <a:schemeClr val="bg1"/>
+                </a:solidFill>
+                <a:latin typeface="+mj-lt"/>
+              </a:rPr>
+              <a:t>웹</a:t>
+            </a:r>
+            <a:r>
+              <a:rPr lang="en-US" altLang="ko-KR" sz="2500" b="1" dirty="0" smtClean="0">
+                <a:solidFill>
+                  <a:schemeClr val="bg1"/>
+                </a:solidFill>
+                <a:latin typeface="+mj-lt"/>
+              </a:rPr>
+              <a:t> – </a:t>
+            </a:r>
+            <a:r>
+              <a:rPr lang="ko-KR" altLang="en-US" sz="2500" b="1" dirty="0" err="1" smtClean="0">
+                <a:solidFill>
+                  <a:schemeClr val="bg1"/>
+                </a:solidFill>
+                <a:latin typeface="+mj-lt"/>
+              </a:rPr>
+              <a:t>마이페이지</a:t>
+            </a:r>
+            <a:r>
+              <a:rPr lang="ko-KR" altLang="en-US" sz="2500" b="1" dirty="0" smtClean="0">
+                <a:solidFill>
+                  <a:schemeClr val="bg1"/>
+                </a:solidFill>
+                <a:latin typeface="+mj-lt"/>
+              </a:rPr>
+              <a:t> </a:t>
+            </a:r>
+            <a:r>
+              <a:rPr lang="en-US" altLang="ko-KR" sz="2500" b="1" dirty="0" smtClean="0">
+                <a:solidFill>
+                  <a:schemeClr val="bg1"/>
+                </a:solidFill>
+                <a:latin typeface="+mj-lt"/>
+              </a:rPr>
+              <a:t>– </a:t>
+            </a:r>
+            <a:r>
+              <a:rPr lang="ko-KR" altLang="en-US" sz="2500" b="1" dirty="0" smtClean="0">
+                <a:solidFill>
+                  <a:schemeClr val="bg1"/>
+                </a:solidFill>
+                <a:latin typeface="+mj-lt"/>
+              </a:rPr>
+              <a:t>세미나 예약 </a:t>
+            </a:r>
+            <a:r>
+              <a:rPr lang="ko-KR" altLang="en-US" sz="2500" b="1" dirty="0" smtClean="0">
+                <a:solidFill>
+                  <a:schemeClr val="bg1"/>
+                </a:solidFill>
+                <a:latin typeface="+mj-lt"/>
+              </a:rPr>
+              <a:t>리스트</a:t>
+            </a:r>
+            <a:endParaRPr lang="ko-KR" altLang="en-US" sz="2500" b="1" dirty="0">
+              <a:solidFill>
+                <a:schemeClr val="bg1"/>
+              </a:solidFill>
+              <a:latin typeface="+mj-lt"/>
+            </a:endParaRPr>
+          </a:p>
+        </p:txBody>
+      </p:sp>
+      <p:sp>
+        <p:nvSpPr>
+          <p:cNvPr id="2" name="TextBox 1"/>
+          <p:cNvSpPr txBox="1"/>
+          <p:nvPr/>
+        </p:nvSpPr>
+        <p:spPr>
+          <a:xfrm>
+            <a:off x="5937624" y="1642534"/>
+            <a:ext cx="5466976" cy="923330"/>
+          </a:xfrm>
+          <a:prstGeom prst="rect">
+            <a:avLst/>
+          </a:prstGeom>
+          <a:noFill/>
+        </p:spPr>
+        <p:txBody>
+          <a:bodyPr wrap="square" rtlCol="0">
+            <a:spAutoFit/>
+          </a:bodyPr>
+          <a:lstStyle/>
+          <a:p>
+            <a:r>
+              <a:rPr lang="en-US" altLang="ko-KR" dirty="0" smtClean="0"/>
+              <a:t>DOM</a:t>
+            </a:r>
+            <a:r>
+              <a:rPr lang="ko-KR" altLang="en-US" dirty="0" smtClean="0"/>
+              <a:t>로딩 이후</a:t>
+            </a:r>
+            <a:r>
+              <a:rPr lang="en-US" altLang="ko-KR" dirty="0" smtClean="0"/>
+              <a:t>, </a:t>
+            </a:r>
+            <a:r>
+              <a:rPr lang="en-US" altLang="ko-KR" dirty="0" err="1" smtClean="0"/>
+              <a:t>xhr</a:t>
+            </a:r>
+            <a:r>
+              <a:rPr lang="ko-KR" altLang="en-US" dirty="0" smtClean="0"/>
+              <a:t>객체를 이용하여 리스트 데이터 요청</a:t>
+            </a:r>
+            <a:r>
+              <a:rPr lang="en-US" altLang="ko-KR" dirty="0" smtClean="0"/>
+              <a:t>,</a:t>
+            </a:r>
+            <a:r>
+              <a:rPr lang="ko-KR" altLang="en-US" dirty="0" smtClean="0"/>
+              <a:t> 데이터를 받아서 </a:t>
+            </a:r>
+            <a:r>
+              <a:rPr lang="en-US" altLang="ko-KR" dirty="0" err="1" smtClean="0"/>
+              <a:t>javascript</a:t>
+            </a:r>
+            <a:r>
+              <a:rPr lang="ko-KR" altLang="en-US" dirty="0" smtClean="0"/>
+              <a:t>의 </a:t>
+            </a:r>
+            <a:r>
+              <a:rPr lang="en-US" altLang="ko-KR" dirty="0" err="1" smtClean="0"/>
+              <a:t>createElement</a:t>
+            </a:r>
+            <a:r>
+              <a:rPr lang="en-US" altLang="ko-KR" dirty="0" smtClean="0"/>
+              <a:t>, </a:t>
+            </a:r>
+            <a:r>
+              <a:rPr lang="en-US" altLang="ko-KR" dirty="0" err="1" smtClean="0"/>
+              <a:t>appendChild</a:t>
+            </a:r>
+            <a:r>
+              <a:rPr lang="ko-KR" altLang="en-US" dirty="0" smtClean="0"/>
+              <a:t>를 이용해 </a:t>
+            </a:r>
+            <a:r>
+              <a:rPr lang="en-US" altLang="ko-KR" dirty="0" smtClean="0"/>
+              <a:t>list</a:t>
+            </a:r>
+            <a:r>
+              <a:rPr lang="ko-KR" altLang="en-US" dirty="0" smtClean="0"/>
+              <a:t>를 완성</a:t>
+            </a:r>
+            <a:r>
+              <a:rPr lang="en-US" altLang="ko-KR" dirty="0" smtClean="0"/>
+              <a:t>.</a:t>
+            </a:r>
+            <a:endParaRPr lang="ko-KR" altLang="en-US" dirty="0"/>
+          </a:p>
+        </p:txBody>
+      </p:sp>
+      <p:pic>
+        <p:nvPicPr>
+          <p:cNvPr id="3074" name="Picture 2" descr="C:\Users\ezen-033\Desktop\ppt\마이페이지세미나\세미나3.PNG"/>
+          <p:cNvPicPr>
+            <a:picLocks noChangeAspect="1" noChangeArrowheads="1"/>
+          </p:cNvPicPr>
+          <p:nvPr/>
+        </p:nvPicPr>
+        <p:blipFill>
+          <a:blip r:embed="rId3">
+            <a:extLst>
+              <a:ext uri="{28A0092B-C50C-407E-A947-70E740481C1C}">
+                <a14:useLocalDpi xmlns:a14="http://schemas.microsoft.com/office/drawing/2010/main" val="0"/>
+              </a:ext>
+            </a:extLst>
+          </a:blip>
+          <a:srcRect/>
+          <a:stretch>
+            <a:fillRect/>
+          </a:stretch>
+        </p:blipFill>
+        <p:spPr bwMode="auto">
+          <a:xfrm>
+            <a:off x="737128" y="1504421"/>
+            <a:ext cx="4943475" cy="2781300"/>
+          </a:xfrm>
+          <a:prstGeom prst="rect">
+            <a:avLst/>
+          </a:prstGeom>
+          <a:noFill/>
+          <a:ln>
+            <a:solidFill>
+              <a:schemeClr val="tx1"/>
+            </a:solidFill>
+          </a:ln>
+          <a:extLst>
+            <a:ext uri="{909E8E84-426E-40DD-AFC4-6F175D3DCCD1}">
+              <a14:hiddenFill xmlns:a14="http://schemas.microsoft.com/office/drawing/2010/main">
+                <a:solidFill>
+                  <a:srgbClr val="FFFFFF"/>
+                </a:solidFill>
+              </a14:hiddenFill>
+            </a:ext>
+          </a:extLst>
+        </p:spPr>
+      </p:pic>
+      <p:pic>
+        <p:nvPicPr>
+          <p:cNvPr id="3075" name="Picture 3" descr="C:\Users\ezen-033\Desktop\ppt\마이페이지세미나\세미나5.PNG"/>
+          <p:cNvPicPr>
+            <a:picLocks noChangeAspect="1" noChangeArrowheads="1"/>
+          </p:cNvPicPr>
+          <p:nvPr/>
+        </p:nvPicPr>
+        <p:blipFill>
+          <a:blip r:embed="rId4">
+            <a:extLst>
+              <a:ext uri="{28A0092B-C50C-407E-A947-70E740481C1C}">
+                <a14:useLocalDpi xmlns:a14="http://schemas.microsoft.com/office/drawing/2010/main" val="0"/>
+              </a:ext>
+            </a:extLst>
+          </a:blip>
+          <a:srcRect/>
+          <a:stretch>
+            <a:fillRect/>
+          </a:stretch>
+        </p:blipFill>
+        <p:spPr bwMode="auto">
+          <a:xfrm>
+            <a:off x="7140847" y="2709332"/>
+            <a:ext cx="3060529" cy="3997325"/>
+          </a:xfrm>
+          <a:prstGeom prst="rect">
+            <a:avLst/>
+          </a:prstGeom>
+          <a:noFill/>
+          <a:ln>
+            <a:solidFill>
+              <a:schemeClr val="tx1"/>
+            </a:solidFill>
+          </a:ln>
+          <a:extLst>
+            <a:ext uri="{909E8E84-426E-40DD-AFC4-6F175D3DCCD1}">
+              <a14:hiddenFill xmlns:a14="http://schemas.microsoft.com/office/drawing/2010/main">
+                <a:solidFill>
+                  <a:srgbClr val="FFFFFF"/>
+                </a:solidFill>
+              </a14:hiddenFill>
+            </a:ext>
+          </a:extLst>
+        </p:spPr>
+      </p:pic>
+    </p:spTree>
+    <p:extLst>
+      <p:ext uri="{BB962C8B-B14F-4D97-AF65-F5344CB8AC3E}">
+        <p14:creationId xmlns:p14="http://schemas.microsoft.com/office/powerpoint/2010/main" val="4008854929"/>
+      </p:ext>
+    </p:extLst>
+  </p:cSld>
+  <p:clrMapOvr>
+    <a:masterClrMapping/>
+  </p:clrMapOvr>
+  <p:timing>
+    <p:tnLst>
+      <p:par>
+        <p:cTn id="1" dur="indefinite" restart="never" nodeType="tmRoot"/>
+      </p:par>
+    </p:tnLst>
+  </p:timing>
+</p:sld>
+</file>
+
+<file path=ppt/slides/slide19.xml><?xml version="1.0" encoding="utf-8"?>
+<p:sld xmlns:a="http://schemas.openxmlformats.org/drawingml/2006/main" xmlns:r="http://schemas.openxmlformats.org/officeDocument/2006/relationships" xmlns:p="http://schemas.openxmlformats.org/presentationml/2006/main">
+  <p:cSld>
+    <p:spTree>
+      <p:nvGrpSpPr>
+        <p:cNvPr id="1" name="Shape 90"/>
+        <p:cNvGrpSpPr/>
+        <p:nvPr/>
+      </p:nvGrpSpPr>
+      <p:grpSpPr>
+        <a:xfrm>
+          <a:off x="0" y="0"/>
+          <a:ext cx="0" cy="0"/>
+          <a:chOff x="0" y="0"/>
+          <a:chExt cx="0" cy="0"/>
+        </a:xfrm>
+      </p:grpSpPr>
+      <p:sp>
+        <p:nvSpPr>
+          <p:cNvPr id="18" name="TextBox 17"/>
+          <p:cNvSpPr txBox="1"/>
+          <p:nvPr/>
+        </p:nvSpPr>
+        <p:spPr>
+          <a:xfrm>
+            <a:off x="470648" y="195307"/>
+            <a:ext cx="10933952" cy="477054"/>
+          </a:xfrm>
+          <a:prstGeom prst="rect">
+            <a:avLst/>
+          </a:prstGeom>
+          <a:noFill/>
+        </p:spPr>
+        <p:txBody>
+          <a:bodyPr wrap="square" rtlCol="0">
+            <a:spAutoFit/>
+          </a:bodyPr>
+          <a:lstStyle/>
+          <a:p>
+            <a:pPr lvl="0" algn="ctr">
+              <a:buClr>
+                <a:srgbClr val="000000"/>
+              </a:buClr>
+              <a:buSzPts val="1500"/>
+              <a:defRPr/>
+            </a:pPr>
+            <a:r>
+              <a:rPr lang="en-US" altLang="ko-KR" sz="2500" b="1" dirty="0" smtClean="0">
+                <a:solidFill>
+                  <a:schemeClr val="bg1"/>
+                </a:solidFill>
+                <a:latin typeface="+mj-lt"/>
+              </a:rPr>
+              <a:t>[</a:t>
+            </a:r>
+            <a:r>
+              <a:rPr lang="ko-KR" altLang="en-US" sz="2500" b="1" dirty="0" smtClean="0">
+                <a:solidFill>
+                  <a:schemeClr val="bg1"/>
+                </a:solidFill>
+                <a:latin typeface="+mj-lt"/>
+              </a:rPr>
+              <a:t>화면 구</a:t>
+            </a:r>
+            <a:r>
+              <a:rPr lang="ko-KR" altLang="en-US" sz="2500" b="1" dirty="0">
+                <a:solidFill>
+                  <a:schemeClr val="bg1"/>
+                </a:solidFill>
+                <a:latin typeface="+mj-lt"/>
+              </a:rPr>
+              <a:t>현</a:t>
+            </a:r>
+            <a:r>
+              <a:rPr lang="en-US" altLang="ko-KR" sz="2500" b="1" dirty="0" smtClean="0">
+                <a:solidFill>
+                  <a:schemeClr val="bg1"/>
+                </a:solidFill>
+                <a:latin typeface="+mj-lt"/>
+              </a:rPr>
+              <a:t>] </a:t>
+            </a:r>
+            <a:r>
+              <a:rPr lang="ko-KR" altLang="en-US" sz="2500" b="1" dirty="0" smtClean="0">
+                <a:solidFill>
+                  <a:schemeClr val="bg1"/>
+                </a:solidFill>
+                <a:latin typeface="+mj-lt"/>
+              </a:rPr>
+              <a:t>사용자 </a:t>
+            </a:r>
+            <a:r>
+              <a:rPr lang="en-US" altLang="ko-KR" sz="2500" b="1" dirty="0" smtClean="0">
+                <a:solidFill>
+                  <a:schemeClr val="bg1"/>
+                </a:solidFill>
+                <a:latin typeface="+mj-lt"/>
+              </a:rPr>
+              <a:t>– </a:t>
+            </a:r>
+            <a:r>
+              <a:rPr lang="ko-KR" altLang="en-US" sz="2500" b="1" dirty="0" smtClean="0">
+                <a:solidFill>
+                  <a:schemeClr val="bg1"/>
+                </a:solidFill>
+                <a:latin typeface="+mj-lt"/>
+              </a:rPr>
+              <a:t>웹</a:t>
+            </a:r>
+            <a:r>
+              <a:rPr lang="en-US" altLang="ko-KR" sz="2500" b="1" dirty="0" smtClean="0">
+                <a:solidFill>
+                  <a:schemeClr val="bg1"/>
+                </a:solidFill>
+                <a:latin typeface="+mj-lt"/>
+              </a:rPr>
+              <a:t> – </a:t>
+            </a:r>
+            <a:r>
+              <a:rPr lang="ko-KR" altLang="en-US" sz="2500" b="1" dirty="0" err="1" smtClean="0">
+                <a:solidFill>
+                  <a:schemeClr val="bg1"/>
+                </a:solidFill>
+                <a:latin typeface="+mj-lt"/>
+              </a:rPr>
+              <a:t>마이페이지</a:t>
+            </a:r>
+            <a:r>
+              <a:rPr lang="ko-KR" altLang="en-US" sz="2500" b="1" dirty="0" smtClean="0">
+                <a:solidFill>
+                  <a:schemeClr val="bg1"/>
+                </a:solidFill>
+                <a:latin typeface="+mj-lt"/>
+              </a:rPr>
+              <a:t> </a:t>
+            </a:r>
+            <a:r>
+              <a:rPr lang="en-US" altLang="ko-KR" sz="2500" b="1" dirty="0" smtClean="0">
+                <a:solidFill>
+                  <a:schemeClr val="bg1"/>
+                </a:solidFill>
+                <a:latin typeface="+mj-lt"/>
+              </a:rPr>
+              <a:t>– </a:t>
+            </a:r>
+            <a:r>
+              <a:rPr lang="ko-KR" altLang="en-US" sz="2500" b="1" dirty="0" smtClean="0">
+                <a:solidFill>
+                  <a:schemeClr val="bg1"/>
+                </a:solidFill>
+                <a:latin typeface="+mj-lt"/>
+              </a:rPr>
+              <a:t>세미나 예약 </a:t>
+            </a:r>
+            <a:r>
+              <a:rPr lang="ko-KR" altLang="en-US" sz="2500" b="1" dirty="0" smtClean="0">
+                <a:solidFill>
+                  <a:schemeClr val="bg1"/>
+                </a:solidFill>
+                <a:latin typeface="+mj-lt"/>
+              </a:rPr>
+              <a:t>리스트</a:t>
+            </a:r>
+            <a:r>
+              <a:rPr lang="en-US" altLang="ko-KR" sz="2500" b="1" dirty="0" smtClean="0">
+                <a:solidFill>
+                  <a:schemeClr val="bg1"/>
+                </a:solidFill>
+                <a:latin typeface="+mj-lt"/>
+              </a:rPr>
+              <a:t>(</a:t>
+            </a:r>
+            <a:r>
+              <a:rPr lang="ko-KR" altLang="en-US" sz="2500" b="1" dirty="0" smtClean="0">
+                <a:solidFill>
+                  <a:schemeClr val="bg1"/>
+                </a:solidFill>
+                <a:latin typeface="+mj-lt"/>
+              </a:rPr>
+              <a:t>상세</a:t>
+            </a:r>
+            <a:r>
+              <a:rPr lang="en-US" altLang="ko-KR" sz="2500" b="1" dirty="0" smtClean="0">
+                <a:solidFill>
+                  <a:schemeClr val="bg1"/>
+                </a:solidFill>
+                <a:latin typeface="+mj-lt"/>
+              </a:rPr>
+              <a:t>)</a:t>
+            </a:r>
+            <a:endParaRPr lang="ko-KR" altLang="en-US" sz="2500" b="1" dirty="0">
+              <a:solidFill>
+                <a:schemeClr val="bg1"/>
+              </a:solidFill>
+              <a:latin typeface="+mj-lt"/>
+            </a:endParaRPr>
+          </a:p>
+        </p:txBody>
+      </p:sp>
+      <p:sp>
+        <p:nvSpPr>
+          <p:cNvPr id="2" name="TextBox 1"/>
+          <p:cNvSpPr txBox="1"/>
+          <p:nvPr/>
+        </p:nvSpPr>
+        <p:spPr>
+          <a:xfrm>
+            <a:off x="8635999" y="1905000"/>
+            <a:ext cx="3056467" cy="646331"/>
+          </a:xfrm>
+          <a:prstGeom prst="rect">
+            <a:avLst/>
+          </a:prstGeom>
+          <a:noFill/>
+        </p:spPr>
+        <p:txBody>
+          <a:bodyPr wrap="square" rtlCol="0">
+            <a:spAutoFit/>
+          </a:bodyPr>
+          <a:lstStyle/>
+          <a:p>
+            <a:r>
+              <a:rPr lang="ko-KR" altLang="en-US" dirty="0" smtClean="0"/>
+              <a:t>리스트 클릭 시</a:t>
+            </a:r>
+            <a:r>
+              <a:rPr lang="en-US" altLang="ko-KR" dirty="0" smtClean="0"/>
+              <a:t>, </a:t>
+            </a:r>
+            <a:r>
+              <a:rPr lang="ko-KR" altLang="en-US" dirty="0" err="1" smtClean="0"/>
+              <a:t>모달창이</a:t>
+            </a:r>
+            <a:r>
+              <a:rPr lang="ko-KR" altLang="en-US" dirty="0" smtClean="0"/>
+              <a:t> 팝업 되며 해당 내용 로딩</a:t>
+            </a:r>
+            <a:endParaRPr lang="ko-KR" altLang="en-US" dirty="0"/>
+          </a:p>
+        </p:txBody>
+      </p:sp>
+      <p:pic>
+        <p:nvPicPr>
+          <p:cNvPr id="2050" name="Picture 2" descr="C:\Users\ezen-033\Desktop\ppt\마이페이지세미나\세미나1.PNG"/>
+          <p:cNvPicPr>
+            <a:picLocks noChangeAspect="1" noChangeArrowheads="1"/>
+          </p:cNvPicPr>
+          <p:nvPr/>
+        </p:nvPicPr>
+        <p:blipFill>
+          <a:blip r:embed="rId3">
+            <a:extLst>
+              <a:ext uri="{28A0092B-C50C-407E-A947-70E740481C1C}">
+                <a14:useLocalDpi xmlns:a14="http://schemas.microsoft.com/office/drawing/2010/main" val="0"/>
+              </a:ext>
+            </a:extLst>
+          </a:blip>
+          <a:srcRect/>
+          <a:stretch>
+            <a:fillRect/>
+          </a:stretch>
+        </p:blipFill>
+        <p:spPr bwMode="auto">
+          <a:xfrm>
+            <a:off x="470648" y="1537257"/>
+            <a:ext cx="7937189" cy="4698336"/>
+          </a:xfrm>
+          <a:prstGeom prst="rect">
+            <a:avLst/>
+          </a:prstGeom>
+          <a:noFill/>
+          <a:extLst>
+            <a:ext uri="{909E8E84-426E-40DD-AFC4-6F175D3DCCD1}">
+              <a14:hiddenFill xmlns:a14="http://schemas.microsoft.com/office/drawing/2010/main">
+                <a:solidFill>
+                  <a:srgbClr val="FFFFFF"/>
+                </a:solidFill>
+              </a14:hiddenFill>
+            </a:ext>
+          </a:extLst>
+        </p:spPr>
+      </p:pic>
+    </p:spTree>
+    <p:extLst>
+      <p:ext uri="{BB962C8B-B14F-4D97-AF65-F5344CB8AC3E}">
+        <p14:creationId xmlns:p14="http://schemas.microsoft.com/office/powerpoint/2010/main" val="3697310269"/>
+      </p:ext>
+    </p:extLst>
+  </p:cSld>
+  <p:clrMapOvr>
+    <a:masterClrMapping/>
+  </p:clrMapOvr>
+  <p:timing>
+    <p:tnLst>
+      <p:par>
+        <p:cTn id="1" dur="indefinite" restart="never" nodeType="tmRoot"/>
+      </p:par>
+    </p:tnLst>
+  </p:timing>
+</p:sld>
+</file>
+
 <file path=ppt/slides/slide2.xml><?xml version="1.0" encoding="utf-8"?>
 <p:sld xmlns:a="http://schemas.openxmlformats.org/drawingml/2006/main" xmlns:r="http://schemas.openxmlformats.org/officeDocument/2006/relationships" xmlns:p="http://schemas.openxmlformats.org/presentationml/2006/main">
   <p:cSld>
@@ -8619,14 +11120,14 @@
                 <a:gridCol w="289755">
                   <a:extLst>
                     <a:ext uri="{9D8B030D-6E8A-4147-A177-3AD203B41FA5}">
-                      <a16:colId xmlns="" xmlns:a16="http://schemas.microsoft.com/office/drawing/2014/main" val="20000"/>
+                      <a16:colId xmlns:a16="http://schemas.microsoft.com/office/drawing/2014/main" xmlns="" val="20000"/>
                     </a:ext>
                   </a:extLst>
                 </a:gridCol>
                 <a:gridCol w="2662575">
                   <a:extLst>
                     <a:ext uri="{9D8B030D-6E8A-4147-A177-3AD203B41FA5}">
-                      <a16:colId xmlns="" xmlns:a16="http://schemas.microsoft.com/office/drawing/2014/main" val="20001"/>
+                      <a16:colId xmlns:a16="http://schemas.microsoft.com/office/drawing/2014/main" xmlns="" val="20001"/>
                     </a:ext>
                   </a:extLst>
                 </a:gridCol>
@@ -8784,7 +11285,7 @@
                 </a:tc>
                 <a:extLst>
                   <a:ext uri="{0D108BD9-81ED-4DB2-BD59-A6C34878D82A}">
-                    <a16:rowId xmlns="" xmlns:a16="http://schemas.microsoft.com/office/drawing/2014/main" val="10000"/>
+                    <a16:rowId xmlns:a16="http://schemas.microsoft.com/office/drawing/2014/main" xmlns="" val="10000"/>
                   </a:ext>
                 </a:extLst>
               </a:tr>
@@ -9002,7 +11503,7 @@
                 </a:tc>
                 <a:extLst>
                   <a:ext uri="{0D108BD9-81ED-4DB2-BD59-A6C34878D82A}">
-                    <a16:rowId xmlns="" xmlns:a16="http://schemas.microsoft.com/office/drawing/2014/main" val="10001"/>
+                    <a16:rowId xmlns:a16="http://schemas.microsoft.com/office/drawing/2014/main" xmlns="" val="10001"/>
                   </a:ext>
                 </a:extLst>
               </a:tr>
@@ -9226,7 +11727,7 @@
                 </a:tc>
                 <a:extLst>
                   <a:ext uri="{0D108BD9-81ED-4DB2-BD59-A6C34878D82A}">
-                    <a16:rowId xmlns="" xmlns:a16="http://schemas.microsoft.com/office/drawing/2014/main" val="10002"/>
+                    <a16:rowId xmlns:a16="http://schemas.microsoft.com/office/drawing/2014/main" xmlns="" val="10002"/>
                   </a:ext>
                 </a:extLst>
               </a:tr>
@@ -9495,7 +11996,7 @@
                 </a:tc>
                 <a:extLst>
                   <a:ext uri="{0D108BD9-81ED-4DB2-BD59-A6C34878D82A}">
-                    <a16:rowId xmlns="" xmlns:a16="http://schemas.microsoft.com/office/drawing/2014/main" val="10003"/>
+                    <a16:rowId xmlns:a16="http://schemas.microsoft.com/office/drawing/2014/main" xmlns="" val="10003"/>
                   </a:ext>
                 </a:extLst>
               </a:tr>
@@ -11216,6 +13717,2282 @@
 </p:sld>
 </file>
 
+<file path=ppt/slides/slide20.xml><?xml version="1.0" encoding="utf-8"?>
+<p:sld xmlns:a="http://schemas.openxmlformats.org/drawingml/2006/main" xmlns:r="http://schemas.openxmlformats.org/officeDocument/2006/relationships" xmlns:p="http://schemas.openxmlformats.org/presentationml/2006/main">
+  <p:cSld>
+    <p:spTree>
+      <p:nvGrpSpPr>
+        <p:cNvPr id="1" name="Shape 90"/>
+        <p:cNvGrpSpPr/>
+        <p:nvPr/>
+      </p:nvGrpSpPr>
+      <p:grpSpPr>
+        <a:xfrm>
+          <a:off x="0" y="0"/>
+          <a:ext cx="0" cy="0"/>
+          <a:chOff x="0" y="0"/>
+          <a:chExt cx="0" cy="0"/>
+        </a:xfrm>
+      </p:grpSpPr>
+      <p:sp>
+        <p:nvSpPr>
+          <p:cNvPr id="18" name="TextBox 17"/>
+          <p:cNvSpPr txBox="1"/>
+          <p:nvPr/>
+        </p:nvSpPr>
+        <p:spPr>
+          <a:xfrm>
+            <a:off x="470648" y="195307"/>
+            <a:ext cx="10933952" cy="477054"/>
+          </a:xfrm>
+          <a:prstGeom prst="rect">
+            <a:avLst/>
+          </a:prstGeom>
+          <a:noFill/>
+        </p:spPr>
+        <p:txBody>
+          <a:bodyPr wrap="square" rtlCol="0">
+            <a:spAutoFit/>
+          </a:bodyPr>
+          <a:lstStyle/>
+          <a:p>
+            <a:pPr lvl="0" algn="ctr">
+              <a:buClr>
+                <a:srgbClr val="000000"/>
+              </a:buClr>
+              <a:buSzPts val="1500"/>
+              <a:defRPr/>
+            </a:pPr>
+            <a:r>
+              <a:rPr lang="en-US" altLang="ko-KR" sz="2500" b="1" dirty="0" smtClean="0">
+                <a:solidFill>
+                  <a:schemeClr val="bg1"/>
+                </a:solidFill>
+                <a:latin typeface="+mj-lt"/>
+              </a:rPr>
+              <a:t>[</a:t>
+            </a:r>
+            <a:r>
+              <a:rPr lang="ko-KR" altLang="en-US" sz="2500" b="1" dirty="0" smtClean="0">
+                <a:solidFill>
+                  <a:schemeClr val="bg1"/>
+                </a:solidFill>
+                <a:latin typeface="+mj-lt"/>
+              </a:rPr>
+              <a:t>화면 구</a:t>
+            </a:r>
+            <a:r>
+              <a:rPr lang="ko-KR" altLang="en-US" sz="2500" b="1" dirty="0">
+                <a:solidFill>
+                  <a:schemeClr val="bg1"/>
+                </a:solidFill>
+                <a:latin typeface="+mj-lt"/>
+              </a:rPr>
+              <a:t>현</a:t>
+            </a:r>
+            <a:r>
+              <a:rPr lang="en-US" altLang="ko-KR" sz="2500" b="1" dirty="0" smtClean="0">
+                <a:solidFill>
+                  <a:schemeClr val="bg1"/>
+                </a:solidFill>
+                <a:latin typeface="+mj-lt"/>
+              </a:rPr>
+              <a:t>] </a:t>
+            </a:r>
+            <a:r>
+              <a:rPr lang="ko-KR" altLang="en-US" sz="2500" b="1" dirty="0" smtClean="0">
+                <a:solidFill>
+                  <a:schemeClr val="bg1"/>
+                </a:solidFill>
+                <a:latin typeface="+mj-lt"/>
+              </a:rPr>
+              <a:t>사용자 </a:t>
+            </a:r>
+            <a:r>
+              <a:rPr lang="en-US" altLang="ko-KR" sz="2500" b="1" dirty="0" smtClean="0">
+                <a:solidFill>
+                  <a:schemeClr val="bg1"/>
+                </a:solidFill>
+                <a:latin typeface="+mj-lt"/>
+              </a:rPr>
+              <a:t>– </a:t>
+            </a:r>
+            <a:r>
+              <a:rPr lang="ko-KR" altLang="en-US" sz="2500" b="1" dirty="0" smtClean="0">
+                <a:solidFill>
+                  <a:schemeClr val="bg1"/>
+                </a:solidFill>
+                <a:latin typeface="+mj-lt"/>
+              </a:rPr>
+              <a:t>웹</a:t>
+            </a:r>
+            <a:r>
+              <a:rPr lang="en-US" altLang="ko-KR" sz="2500" b="1" dirty="0" smtClean="0">
+                <a:solidFill>
+                  <a:schemeClr val="bg1"/>
+                </a:solidFill>
+                <a:latin typeface="+mj-lt"/>
+              </a:rPr>
+              <a:t> – </a:t>
+            </a:r>
+            <a:r>
+              <a:rPr lang="ko-KR" altLang="en-US" sz="2500" b="1" dirty="0" err="1" smtClean="0">
+                <a:solidFill>
+                  <a:schemeClr val="bg1"/>
+                </a:solidFill>
+                <a:latin typeface="+mj-lt"/>
+              </a:rPr>
+              <a:t>마이페이지</a:t>
+            </a:r>
+            <a:r>
+              <a:rPr lang="ko-KR" altLang="en-US" sz="2500" b="1" dirty="0" smtClean="0">
+                <a:solidFill>
+                  <a:schemeClr val="bg1"/>
+                </a:solidFill>
+                <a:latin typeface="+mj-lt"/>
+              </a:rPr>
+              <a:t> </a:t>
+            </a:r>
+            <a:r>
+              <a:rPr lang="en-US" altLang="ko-KR" sz="2500" b="1" dirty="0" smtClean="0">
+                <a:solidFill>
+                  <a:schemeClr val="bg1"/>
+                </a:solidFill>
+                <a:latin typeface="+mj-lt"/>
+              </a:rPr>
+              <a:t>– </a:t>
+            </a:r>
+            <a:r>
+              <a:rPr lang="ko-KR" altLang="en-US" sz="2500" b="1" dirty="0" smtClean="0">
+                <a:solidFill>
+                  <a:schemeClr val="bg1"/>
+                </a:solidFill>
+                <a:latin typeface="+mj-lt"/>
+              </a:rPr>
+              <a:t>세미나 예약 </a:t>
+            </a:r>
+            <a:r>
+              <a:rPr lang="ko-KR" altLang="en-US" sz="2500" b="1" dirty="0" smtClean="0">
+                <a:solidFill>
+                  <a:schemeClr val="bg1"/>
+                </a:solidFill>
+                <a:latin typeface="+mj-lt"/>
+              </a:rPr>
+              <a:t>리스트</a:t>
+            </a:r>
+            <a:r>
+              <a:rPr lang="en-US" altLang="ko-KR" sz="2500" b="1" dirty="0" smtClean="0">
+                <a:solidFill>
+                  <a:schemeClr val="bg1"/>
+                </a:solidFill>
+                <a:latin typeface="+mj-lt"/>
+              </a:rPr>
+              <a:t>(</a:t>
+            </a:r>
+            <a:r>
+              <a:rPr lang="ko-KR" altLang="en-US" sz="2500" b="1" dirty="0" smtClean="0">
+                <a:solidFill>
+                  <a:schemeClr val="bg1"/>
+                </a:solidFill>
+                <a:latin typeface="+mj-lt"/>
+              </a:rPr>
+              <a:t>상세</a:t>
+            </a:r>
+            <a:r>
+              <a:rPr lang="en-US" altLang="ko-KR" sz="2500" b="1" dirty="0" smtClean="0">
+                <a:solidFill>
+                  <a:schemeClr val="bg1"/>
+                </a:solidFill>
+                <a:latin typeface="+mj-lt"/>
+              </a:rPr>
+              <a:t>)</a:t>
+            </a:r>
+            <a:endParaRPr lang="ko-KR" altLang="en-US" sz="2500" b="1" dirty="0">
+              <a:solidFill>
+                <a:schemeClr val="bg1"/>
+              </a:solidFill>
+              <a:latin typeface="+mj-lt"/>
+            </a:endParaRPr>
+          </a:p>
+        </p:txBody>
+      </p:sp>
+      <p:sp>
+        <p:nvSpPr>
+          <p:cNvPr id="2" name="TextBox 1"/>
+          <p:cNvSpPr txBox="1"/>
+          <p:nvPr/>
+        </p:nvSpPr>
+        <p:spPr>
+          <a:xfrm>
+            <a:off x="8348133" y="1815531"/>
+            <a:ext cx="3420534" cy="1477328"/>
+          </a:xfrm>
+          <a:prstGeom prst="rect">
+            <a:avLst/>
+          </a:prstGeom>
+          <a:noFill/>
+        </p:spPr>
+        <p:txBody>
+          <a:bodyPr wrap="square" rtlCol="0">
+            <a:spAutoFit/>
+          </a:bodyPr>
+          <a:lstStyle/>
+          <a:p>
+            <a:r>
+              <a:rPr lang="en-US" altLang="ko-KR" dirty="0" smtClean="0"/>
+              <a:t>List</a:t>
+            </a:r>
+            <a:r>
+              <a:rPr lang="ko-KR" altLang="en-US" dirty="0" smtClean="0"/>
+              <a:t>를 만들 때</a:t>
+            </a:r>
+            <a:r>
+              <a:rPr lang="en-US" altLang="ko-KR" dirty="0" smtClean="0"/>
+              <a:t>, </a:t>
+            </a:r>
+            <a:r>
+              <a:rPr lang="ko-KR" altLang="en-US" dirty="0" smtClean="0"/>
+              <a:t>각 </a:t>
+            </a:r>
+            <a:r>
+              <a:rPr lang="en-US" altLang="ko-KR" dirty="0" smtClean="0"/>
+              <a:t>li Element</a:t>
+            </a:r>
+            <a:r>
+              <a:rPr lang="ko-KR" altLang="en-US" dirty="0" smtClean="0"/>
+              <a:t>의 속성에 </a:t>
+            </a:r>
+            <a:r>
+              <a:rPr lang="en-US" altLang="ko-KR" dirty="0" smtClean="0"/>
+              <a:t>JSON </a:t>
+            </a:r>
+            <a:r>
+              <a:rPr lang="ko-KR" altLang="en-US" dirty="0" smtClean="0"/>
+              <a:t>데이터를 저장</a:t>
+            </a:r>
+            <a:endParaRPr lang="en-US" altLang="ko-KR" dirty="0"/>
+          </a:p>
+          <a:p>
+            <a:endParaRPr lang="en-US" altLang="ko-KR" dirty="0" smtClean="0"/>
+          </a:p>
+          <a:p>
+            <a:r>
+              <a:rPr lang="ko-KR" altLang="en-US" dirty="0" smtClean="0"/>
+              <a:t>이후</a:t>
+            </a:r>
+            <a:r>
+              <a:rPr lang="en-US" altLang="ko-KR" dirty="0"/>
+              <a:t> </a:t>
+            </a:r>
+            <a:r>
+              <a:rPr lang="ko-KR" altLang="en-US" dirty="0" smtClean="0"/>
+              <a:t>상세정보를 확인 시</a:t>
+            </a:r>
+            <a:r>
+              <a:rPr lang="en-US" altLang="ko-KR" dirty="0" smtClean="0"/>
+              <a:t>, </a:t>
+            </a:r>
+            <a:r>
+              <a:rPr lang="en-US" altLang="ko-KR" dirty="0" err="1" smtClean="0"/>
+              <a:t>db</a:t>
+            </a:r>
+            <a:r>
+              <a:rPr lang="ko-KR" altLang="en-US" dirty="0" smtClean="0"/>
+              <a:t>에 또 접속하지 않고 내용 로딩</a:t>
+            </a:r>
+            <a:endParaRPr lang="ko-KR" altLang="en-US" dirty="0"/>
+          </a:p>
+        </p:txBody>
+      </p:sp>
+      <p:pic>
+        <p:nvPicPr>
+          <p:cNvPr id="4098" name="Picture 2" descr="C:\Users\ezen-033\Desktop\ppt\마이페이지세미나\세미나6.PNG"/>
+          <p:cNvPicPr>
+            <a:picLocks noChangeAspect="1" noChangeArrowheads="1"/>
+          </p:cNvPicPr>
+          <p:nvPr/>
+        </p:nvPicPr>
+        <p:blipFill>
+          <a:blip r:embed="rId3">
+            <a:extLst>
+              <a:ext uri="{28A0092B-C50C-407E-A947-70E740481C1C}">
+                <a14:useLocalDpi xmlns:a14="http://schemas.microsoft.com/office/drawing/2010/main" val="0"/>
+              </a:ext>
+            </a:extLst>
+          </a:blip>
+          <a:srcRect/>
+          <a:stretch>
+            <a:fillRect/>
+          </a:stretch>
+        </p:blipFill>
+        <p:spPr bwMode="auto">
+          <a:xfrm>
+            <a:off x="447739" y="1684098"/>
+            <a:ext cx="7697788" cy="4362450"/>
+          </a:xfrm>
+          <a:prstGeom prst="rect">
+            <a:avLst/>
+          </a:prstGeom>
+          <a:noFill/>
+          <a:ln>
+            <a:solidFill>
+              <a:schemeClr val="tx1"/>
+            </a:solidFill>
+          </a:ln>
+          <a:extLst>
+            <a:ext uri="{909E8E84-426E-40DD-AFC4-6F175D3DCCD1}">
+              <a14:hiddenFill xmlns:a14="http://schemas.microsoft.com/office/drawing/2010/main">
+                <a:solidFill>
+                  <a:srgbClr val="FFFFFF"/>
+                </a:solidFill>
+              </a14:hiddenFill>
+            </a:ext>
+          </a:extLst>
+        </p:spPr>
+      </p:pic>
+      <p:sp>
+        <p:nvSpPr>
+          <p:cNvPr id="3" name="직사각형 2"/>
+          <p:cNvSpPr/>
+          <p:nvPr/>
+        </p:nvSpPr>
+        <p:spPr>
+          <a:xfrm>
+            <a:off x="550332" y="5355166"/>
+            <a:ext cx="2184401" cy="198967"/>
+          </a:xfrm>
+          <a:prstGeom prst="rect">
+            <a:avLst/>
+          </a:prstGeom>
+          <a:noFill/>
+          <a:ln>
+            <a:solidFill>
+              <a:srgbClr val="FF0000"/>
+            </a:solidFill>
+          </a:ln>
+        </p:spPr>
+        <p:style>
+          <a:lnRef idx="2">
+            <a:schemeClr val="accent1">
+              <a:shade val="50000"/>
+            </a:schemeClr>
+          </a:lnRef>
+          <a:fillRef idx="1">
+            <a:schemeClr val="accent1"/>
+          </a:fillRef>
+          <a:effectRef idx="0">
+            <a:schemeClr val="accent1"/>
+          </a:effectRef>
+          <a:fontRef idx="minor">
+            <a:schemeClr val="lt1"/>
+          </a:fontRef>
+        </p:style>
+        <p:txBody>
+          <a:bodyPr rtlCol="0" anchor="ctr"/>
+          <a:lstStyle/>
+          <a:p>
+            <a:pPr algn="ctr"/>
+            <a:endParaRPr lang="ko-KR" altLang="en-US"/>
+          </a:p>
+        </p:txBody>
+      </p:sp>
+    </p:spTree>
+    <p:extLst>
+      <p:ext uri="{BB962C8B-B14F-4D97-AF65-F5344CB8AC3E}">
+        <p14:creationId xmlns:p14="http://schemas.microsoft.com/office/powerpoint/2010/main" val="2137339604"/>
+      </p:ext>
+    </p:extLst>
+  </p:cSld>
+  <p:clrMapOvr>
+    <a:masterClrMapping/>
+  </p:clrMapOvr>
+  <p:timing>
+    <p:tnLst>
+      <p:par>
+        <p:cTn id="1" dur="indefinite" restart="never" nodeType="tmRoot"/>
+      </p:par>
+    </p:tnLst>
+  </p:timing>
+</p:sld>
+</file>
+
+<file path=ppt/slides/slide21.xml><?xml version="1.0" encoding="utf-8"?>
+<p:sld xmlns:a="http://schemas.openxmlformats.org/drawingml/2006/main" xmlns:r="http://schemas.openxmlformats.org/officeDocument/2006/relationships" xmlns:p="http://schemas.openxmlformats.org/presentationml/2006/main">
+  <p:cSld>
+    <p:spTree>
+      <p:nvGrpSpPr>
+        <p:cNvPr id="1" name="Shape 90"/>
+        <p:cNvGrpSpPr/>
+        <p:nvPr/>
+      </p:nvGrpSpPr>
+      <p:grpSpPr>
+        <a:xfrm>
+          <a:off x="0" y="0"/>
+          <a:ext cx="0" cy="0"/>
+          <a:chOff x="0" y="0"/>
+          <a:chExt cx="0" cy="0"/>
+        </a:xfrm>
+      </p:grpSpPr>
+      <p:sp>
+        <p:nvSpPr>
+          <p:cNvPr id="18" name="TextBox 17"/>
+          <p:cNvSpPr txBox="1"/>
+          <p:nvPr/>
+        </p:nvSpPr>
+        <p:spPr>
+          <a:xfrm>
+            <a:off x="470648" y="195307"/>
+            <a:ext cx="10933952" cy="477054"/>
+          </a:xfrm>
+          <a:prstGeom prst="rect">
+            <a:avLst/>
+          </a:prstGeom>
+          <a:noFill/>
+        </p:spPr>
+        <p:txBody>
+          <a:bodyPr wrap="square" rtlCol="0">
+            <a:spAutoFit/>
+          </a:bodyPr>
+          <a:lstStyle/>
+          <a:p>
+            <a:pPr lvl="0" algn="ctr">
+              <a:buClr>
+                <a:srgbClr val="000000"/>
+              </a:buClr>
+              <a:buSzPts val="1500"/>
+              <a:defRPr/>
+            </a:pPr>
+            <a:r>
+              <a:rPr lang="en-US" altLang="ko-KR" sz="2500" b="1" dirty="0" smtClean="0">
+                <a:solidFill>
+                  <a:schemeClr val="bg1"/>
+                </a:solidFill>
+                <a:latin typeface="+mj-lt"/>
+              </a:rPr>
+              <a:t>[</a:t>
+            </a:r>
+            <a:r>
+              <a:rPr lang="ko-KR" altLang="en-US" sz="2500" b="1" dirty="0" smtClean="0">
+                <a:solidFill>
+                  <a:schemeClr val="bg1"/>
+                </a:solidFill>
+                <a:latin typeface="+mj-lt"/>
+              </a:rPr>
+              <a:t>화면 구</a:t>
+            </a:r>
+            <a:r>
+              <a:rPr lang="ko-KR" altLang="en-US" sz="2500" b="1" dirty="0">
+                <a:solidFill>
+                  <a:schemeClr val="bg1"/>
+                </a:solidFill>
+                <a:latin typeface="+mj-lt"/>
+              </a:rPr>
+              <a:t>현</a:t>
+            </a:r>
+            <a:r>
+              <a:rPr lang="en-US" altLang="ko-KR" sz="2500" b="1" dirty="0" smtClean="0">
+                <a:solidFill>
+                  <a:schemeClr val="bg1"/>
+                </a:solidFill>
+                <a:latin typeface="+mj-lt"/>
+              </a:rPr>
+              <a:t>] </a:t>
+            </a:r>
+            <a:r>
+              <a:rPr lang="ko-KR" altLang="en-US" sz="2500" b="1" dirty="0" smtClean="0">
+                <a:solidFill>
+                  <a:schemeClr val="bg1"/>
+                </a:solidFill>
+                <a:latin typeface="+mj-lt"/>
+              </a:rPr>
+              <a:t>사용자 </a:t>
+            </a:r>
+            <a:r>
+              <a:rPr lang="en-US" altLang="ko-KR" sz="2500" b="1" dirty="0" smtClean="0">
+                <a:solidFill>
+                  <a:schemeClr val="bg1"/>
+                </a:solidFill>
+                <a:latin typeface="+mj-lt"/>
+              </a:rPr>
+              <a:t>– </a:t>
+            </a:r>
+            <a:r>
+              <a:rPr lang="ko-KR" altLang="en-US" sz="2500" b="1" dirty="0" smtClean="0">
+                <a:solidFill>
+                  <a:schemeClr val="bg1"/>
+                </a:solidFill>
+                <a:latin typeface="+mj-lt"/>
+              </a:rPr>
+              <a:t>웹</a:t>
+            </a:r>
+            <a:r>
+              <a:rPr lang="en-US" altLang="ko-KR" sz="2500" b="1" dirty="0" smtClean="0">
+                <a:solidFill>
+                  <a:schemeClr val="bg1"/>
+                </a:solidFill>
+                <a:latin typeface="+mj-lt"/>
+              </a:rPr>
+              <a:t> – </a:t>
+            </a:r>
+            <a:r>
+              <a:rPr lang="ko-KR" altLang="en-US" sz="2500" b="1" dirty="0" err="1" smtClean="0">
+                <a:solidFill>
+                  <a:schemeClr val="bg1"/>
+                </a:solidFill>
+                <a:latin typeface="+mj-lt"/>
+              </a:rPr>
+              <a:t>마이페이지</a:t>
+            </a:r>
+            <a:r>
+              <a:rPr lang="ko-KR" altLang="en-US" sz="2500" b="1" dirty="0" smtClean="0">
+                <a:solidFill>
+                  <a:schemeClr val="bg1"/>
+                </a:solidFill>
+                <a:latin typeface="+mj-lt"/>
+              </a:rPr>
+              <a:t> </a:t>
+            </a:r>
+            <a:r>
+              <a:rPr lang="en-US" altLang="ko-KR" sz="2500" b="1" dirty="0" smtClean="0">
+                <a:solidFill>
+                  <a:schemeClr val="bg1"/>
+                </a:solidFill>
+                <a:latin typeface="+mj-lt"/>
+              </a:rPr>
+              <a:t>– </a:t>
+            </a:r>
+            <a:r>
+              <a:rPr lang="ko-KR" altLang="en-US" sz="2500" b="1" dirty="0" smtClean="0">
+                <a:solidFill>
+                  <a:schemeClr val="bg1"/>
+                </a:solidFill>
+                <a:latin typeface="+mj-lt"/>
+              </a:rPr>
+              <a:t>세미나 예약 </a:t>
+            </a:r>
+            <a:r>
+              <a:rPr lang="ko-KR" altLang="en-US" sz="2500" b="1" dirty="0" smtClean="0">
+                <a:solidFill>
+                  <a:schemeClr val="bg1"/>
+                </a:solidFill>
+                <a:latin typeface="+mj-lt"/>
+              </a:rPr>
+              <a:t>리스트</a:t>
+            </a:r>
+            <a:r>
+              <a:rPr lang="en-US" altLang="ko-KR" sz="2500" b="1" dirty="0" smtClean="0">
+                <a:solidFill>
+                  <a:schemeClr val="bg1"/>
+                </a:solidFill>
+                <a:latin typeface="+mj-lt"/>
+              </a:rPr>
+              <a:t>(</a:t>
+            </a:r>
+            <a:r>
+              <a:rPr lang="ko-KR" altLang="en-US" sz="2500" b="1" dirty="0" smtClean="0">
+                <a:solidFill>
+                  <a:schemeClr val="bg1"/>
+                </a:solidFill>
+                <a:latin typeface="+mj-lt"/>
+              </a:rPr>
+              <a:t>상세</a:t>
+            </a:r>
+            <a:r>
+              <a:rPr lang="en-US" altLang="ko-KR" sz="2500" b="1" dirty="0" smtClean="0">
+                <a:solidFill>
+                  <a:schemeClr val="bg1"/>
+                </a:solidFill>
+                <a:latin typeface="+mj-lt"/>
+              </a:rPr>
+              <a:t>)</a:t>
+            </a:r>
+            <a:endParaRPr lang="ko-KR" altLang="en-US" sz="2500" b="1" dirty="0">
+              <a:solidFill>
+                <a:schemeClr val="bg1"/>
+              </a:solidFill>
+              <a:latin typeface="+mj-lt"/>
+            </a:endParaRPr>
+          </a:p>
+        </p:txBody>
+      </p:sp>
+      <p:sp>
+        <p:nvSpPr>
+          <p:cNvPr id="2" name="TextBox 1"/>
+          <p:cNvSpPr txBox="1"/>
+          <p:nvPr/>
+        </p:nvSpPr>
+        <p:spPr>
+          <a:xfrm>
+            <a:off x="8017933" y="1815531"/>
+            <a:ext cx="3750734" cy="923330"/>
+          </a:xfrm>
+          <a:prstGeom prst="rect">
+            <a:avLst/>
+          </a:prstGeom>
+          <a:noFill/>
+        </p:spPr>
+        <p:txBody>
+          <a:bodyPr wrap="square" rtlCol="0">
+            <a:spAutoFit/>
+          </a:bodyPr>
+          <a:lstStyle/>
+          <a:p>
+            <a:r>
+              <a:rPr lang="ko-KR" altLang="en-US" dirty="0" smtClean="0"/>
+              <a:t>상세정보 로딩 시</a:t>
+            </a:r>
+            <a:r>
+              <a:rPr lang="en-US" altLang="ko-KR" dirty="0" smtClean="0"/>
+              <a:t>, </a:t>
+            </a:r>
+            <a:r>
+              <a:rPr lang="ko-KR" altLang="en-US" dirty="0" smtClean="0"/>
+              <a:t>속성에 저장해놨던 </a:t>
+            </a:r>
+            <a:r>
+              <a:rPr lang="en-US" altLang="ko-KR" dirty="0" smtClean="0"/>
+              <a:t>JSON</a:t>
+            </a:r>
+            <a:r>
+              <a:rPr lang="ko-KR" altLang="en-US" dirty="0" smtClean="0"/>
+              <a:t>데이터를 통해서</a:t>
+            </a:r>
+            <a:endParaRPr lang="en-US" altLang="ko-KR" dirty="0" smtClean="0"/>
+          </a:p>
+          <a:p>
+            <a:r>
+              <a:rPr lang="ko-KR" altLang="en-US" dirty="0" smtClean="0"/>
+              <a:t>내용 변경</a:t>
+            </a:r>
+            <a:endParaRPr lang="ko-KR" altLang="en-US" dirty="0"/>
+          </a:p>
+        </p:txBody>
+      </p:sp>
+      <p:pic>
+        <p:nvPicPr>
+          <p:cNvPr id="5122" name="Picture 2" descr="C:\Users\ezen-033\Desktop\ppt\마이페이지세미나\세미나7.PNG"/>
+          <p:cNvPicPr>
+            <a:picLocks noChangeAspect="1" noChangeArrowheads="1"/>
+          </p:cNvPicPr>
+          <p:nvPr/>
+        </p:nvPicPr>
+        <p:blipFill>
+          <a:blip r:embed="rId3">
+            <a:extLst>
+              <a:ext uri="{28A0092B-C50C-407E-A947-70E740481C1C}">
+                <a14:useLocalDpi xmlns:a14="http://schemas.microsoft.com/office/drawing/2010/main" val="0"/>
+              </a:ext>
+            </a:extLst>
+          </a:blip>
+          <a:srcRect/>
+          <a:stretch>
+            <a:fillRect/>
+          </a:stretch>
+        </p:blipFill>
+        <p:spPr bwMode="auto">
+          <a:xfrm>
+            <a:off x="648448" y="1883264"/>
+            <a:ext cx="6888343" cy="2402650"/>
+          </a:xfrm>
+          <a:prstGeom prst="rect">
+            <a:avLst/>
+          </a:prstGeom>
+          <a:noFill/>
+          <a:ln>
+            <a:solidFill>
+              <a:schemeClr val="tx1"/>
+            </a:solidFill>
+          </a:ln>
+          <a:extLst>
+            <a:ext uri="{909E8E84-426E-40DD-AFC4-6F175D3DCCD1}">
+              <a14:hiddenFill xmlns:a14="http://schemas.microsoft.com/office/drawing/2010/main">
+                <a:solidFill>
+                  <a:srgbClr val="FFFFFF"/>
+                </a:solidFill>
+              </a14:hiddenFill>
+            </a:ext>
+          </a:extLst>
+        </p:spPr>
+      </p:pic>
+      <p:sp>
+        <p:nvSpPr>
+          <p:cNvPr id="4" name="직사각형 3"/>
+          <p:cNvSpPr/>
+          <p:nvPr/>
+        </p:nvSpPr>
+        <p:spPr>
+          <a:xfrm>
+            <a:off x="2794000" y="3623733"/>
+            <a:ext cx="1947333" cy="397934"/>
+          </a:xfrm>
+          <a:prstGeom prst="rect">
+            <a:avLst/>
+          </a:prstGeom>
+          <a:noFill/>
+          <a:ln>
+            <a:solidFill>
+              <a:srgbClr val="FF0000"/>
+            </a:solidFill>
+          </a:ln>
+        </p:spPr>
+        <p:style>
+          <a:lnRef idx="2">
+            <a:schemeClr val="accent1">
+              <a:shade val="50000"/>
+            </a:schemeClr>
+          </a:lnRef>
+          <a:fillRef idx="1">
+            <a:schemeClr val="accent1"/>
+          </a:fillRef>
+          <a:effectRef idx="0">
+            <a:schemeClr val="accent1"/>
+          </a:effectRef>
+          <a:fontRef idx="minor">
+            <a:schemeClr val="lt1"/>
+          </a:fontRef>
+        </p:style>
+        <p:txBody>
+          <a:bodyPr rtlCol="0" anchor="ctr"/>
+          <a:lstStyle/>
+          <a:p>
+            <a:pPr algn="ctr"/>
+            <a:endParaRPr lang="ko-KR" altLang="en-US"/>
+          </a:p>
+        </p:txBody>
+      </p:sp>
+    </p:spTree>
+    <p:extLst>
+      <p:ext uri="{BB962C8B-B14F-4D97-AF65-F5344CB8AC3E}">
+        <p14:creationId xmlns:p14="http://schemas.microsoft.com/office/powerpoint/2010/main" val="654915194"/>
+      </p:ext>
+    </p:extLst>
+  </p:cSld>
+  <p:clrMapOvr>
+    <a:masterClrMapping/>
+  </p:clrMapOvr>
+  <p:timing>
+    <p:tnLst>
+      <p:par>
+        <p:cTn id="1" dur="indefinite" restart="never" nodeType="tmRoot"/>
+      </p:par>
+    </p:tnLst>
+  </p:timing>
+</p:sld>
+</file>
+
+<file path=ppt/slides/slide22.xml><?xml version="1.0" encoding="utf-8"?>
+<p:sld xmlns:a="http://schemas.openxmlformats.org/drawingml/2006/main" xmlns:r="http://schemas.openxmlformats.org/officeDocument/2006/relationships" xmlns:p="http://schemas.openxmlformats.org/presentationml/2006/main">
+  <p:cSld>
+    <p:spTree>
+      <p:nvGrpSpPr>
+        <p:cNvPr id="1" name="Shape 90"/>
+        <p:cNvGrpSpPr/>
+        <p:nvPr/>
+      </p:nvGrpSpPr>
+      <p:grpSpPr>
+        <a:xfrm>
+          <a:off x="0" y="0"/>
+          <a:ext cx="0" cy="0"/>
+          <a:chOff x="0" y="0"/>
+          <a:chExt cx="0" cy="0"/>
+        </a:xfrm>
+      </p:grpSpPr>
+      <p:sp>
+        <p:nvSpPr>
+          <p:cNvPr id="18" name="TextBox 17"/>
+          <p:cNvSpPr txBox="1"/>
+          <p:nvPr/>
+        </p:nvSpPr>
+        <p:spPr>
+          <a:xfrm>
+            <a:off x="470648" y="195307"/>
+            <a:ext cx="10933952" cy="477054"/>
+          </a:xfrm>
+          <a:prstGeom prst="rect">
+            <a:avLst/>
+          </a:prstGeom>
+          <a:noFill/>
+        </p:spPr>
+        <p:txBody>
+          <a:bodyPr wrap="square" rtlCol="0">
+            <a:spAutoFit/>
+          </a:bodyPr>
+          <a:lstStyle/>
+          <a:p>
+            <a:pPr lvl="0" algn="ctr">
+              <a:buClr>
+                <a:srgbClr val="000000"/>
+              </a:buClr>
+              <a:buSzPts val="1500"/>
+              <a:defRPr/>
+            </a:pPr>
+            <a:r>
+              <a:rPr lang="en-US" altLang="ko-KR" sz="2500" b="1" dirty="0" smtClean="0">
+                <a:solidFill>
+                  <a:schemeClr val="bg1"/>
+                </a:solidFill>
+                <a:latin typeface="+mj-lt"/>
+              </a:rPr>
+              <a:t>[</a:t>
+            </a:r>
+            <a:r>
+              <a:rPr lang="ko-KR" altLang="en-US" sz="2500" b="1" dirty="0" smtClean="0">
+                <a:solidFill>
+                  <a:schemeClr val="bg1"/>
+                </a:solidFill>
+                <a:latin typeface="+mj-lt"/>
+              </a:rPr>
+              <a:t>화면 구</a:t>
+            </a:r>
+            <a:r>
+              <a:rPr lang="ko-KR" altLang="en-US" sz="2500" b="1" dirty="0">
+                <a:solidFill>
+                  <a:schemeClr val="bg1"/>
+                </a:solidFill>
+                <a:latin typeface="+mj-lt"/>
+              </a:rPr>
+              <a:t>현</a:t>
+            </a:r>
+            <a:r>
+              <a:rPr lang="en-US" altLang="ko-KR" sz="2500" b="1" dirty="0" smtClean="0">
+                <a:solidFill>
+                  <a:schemeClr val="bg1"/>
+                </a:solidFill>
+                <a:latin typeface="+mj-lt"/>
+              </a:rPr>
+              <a:t>] </a:t>
+            </a:r>
+            <a:r>
+              <a:rPr lang="ko-KR" altLang="en-US" sz="2500" b="1" dirty="0" smtClean="0">
+                <a:solidFill>
+                  <a:schemeClr val="bg1"/>
+                </a:solidFill>
+                <a:latin typeface="+mj-lt"/>
+              </a:rPr>
+              <a:t>사용자 </a:t>
+            </a:r>
+            <a:r>
+              <a:rPr lang="en-US" altLang="ko-KR" sz="2500" b="1" dirty="0" smtClean="0">
+                <a:solidFill>
+                  <a:schemeClr val="bg1"/>
+                </a:solidFill>
+                <a:latin typeface="+mj-lt"/>
+              </a:rPr>
+              <a:t>– </a:t>
+            </a:r>
+            <a:r>
+              <a:rPr lang="ko-KR" altLang="en-US" sz="2500" b="1" dirty="0" smtClean="0">
+                <a:solidFill>
+                  <a:schemeClr val="bg1"/>
+                </a:solidFill>
+                <a:latin typeface="+mj-lt"/>
+              </a:rPr>
+              <a:t>웹</a:t>
+            </a:r>
+            <a:r>
+              <a:rPr lang="en-US" altLang="ko-KR" sz="2500" b="1" dirty="0" smtClean="0">
+                <a:solidFill>
+                  <a:schemeClr val="bg1"/>
+                </a:solidFill>
+                <a:latin typeface="+mj-lt"/>
+              </a:rPr>
+              <a:t> – </a:t>
+            </a:r>
+            <a:r>
+              <a:rPr lang="ko-KR" altLang="en-US" sz="2500" b="1" dirty="0" err="1" smtClean="0">
+                <a:solidFill>
+                  <a:schemeClr val="bg1"/>
+                </a:solidFill>
+                <a:latin typeface="+mj-lt"/>
+              </a:rPr>
+              <a:t>마이페이지</a:t>
+            </a:r>
+            <a:r>
+              <a:rPr lang="ko-KR" altLang="en-US" sz="2500" b="1" dirty="0" smtClean="0">
+                <a:solidFill>
+                  <a:schemeClr val="bg1"/>
+                </a:solidFill>
+                <a:latin typeface="+mj-lt"/>
+              </a:rPr>
+              <a:t> </a:t>
+            </a:r>
+            <a:r>
+              <a:rPr lang="en-US" altLang="ko-KR" sz="2500" b="1" dirty="0" smtClean="0">
+                <a:solidFill>
+                  <a:schemeClr val="bg1"/>
+                </a:solidFill>
+                <a:latin typeface="+mj-lt"/>
+              </a:rPr>
+              <a:t>– </a:t>
+            </a:r>
+            <a:r>
+              <a:rPr lang="ko-KR" altLang="en-US" sz="2500" b="1" dirty="0" smtClean="0">
+                <a:solidFill>
+                  <a:schemeClr val="bg1"/>
+                </a:solidFill>
+                <a:latin typeface="+mj-lt"/>
+              </a:rPr>
+              <a:t>세미나 예약 </a:t>
+            </a:r>
+            <a:r>
+              <a:rPr lang="ko-KR" altLang="en-US" sz="2500" b="1" dirty="0" smtClean="0">
+                <a:solidFill>
+                  <a:schemeClr val="bg1"/>
+                </a:solidFill>
+                <a:latin typeface="+mj-lt"/>
+              </a:rPr>
+              <a:t>리스트</a:t>
+            </a:r>
+            <a:r>
+              <a:rPr lang="en-US" altLang="ko-KR" sz="2500" b="1" dirty="0" smtClean="0">
+                <a:solidFill>
+                  <a:schemeClr val="bg1"/>
+                </a:solidFill>
+                <a:latin typeface="+mj-lt"/>
+              </a:rPr>
+              <a:t>(</a:t>
+            </a:r>
+            <a:r>
+              <a:rPr lang="ko-KR" altLang="en-US" sz="2500" b="1" dirty="0" smtClean="0">
+                <a:solidFill>
+                  <a:schemeClr val="bg1"/>
+                </a:solidFill>
+                <a:latin typeface="+mj-lt"/>
+              </a:rPr>
+              <a:t>삭제</a:t>
+            </a:r>
+            <a:r>
+              <a:rPr lang="en-US" altLang="ko-KR" sz="2500" b="1" dirty="0" smtClean="0">
+                <a:solidFill>
+                  <a:schemeClr val="bg1"/>
+                </a:solidFill>
+                <a:latin typeface="+mj-lt"/>
+              </a:rPr>
+              <a:t>)</a:t>
+            </a:r>
+            <a:endParaRPr lang="ko-KR" altLang="en-US" sz="2500" b="1" dirty="0">
+              <a:solidFill>
+                <a:schemeClr val="bg1"/>
+              </a:solidFill>
+              <a:latin typeface="+mj-lt"/>
+            </a:endParaRPr>
+          </a:p>
+        </p:txBody>
+      </p:sp>
+      <p:pic>
+        <p:nvPicPr>
+          <p:cNvPr id="6146" name="Picture 2" descr="C:\Users\ezen-033\Desktop\ppt\마이페이지세미나\삭제1.PNG"/>
+          <p:cNvPicPr>
+            <a:picLocks noChangeAspect="1" noChangeArrowheads="1"/>
+          </p:cNvPicPr>
+          <p:nvPr/>
+        </p:nvPicPr>
+        <p:blipFill>
+          <a:blip r:embed="rId3">
+            <a:extLst>
+              <a:ext uri="{28A0092B-C50C-407E-A947-70E740481C1C}">
+                <a14:useLocalDpi xmlns:a14="http://schemas.microsoft.com/office/drawing/2010/main" val="0"/>
+              </a:ext>
+            </a:extLst>
+          </a:blip>
+          <a:srcRect/>
+          <a:stretch>
+            <a:fillRect/>
+          </a:stretch>
+        </p:blipFill>
+        <p:spPr bwMode="auto">
+          <a:xfrm>
+            <a:off x="410242" y="2018761"/>
+            <a:ext cx="4969975" cy="3556538"/>
+          </a:xfrm>
+          <a:prstGeom prst="rect">
+            <a:avLst/>
+          </a:prstGeom>
+          <a:noFill/>
+          <a:ln>
+            <a:solidFill>
+              <a:schemeClr val="tx1"/>
+            </a:solidFill>
+          </a:ln>
+          <a:extLst>
+            <a:ext uri="{909E8E84-426E-40DD-AFC4-6F175D3DCCD1}">
+              <a14:hiddenFill xmlns:a14="http://schemas.microsoft.com/office/drawing/2010/main">
+                <a:solidFill>
+                  <a:srgbClr val="FFFFFF"/>
+                </a:solidFill>
+              </a14:hiddenFill>
+            </a:ext>
+          </a:extLst>
+        </p:spPr>
+      </p:pic>
+      <p:pic>
+        <p:nvPicPr>
+          <p:cNvPr id="6147" name="Picture 3" descr="C:\Users\ezen-033\Desktop\ppt\마이페이지세미나\삭제2.PNG"/>
+          <p:cNvPicPr>
+            <a:picLocks noChangeAspect="1" noChangeArrowheads="1"/>
+          </p:cNvPicPr>
+          <p:nvPr/>
+        </p:nvPicPr>
+        <p:blipFill>
+          <a:blip r:embed="rId4">
+            <a:extLst>
+              <a:ext uri="{28A0092B-C50C-407E-A947-70E740481C1C}">
+                <a14:useLocalDpi xmlns:a14="http://schemas.microsoft.com/office/drawing/2010/main" val="0"/>
+              </a:ext>
+            </a:extLst>
+          </a:blip>
+          <a:srcRect/>
+          <a:stretch>
+            <a:fillRect/>
+          </a:stretch>
+        </p:blipFill>
+        <p:spPr bwMode="auto">
+          <a:xfrm>
+            <a:off x="5761459" y="1557329"/>
+            <a:ext cx="5379218" cy="4479403"/>
+          </a:xfrm>
+          <a:prstGeom prst="rect">
+            <a:avLst/>
+          </a:prstGeom>
+          <a:noFill/>
+          <a:ln>
+            <a:solidFill>
+              <a:schemeClr val="tx1"/>
+            </a:solidFill>
+          </a:ln>
+          <a:extLst>
+            <a:ext uri="{909E8E84-426E-40DD-AFC4-6F175D3DCCD1}">
+              <a14:hiddenFill xmlns:a14="http://schemas.microsoft.com/office/drawing/2010/main">
+                <a:solidFill>
+                  <a:srgbClr val="FFFFFF"/>
+                </a:solidFill>
+              </a14:hiddenFill>
+            </a:ext>
+          </a:extLst>
+        </p:spPr>
+      </p:pic>
+    </p:spTree>
+    <p:extLst>
+      <p:ext uri="{BB962C8B-B14F-4D97-AF65-F5344CB8AC3E}">
+        <p14:creationId xmlns:p14="http://schemas.microsoft.com/office/powerpoint/2010/main" val="749760832"/>
+      </p:ext>
+    </p:extLst>
+  </p:cSld>
+  <p:clrMapOvr>
+    <a:masterClrMapping/>
+  </p:clrMapOvr>
+  <p:timing>
+    <p:tnLst>
+      <p:par>
+        <p:cTn id="1" dur="indefinite" restart="never" nodeType="tmRoot"/>
+      </p:par>
+    </p:tnLst>
+  </p:timing>
+</p:sld>
+</file>
+
+<file path=ppt/slides/slide23.xml><?xml version="1.0" encoding="utf-8"?>
+<p:sld xmlns:a="http://schemas.openxmlformats.org/drawingml/2006/main" xmlns:r="http://schemas.openxmlformats.org/officeDocument/2006/relationships" xmlns:p="http://schemas.openxmlformats.org/presentationml/2006/main">
+  <p:cSld>
+    <p:spTree>
+      <p:nvGrpSpPr>
+        <p:cNvPr id="1" name="Shape 90"/>
+        <p:cNvGrpSpPr/>
+        <p:nvPr/>
+      </p:nvGrpSpPr>
+      <p:grpSpPr>
+        <a:xfrm>
+          <a:off x="0" y="0"/>
+          <a:ext cx="0" cy="0"/>
+          <a:chOff x="0" y="0"/>
+          <a:chExt cx="0" cy="0"/>
+        </a:xfrm>
+      </p:grpSpPr>
+      <p:sp>
+        <p:nvSpPr>
+          <p:cNvPr id="18" name="TextBox 17"/>
+          <p:cNvSpPr txBox="1"/>
+          <p:nvPr/>
+        </p:nvSpPr>
+        <p:spPr>
+          <a:xfrm>
+            <a:off x="470648" y="195307"/>
+            <a:ext cx="10933952" cy="477054"/>
+          </a:xfrm>
+          <a:prstGeom prst="rect">
+            <a:avLst/>
+          </a:prstGeom>
+          <a:noFill/>
+        </p:spPr>
+        <p:txBody>
+          <a:bodyPr wrap="square" rtlCol="0">
+            <a:spAutoFit/>
+          </a:bodyPr>
+          <a:lstStyle/>
+          <a:p>
+            <a:pPr lvl="0" algn="ctr">
+              <a:buClr>
+                <a:srgbClr val="000000"/>
+              </a:buClr>
+              <a:buSzPts val="1500"/>
+              <a:defRPr/>
+            </a:pPr>
+            <a:r>
+              <a:rPr lang="en-US" altLang="ko-KR" sz="2500" b="1" dirty="0" smtClean="0">
+                <a:solidFill>
+                  <a:schemeClr val="bg1"/>
+                </a:solidFill>
+                <a:latin typeface="+mj-lt"/>
+              </a:rPr>
+              <a:t>[</a:t>
+            </a:r>
+            <a:r>
+              <a:rPr lang="ko-KR" altLang="en-US" sz="2500" b="1" dirty="0" smtClean="0">
+                <a:solidFill>
+                  <a:schemeClr val="bg1"/>
+                </a:solidFill>
+                <a:latin typeface="+mj-lt"/>
+              </a:rPr>
+              <a:t>화면 구</a:t>
+            </a:r>
+            <a:r>
+              <a:rPr lang="ko-KR" altLang="en-US" sz="2500" b="1" dirty="0">
+                <a:solidFill>
+                  <a:schemeClr val="bg1"/>
+                </a:solidFill>
+                <a:latin typeface="+mj-lt"/>
+              </a:rPr>
+              <a:t>현</a:t>
+            </a:r>
+            <a:r>
+              <a:rPr lang="en-US" altLang="ko-KR" sz="2500" b="1" dirty="0" smtClean="0">
+                <a:solidFill>
+                  <a:schemeClr val="bg1"/>
+                </a:solidFill>
+                <a:latin typeface="+mj-lt"/>
+              </a:rPr>
+              <a:t>] </a:t>
+            </a:r>
+            <a:r>
+              <a:rPr lang="ko-KR" altLang="en-US" sz="2500" b="1" dirty="0" smtClean="0">
+                <a:solidFill>
+                  <a:schemeClr val="bg1"/>
+                </a:solidFill>
+                <a:latin typeface="+mj-lt"/>
+              </a:rPr>
+              <a:t>사용자 </a:t>
+            </a:r>
+            <a:r>
+              <a:rPr lang="en-US" altLang="ko-KR" sz="2500" b="1" dirty="0" smtClean="0">
+                <a:solidFill>
+                  <a:schemeClr val="bg1"/>
+                </a:solidFill>
+                <a:latin typeface="+mj-lt"/>
+              </a:rPr>
+              <a:t>– </a:t>
+            </a:r>
+            <a:r>
+              <a:rPr lang="ko-KR" altLang="en-US" sz="2500" b="1" dirty="0" smtClean="0">
+                <a:solidFill>
+                  <a:schemeClr val="bg1"/>
+                </a:solidFill>
+                <a:latin typeface="+mj-lt"/>
+              </a:rPr>
+              <a:t>웹</a:t>
+            </a:r>
+            <a:r>
+              <a:rPr lang="en-US" altLang="ko-KR" sz="2500" b="1" dirty="0" smtClean="0">
+                <a:solidFill>
+                  <a:schemeClr val="bg1"/>
+                </a:solidFill>
+                <a:latin typeface="+mj-lt"/>
+              </a:rPr>
+              <a:t> – </a:t>
+            </a:r>
+            <a:r>
+              <a:rPr lang="ko-KR" altLang="en-US" sz="2500" b="1" dirty="0" err="1" smtClean="0">
+                <a:solidFill>
+                  <a:schemeClr val="bg1"/>
+                </a:solidFill>
+                <a:latin typeface="+mj-lt"/>
+              </a:rPr>
+              <a:t>마이페이지</a:t>
+            </a:r>
+            <a:r>
+              <a:rPr lang="ko-KR" altLang="en-US" sz="2500" b="1" dirty="0" smtClean="0">
+                <a:solidFill>
+                  <a:schemeClr val="bg1"/>
+                </a:solidFill>
+                <a:latin typeface="+mj-lt"/>
+              </a:rPr>
+              <a:t> </a:t>
+            </a:r>
+            <a:r>
+              <a:rPr lang="en-US" altLang="ko-KR" sz="2500" b="1" dirty="0" smtClean="0">
+                <a:solidFill>
+                  <a:schemeClr val="bg1"/>
+                </a:solidFill>
+                <a:latin typeface="+mj-lt"/>
+              </a:rPr>
+              <a:t>– </a:t>
+            </a:r>
+            <a:r>
+              <a:rPr lang="ko-KR" altLang="en-US" sz="2500" b="1" dirty="0" smtClean="0">
+                <a:solidFill>
+                  <a:schemeClr val="bg1"/>
+                </a:solidFill>
+                <a:latin typeface="+mj-lt"/>
+              </a:rPr>
+              <a:t>세미나 예약 </a:t>
+            </a:r>
+            <a:r>
+              <a:rPr lang="ko-KR" altLang="en-US" sz="2500" b="1" dirty="0" smtClean="0">
+                <a:solidFill>
+                  <a:schemeClr val="bg1"/>
+                </a:solidFill>
+                <a:latin typeface="+mj-lt"/>
+              </a:rPr>
+              <a:t>리스트</a:t>
+            </a:r>
+            <a:r>
+              <a:rPr lang="en-US" altLang="ko-KR" sz="2500" b="1" dirty="0" smtClean="0">
+                <a:solidFill>
+                  <a:schemeClr val="bg1"/>
+                </a:solidFill>
+                <a:latin typeface="+mj-lt"/>
+              </a:rPr>
+              <a:t>(</a:t>
+            </a:r>
+            <a:r>
+              <a:rPr lang="ko-KR" altLang="en-US" sz="2500" b="1" dirty="0" smtClean="0">
+                <a:solidFill>
+                  <a:schemeClr val="bg1"/>
+                </a:solidFill>
+                <a:latin typeface="+mj-lt"/>
+              </a:rPr>
+              <a:t>삭제</a:t>
+            </a:r>
+            <a:r>
+              <a:rPr lang="en-US" altLang="ko-KR" sz="2500" b="1" dirty="0" smtClean="0">
+                <a:solidFill>
+                  <a:schemeClr val="bg1"/>
+                </a:solidFill>
+                <a:latin typeface="+mj-lt"/>
+              </a:rPr>
+              <a:t>)</a:t>
+            </a:r>
+            <a:endParaRPr lang="ko-KR" altLang="en-US" sz="2500" b="1" dirty="0">
+              <a:solidFill>
+                <a:schemeClr val="bg1"/>
+              </a:solidFill>
+              <a:latin typeface="+mj-lt"/>
+            </a:endParaRPr>
+          </a:p>
+        </p:txBody>
+      </p:sp>
+      <p:pic>
+        <p:nvPicPr>
+          <p:cNvPr id="7170" name="Picture 2" descr="C:\Users\ezen-033\Desktop\ppt\마이페이지세미나\삭제3.PNG"/>
+          <p:cNvPicPr>
+            <a:picLocks noChangeAspect="1" noChangeArrowheads="1"/>
+          </p:cNvPicPr>
+          <p:nvPr/>
+        </p:nvPicPr>
+        <p:blipFill>
+          <a:blip r:embed="rId3">
+            <a:extLst>
+              <a:ext uri="{28A0092B-C50C-407E-A947-70E740481C1C}">
+                <a14:useLocalDpi xmlns:a14="http://schemas.microsoft.com/office/drawing/2010/main" val="0"/>
+              </a:ext>
+            </a:extLst>
+          </a:blip>
+          <a:srcRect/>
+          <a:stretch>
+            <a:fillRect/>
+          </a:stretch>
+        </p:blipFill>
+        <p:spPr bwMode="auto">
+          <a:xfrm>
+            <a:off x="865032" y="1930927"/>
+            <a:ext cx="6726238" cy="3914775"/>
+          </a:xfrm>
+          <a:prstGeom prst="rect">
+            <a:avLst/>
+          </a:prstGeom>
+          <a:noFill/>
+          <a:ln>
+            <a:solidFill>
+              <a:schemeClr val="tx1"/>
+            </a:solidFill>
+          </a:ln>
+          <a:extLst>
+            <a:ext uri="{909E8E84-426E-40DD-AFC4-6F175D3DCCD1}">
+              <a14:hiddenFill xmlns:a14="http://schemas.microsoft.com/office/drawing/2010/main">
+                <a:solidFill>
+                  <a:srgbClr val="FFFFFF"/>
+                </a:solidFill>
+              </a14:hiddenFill>
+            </a:ext>
+          </a:extLst>
+        </p:spPr>
+      </p:pic>
+      <p:sp>
+        <p:nvSpPr>
+          <p:cNvPr id="2" name="직사각형 1"/>
+          <p:cNvSpPr/>
+          <p:nvPr/>
+        </p:nvSpPr>
+        <p:spPr>
+          <a:xfrm>
+            <a:off x="2954867" y="2819400"/>
+            <a:ext cx="3462866" cy="304800"/>
+          </a:xfrm>
+          <a:prstGeom prst="rect">
+            <a:avLst/>
+          </a:prstGeom>
+          <a:noFill/>
+          <a:ln>
+            <a:solidFill>
+              <a:srgbClr val="FF0000"/>
+            </a:solidFill>
+          </a:ln>
+        </p:spPr>
+        <p:style>
+          <a:lnRef idx="2">
+            <a:schemeClr val="accent1">
+              <a:shade val="50000"/>
+            </a:schemeClr>
+          </a:lnRef>
+          <a:fillRef idx="1">
+            <a:schemeClr val="accent1"/>
+          </a:fillRef>
+          <a:effectRef idx="0">
+            <a:schemeClr val="accent1"/>
+          </a:effectRef>
+          <a:fontRef idx="minor">
+            <a:schemeClr val="lt1"/>
+          </a:fontRef>
+        </p:style>
+        <p:txBody>
+          <a:bodyPr rtlCol="0" anchor="ctr"/>
+          <a:lstStyle/>
+          <a:p>
+            <a:pPr algn="ctr"/>
+            <a:endParaRPr lang="ko-KR" altLang="en-US"/>
+          </a:p>
+        </p:txBody>
+      </p:sp>
+      <p:sp>
+        <p:nvSpPr>
+          <p:cNvPr id="3" name="TextBox 2"/>
+          <p:cNvSpPr txBox="1"/>
+          <p:nvPr/>
+        </p:nvSpPr>
+        <p:spPr>
+          <a:xfrm>
+            <a:off x="8026400" y="2345267"/>
+            <a:ext cx="3310467" cy="646331"/>
+          </a:xfrm>
+          <a:prstGeom prst="rect">
+            <a:avLst/>
+          </a:prstGeom>
+          <a:noFill/>
+        </p:spPr>
+        <p:txBody>
+          <a:bodyPr wrap="square" rtlCol="0">
+            <a:spAutoFit/>
+          </a:bodyPr>
+          <a:lstStyle/>
+          <a:p>
+            <a:r>
+              <a:rPr lang="en-US" altLang="ko-KR" dirty="0" smtClean="0"/>
+              <a:t>SemiDelete.java</a:t>
+            </a:r>
+            <a:r>
+              <a:rPr lang="ko-KR" altLang="en-US" dirty="0" smtClean="0"/>
+              <a:t>로 </a:t>
+            </a:r>
+            <a:r>
+              <a:rPr lang="en-US" altLang="ko-KR" dirty="0" smtClean="0"/>
+              <a:t>code</a:t>
+            </a:r>
+            <a:r>
+              <a:rPr lang="ko-KR" altLang="en-US" dirty="0" smtClean="0"/>
+              <a:t>번호를 넘김</a:t>
+            </a:r>
+            <a:endParaRPr lang="ko-KR" altLang="en-US" dirty="0"/>
+          </a:p>
+        </p:txBody>
+      </p:sp>
+    </p:spTree>
+    <p:extLst>
+      <p:ext uri="{BB962C8B-B14F-4D97-AF65-F5344CB8AC3E}">
+        <p14:creationId xmlns:p14="http://schemas.microsoft.com/office/powerpoint/2010/main" val="1501376494"/>
+      </p:ext>
+    </p:extLst>
+  </p:cSld>
+  <p:clrMapOvr>
+    <a:masterClrMapping/>
+  </p:clrMapOvr>
+  <p:timing>
+    <p:tnLst>
+      <p:par>
+        <p:cTn id="1" dur="indefinite" restart="never" nodeType="tmRoot"/>
+      </p:par>
+    </p:tnLst>
+  </p:timing>
+</p:sld>
+</file>
+
+<file path=ppt/slides/slide24.xml><?xml version="1.0" encoding="utf-8"?>
+<p:sld xmlns:a="http://schemas.openxmlformats.org/drawingml/2006/main" xmlns:r="http://schemas.openxmlformats.org/officeDocument/2006/relationships" xmlns:p="http://schemas.openxmlformats.org/presentationml/2006/main">
+  <p:cSld>
+    <p:spTree>
+      <p:nvGrpSpPr>
+        <p:cNvPr id="1" name="Shape 90"/>
+        <p:cNvGrpSpPr/>
+        <p:nvPr/>
+      </p:nvGrpSpPr>
+      <p:grpSpPr>
+        <a:xfrm>
+          <a:off x="0" y="0"/>
+          <a:ext cx="0" cy="0"/>
+          <a:chOff x="0" y="0"/>
+          <a:chExt cx="0" cy="0"/>
+        </a:xfrm>
+      </p:grpSpPr>
+      <p:sp>
+        <p:nvSpPr>
+          <p:cNvPr id="18" name="TextBox 17"/>
+          <p:cNvSpPr txBox="1"/>
+          <p:nvPr/>
+        </p:nvSpPr>
+        <p:spPr>
+          <a:xfrm>
+            <a:off x="470648" y="195307"/>
+            <a:ext cx="10933952" cy="477054"/>
+          </a:xfrm>
+          <a:prstGeom prst="rect">
+            <a:avLst/>
+          </a:prstGeom>
+          <a:noFill/>
+        </p:spPr>
+        <p:txBody>
+          <a:bodyPr wrap="square" rtlCol="0">
+            <a:spAutoFit/>
+          </a:bodyPr>
+          <a:lstStyle/>
+          <a:p>
+            <a:pPr lvl="0" algn="ctr">
+              <a:buClr>
+                <a:srgbClr val="000000"/>
+              </a:buClr>
+              <a:buSzPts val="1500"/>
+              <a:defRPr/>
+            </a:pPr>
+            <a:r>
+              <a:rPr lang="en-US" altLang="ko-KR" sz="2500" b="1" dirty="0" smtClean="0">
+                <a:solidFill>
+                  <a:schemeClr val="bg1"/>
+                </a:solidFill>
+                <a:latin typeface="+mj-lt"/>
+              </a:rPr>
+              <a:t>[</a:t>
+            </a:r>
+            <a:r>
+              <a:rPr lang="ko-KR" altLang="en-US" sz="2500" b="1" dirty="0" smtClean="0">
+                <a:solidFill>
+                  <a:schemeClr val="bg1"/>
+                </a:solidFill>
+                <a:latin typeface="+mj-lt"/>
+              </a:rPr>
+              <a:t>화면 구</a:t>
+            </a:r>
+            <a:r>
+              <a:rPr lang="ko-KR" altLang="en-US" sz="2500" b="1" dirty="0">
+                <a:solidFill>
+                  <a:schemeClr val="bg1"/>
+                </a:solidFill>
+                <a:latin typeface="+mj-lt"/>
+              </a:rPr>
+              <a:t>현</a:t>
+            </a:r>
+            <a:r>
+              <a:rPr lang="en-US" altLang="ko-KR" sz="2500" b="1" dirty="0" smtClean="0">
+                <a:solidFill>
+                  <a:schemeClr val="bg1"/>
+                </a:solidFill>
+                <a:latin typeface="+mj-lt"/>
+              </a:rPr>
+              <a:t>] </a:t>
+            </a:r>
+            <a:r>
+              <a:rPr lang="ko-KR" altLang="en-US" sz="2500" b="1" dirty="0" smtClean="0">
+                <a:solidFill>
+                  <a:schemeClr val="bg1"/>
+                </a:solidFill>
+                <a:latin typeface="+mj-lt"/>
+              </a:rPr>
+              <a:t>사용자 </a:t>
+            </a:r>
+            <a:r>
+              <a:rPr lang="en-US" altLang="ko-KR" sz="2500" b="1" dirty="0" smtClean="0">
+                <a:solidFill>
+                  <a:schemeClr val="bg1"/>
+                </a:solidFill>
+                <a:latin typeface="+mj-lt"/>
+              </a:rPr>
+              <a:t>– </a:t>
+            </a:r>
+            <a:r>
+              <a:rPr lang="ko-KR" altLang="en-US" sz="2500" b="1" dirty="0" smtClean="0">
+                <a:solidFill>
+                  <a:schemeClr val="bg1"/>
+                </a:solidFill>
+                <a:latin typeface="+mj-lt"/>
+              </a:rPr>
+              <a:t>웹</a:t>
+            </a:r>
+            <a:r>
+              <a:rPr lang="en-US" altLang="ko-KR" sz="2500" b="1" dirty="0" smtClean="0">
+                <a:solidFill>
+                  <a:schemeClr val="bg1"/>
+                </a:solidFill>
+                <a:latin typeface="+mj-lt"/>
+              </a:rPr>
+              <a:t> – </a:t>
+            </a:r>
+            <a:r>
+              <a:rPr lang="ko-KR" altLang="en-US" sz="2500" b="1" dirty="0" err="1" smtClean="0">
+                <a:solidFill>
+                  <a:schemeClr val="bg1"/>
+                </a:solidFill>
+                <a:latin typeface="+mj-lt"/>
+              </a:rPr>
+              <a:t>마이페이지</a:t>
+            </a:r>
+            <a:r>
+              <a:rPr lang="ko-KR" altLang="en-US" sz="2500" b="1" dirty="0" smtClean="0">
+                <a:solidFill>
+                  <a:schemeClr val="bg1"/>
+                </a:solidFill>
+                <a:latin typeface="+mj-lt"/>
+              </a:rPr>
+              <a:t> </a:t>
+            </a:r>
+            <a:r>
+              <a:rPr lang="en-US" altLang="ko-KR" sz="2500" b="1" dirty="0" smtClean="0">
+                <a:solidFill>
+                  <a:schemeClr val="bg1"/>
+                </a:solidFill>
+                <a:latin typeface="+mj-lt"/>
+              </a:rPr>
+              <a:t>– </a:t>
+            </a:r>
+            <a:r>
+              <a:rPr lang="ko-KR" altLang="en-US" sz="2500" b="1" dirty="0" smtClean="0">
+                <a:solidFill>
+                  <a:schemeClr val="bg1"/>
+                </a:solidFill>
+                <a:latin typeface="+mj-lt"/>
+              </a:rPr>
+              <a:t>세미나 예약 </a:t>
+            </a:r>
+            <a:r>
+              <a:rPr lang="ko-KR" altLang="en-US" sz="2500" b="1" dirty="0" smtClean="0">
+                <a:solidFill>
+                  <a:schemeClr val="bg1"/>
+                </a:solidFill>
+                <a:latin typeface="+mj-lt"/>
+              </a:rPr>
+              <a:t>리스트</a:t>
+            </a:r>
+            <a:r>
+              <a:rPr lang="en-US" altLang="ko-KR" sz="2500" b="1" dirty="0" smtClean="0">
+                <a:solidFill>
+                  <a:schemeClr val="bg1"/>
+                </a:solidFill>
+                <a:latin typeface="+mj-lt"/>
+              </a:rPr>
+              <a:t>(</a:t>
+            </a:r>
+            <a:r>
+              <a:rPr lang="ko-KR" altLang="en-US" sz="2500" b="1" dirty="0" smtClean="0">
+                <a:solidFill>
+                  <a:schemeClr val="bg1"/>
+                </a:solidFill>
+                <a:latin typeface="+mj-lt"/>
+              </a:rPr>
+              <a:t>삭제</a:t>
+            </a:r>
+            <a:r>
+              <a:rPr lang="en-US" altLang="ko-KR" sz="2500" b="1" dirty="0" smtClean="0">
+                <a:solidFill>
+                  <a:schemeClr val="bg1"/>
+                </a:solidFill>
+                <a:latin typeface="+mj-lt"/>
+              </a:rPr>
+              <a:t>)</a:t>
+            </a:r>
+            <a:endParaRPr lang="ko-KR" altLang="en-US" sz="2500" b="1" dirty="0">
+              <a:solidFill>
+                <a:schemeClr val="bg1"/>
+              </a:solidFill>
+              <a:latin typeface="+mj-lt"/>
+            </a:endParaRPr>
+          </a:p>
+        </p:txBody>
+      </p:sp>
+      <p:sp>
+        <p:nvSpPr>
+          <p:cNvPr id="3" name="TextBox 2"/>
+          <p:cNvSpPr txBox="1"/>
+          <p:nvPr/>
+        </p:nvSpPr>
+        <p:spPr>
+          <a:xfrm>
+            <a:off x="8026400" y="2345267"/>
+            <a:ext cx="3310467" cy="1754326"/>
+          </a:xfrm>
+          <a:prstGeom prst="rect">
+            <a:avLst/>
+          </a:prstGeom>
+          <a:noFill/>
+        </p:spPr>
+        <p:txBody>
+          <a:bodyPr wrap="square" rtlCol="0">
+            <a:spAutoFit/>
+          </a:bodyPr>
+          <a:lstStyle/>
+          <a:p>
+            <a:r>
+              <a:rPr lang="en-US" altLang="ko-KR" dirty="0" smtClean="0"/>
+              <a:t>SemiDelete.java</a:t>
+            </a:r>
+            <a:r>
+              <a:rPr lang="ko-KR" altLang="en-US" dirty="0" smtClean="0"/>
+              <a:t>로 </a:t>
+            </a:r>
+            <a:r>
+              <a:rPr lang="en-US" altLang="ko-KR" dirty="0" smtClean="0"/>
+              <a:t>code</a:t>
+            </a:r>
+            <a:r>
+              <a:rPr lang="ko-KR" altLang="en-US" dirty="0" smtClean="0"/>
+              <a:t>번호를 넘김</a:t>
+            </a:r>
+            <a:endParaRPr lang="en-US" altLang="ko-KR" dirty="0" smtClean="0"/>
+          </a:p>
+          <a:p>
+            <a:endParaRPr lang="en-US" altLang="ko-KR" dirty="0"/>
+          </a:p>
+          <a:p>
+            <a:r>
+              <a:rPr lang="en-US" altLang="ko-KR" dirty="0" smtClean="0"/>
+              <a:t>Dao</a:t>
+            </a:r>
+            <a:r>
+              <a:rPr lang="ko-KR" altLang="en-US" dirty="0" smtClean="0"/>
+              <a:t>에서 삭제작업 진행</a:t>
+            </a:r>
+            <a:endParaRPr lang="en-US" altLang="ko-KR" dirty="0" smtClean="0"/>
+          </a:p>
+          <a:p>
+            <a:endParaRPr lang="en-US" altLang="ko-KR" dirty="0"/>
+          </a:p>
+          <a:p>
+            <a:r>
+              <a:rPr lang="ko-KR" altLang="en-US" dirty="0" smtClean="0"/>
+              <a:t>삭제 결과 반환</a:t>
+            </a:r>
+            <a:endParaRPr lang="ko-KR" altLang="en-US" dirty="0"/>
+          </a:p>
+        </p:txBody>
+      </p:sp>
+      <p:pic>
+        <p:nvPicPr>
+          <p:cNvPr id="8194" name="Picture 2" descr="C:\Users\ezen-033\Desktop\ppt\마이페이지세미나\삭제4.PNG"/>
+          <p:cNvPicPr>
+            <a:picLocks noChangeAspect="1" noChangeArrowheads="1"/>
+          </p:cNvPicPr>
+          <p:nvPr/>
+        </p:nvPicPr>
+        <p:blipFill>
+          <a:blip r:embed="rId3">
+            <a:extLst>
+              <a:ext uri="{28A0092B-C50C-407E-A947-70E740481C1C}">
+                <a14:useLocalDpi xmlns:a14="http://schemas.microsoft.com/office/drawing/2010/main" val="0"/>
+              </a:ext>
+            </a:extLst>
+          </a:blip>
+          <a:srcRect/>
+          <a:stretch>
+            <a:fillRect/>
+          </a:stretch>
+        </p:blipFill>
+        <p:spPr bwMode="auto">
+          <a:xfrm>
+            <a:off x="296241" y="1655313"/>
+            <a:ext cx="7414495" cy="1941556"/>
+          </a:xfrm>
+          <a:prstGeom prst="rect">
+            <a:avLst/>
+          </a:prstGeom>
+          <a:noFill/>
+          <a:ln>
+            <a:solidFill>
+              <a:schemeClr val="tx1"/>
+            </a:solidFill>
+          </a:ln>
+          <a:extLst>
+            <a:ext uri="{909E8E84-426E-40DD-AFC4-6F175D3DCCD1}">
+              <a14:hiddenFill xmlns:a14="http://schemas.microsoft.com/office/drawing/2010/main">
+                <a:solidFill>
+                  <a:srgbClr val="FFFFFF"/>
+                </a:solidFill>
+              </a14:hiddenFill>
+            </a:ext>
+          </a:extLst>
+        </p:spPr>
+      </p:pic>
+      <p:sp>
+        <p:nvSpPr>
+          <p:cNvPr id="7" name="TextBox 6"/>
+          <p:cNvSpPr txBox="1"/>
+          <p:nvPr/>
+        </p:nvSpPr>
+        <p:spPr>
+          <a:xfrm>
+            <a:off x="296241" y="1255782"/>
+            <a:ext cx="1938866" cy="369332"/>
+          </a:xfrm>
+          <a:prstGeom prst="rect">
+            <a:avLst/>
+          </a:prstGeom>
+          <a:noFill/>
+        </p:spPr>
+        <p:txBody>
+          <a:bodyPr wrap="square" rtlCol="0">
+            <a:spAutoFit/>
+          </a:bodyPr>
+          <a:lstStyle/>
+          <a:p>
+            <a:r>
+              <a:rPr lang="en-US" altLang="ko-KR" dirty="0" smtClean="0"/>
+              <a:t>SemiDelete.java</a:t>
+            </a:r>
+            <a:endParaRPr lang="ko-KR" altLang="en-US" dirty="0"/>
+          </a:p>
+        </p:txBody>
+      </p:sp>
+      <p:pic>
+        <p:nvPicPr>
+          <p:cNvPr id="8197" name="Picture 5" descr="C:\Users\ezen-033\Desktop\ppt\마이페이지세미나\삭제7.PNG"/>
+          <p:cNvPicPr>
+            <a:picLocks noChangeAspect="1" noChangeArrowheads="1"/>
+          </p:cNvPicPr>
+          <p:nvPr/>
+        </p:nvPicPr>
+        <p:blipFill>
+          <a:blip r:embed="rId4">
+            <a:extLst>
+              <a:ext uri="{28A0092B-C50C-407E-A947-70E740481C1C}">
+                <a14:useLocalDpi xmlns:a14="http://schemas.microsoft.com/office/drawing/2010/main" val="0"/>
+              </a:ext>
+            </a:extLst>
+          </a:blip>
+          <a:srcRect/>
+          <a:stretch>
+            <a:fillRect/>
+          </a:stretch>
+        </p:blipFill>
+        <p:spPr bwMode="auto">
+          <a:xfrm>
+            <a:off x="926370" y="3596869"/>
+            <a:ext cx="6323205" cy="2967029"/>
+          </a:xfrm>
+          <a:prstGeom prst="rect">
+            <a:avLst/>
+          </a:prstGeom>
+          <a:noFill/>
+          <a:extLst>
+            <a:ext uri="{909E8E84-426E-40DD-AFC4-6F175D3DCCD1}">
+              <a14:hiddenFill xmlns:a14="http://schemas.microsoft.com/office/drawing/2010/main">
+                <a:solidFill>
+                  <a:srgbClr val="FFFFFF"/>
+                </a:solidFill>
+              </a14:hiddenFill>
+            </a:ext>
+          </a:extLst>
+        </p:spPr>
+      </p:pic>
+      <p:sp>
+        <p:nvSpPr>
+          <p:cNvPr id="11" name="TextBox 10"/>
+          <p:cNvSpPr txBox="1"/>
+          <p:nvPr/>
+        </p:nvSpPr>
+        <p:spPr>
+          <a:xfrm>
+            <a:off x="1083642" y="3200673"/>
+            <a:ext cx="1938866" cy="369332"/>
+          </a:xfrm>
+          <a:prstGeom prst="rect">
+            <a:avLst/>
+          </a:prstGeom>
+          <a:noFill/>
+        </p:spPr>
+        <p:txBody>
+          <a:bodyPr wrap="square" rtlCol="0">
+            <a:spAutoFit/>
+          </a:bodyPr>
+          <a:lstStyle/>
+          <a:p>
+            <a:r>
+              <a:rPr lang="en-US" altLang="ko-KR" dirty="0" smtClean="0"/>
+              <a:t>SeminarDao.java</a:t>
+            </a:r>
+            <a:endParaRPr lang="ko-KR" altLang="en-US" dirty="0"/>
+          </a:p>
+        </p:txBody>
+      </p:sp>
+      <p:sp>
+        <p:nvSpPr>
+          <p:cNvPr id="5" name="직사각형 4"/>
+          <p:cNvSpPr/>
+          <p:nvPr/>
+        </p:nvSpPr>
+        <p:spPr>
+          <a:xfrm>
+            <a:off x="1583267" y="3596869"/>
+            <a:ext cx="821266" cy="255464"/>
+          </a:xfrm>
+          <a:prstGeom prst="rect">
+            <a:avLst/>
+          </a:prstGeom>
+          <a:noFill/>
+          <a:ln>
+            <a:solidFill>
+              <a:srgbClr val="FF0000"/>
+            </a:solidFill>
+          </a:ln>
+        </p:spPr>
+        <p:style>
+          <a:lnRef idx="2">
+            <a:schemeClr val="accent1">
+              <a:shade val="50000"/>
+            </a:schemeClr>
+          </a:lnRef>
+          <a:fillRef idx="1">
+            <a:schemeClr val="accent1"/>
+          </a:fillRef>
+          <a:effectRef idx="0">
+            <a:schemeClr val="accent1"/>
+          </a:effectRef>
+          <a:fontRef idx="minor">
+            <a:schemeClr val="lt1"/>
+          </a:fontRef>
+        </p:style>
+        <p:txBody>
+          <a:bodyPr rtlCol="0" anchor="ctr"/>
+          <a:lstStyle/>
+          <a:p>
+            <a:pPr algn="ctr"/>
+            <a:endParaRPr lang="ko-KR" altLang="en-US"/>
+          </a:p>
+        </p:txBody>
+      </p:sp>
+    </p:spTree>
+    <p:extLst>
+      <p:ext uri="{BB962C8B-B14F-4D97-AF65-F5344CB8AC3E}">
+        <p14:creationId xmlns:p14="http://schemas.microsoft.com/office/powerpoint/2010/main" val="3775991348"/>
+      </p:ext>
+    </p:extLst>
+  </p:cSld>
+  <p:clrMapOvr>
+    <a:masterClrMapping/>
+  </p:clrMapOvr>
+  <p:timing>
+    <p:tnLst>
+      <p:par>
+        <p:cTn id="1" dur="indefinite" restart="never" nodeType="tmRoot"/>
+      </p:par>
+    </p:tnLst>
+  </p:timing>
+</p:sld>
+</file>
+
+<file path=ppt/slides/slide25.xml><?xml version="1.0" encoding="utf-8"?>
+<p:sld xmlns:a="http://schemas.openxmlformats.org/drawingml/2006/main" xmlns:r="http://schemas.openxmlformats.org/officeDocument/2006/relationships" xmlns:p="http://schemas.openxmlformats.org/presentationml/2006/main">
+  <p:cSld>
+    <p:spTree>
+      <p:nvGrpSpPr>
+        <p:cNvPr id="1" name="Shape 90"/>
+        <p:cNvGrpSpPr/>
+        <p:nvPr/>
+      </p:nvGrpSpPr>
+      <p:grpSpPr>
+        <a:xfrm>
+          <a:off x="0" y="0"/>
+          <a:ext cx="0" cy="0"/>
+          <a:chOff x="0" y="0"/>
+          <a:chExt cx="0" cy="0"/>
+        </a:xfrm>
+      </p:grpSpPr>
+      <p:sp>
+        <p:nvSpPr>
+          <p:cNvPr id="18" name="TextBox 17"/>
+          <p:cNvSpPr txBox="1"/>
+          <p:nvPr/>
+        </p:nvSpPr>
+        <p:spPr>
+          <a:xfrm>
+            <a:off x="470648" y="195307"/>
+            <a:ext cx="10933952" cy="477054"/>
+          </a:xfrm>
+          <a:prstGeom prst="rect">
+            <a:avLst/>
+          </a:prstGeom>
+          <a:noFill/>
+        </p:spPr>
+        <p:txBody>
+          <a:bodyPr wrap="square" rtlCol="0">
+            <a:spAutoFit/>
+          </a:bodyPr>
+          <a:lstStyle/>
+          <a:p>
+            <a:pPr lvl="0" algn="ctr">
+              <a:buClr>
+                <a:srgbClr val="000000"/>
+              </a:buClr>
+              <a:buSzPts val="1500"/>
+              <a:defRPr/>
+            </a:pPr>
+            <a:r>
+              <a:rPr lang="en-US" altLang="ko-KR" sz="2500" b="1" dirty="0" smtClean="0">
+                <a:solidFill>
+                  <a:schemeClr val="bg1"/>
+                </a:solidFill>
+                <a:latin typeface="+mj-lt"/>
+              </a:rPr>
+              <a:t>[</a:t>
+            </a:r>
+            <a:r>
+              <a:rPr lang="ko-KR" altLang="en-US" sz="2500" b="1" dirty="0" smtClean="0">
+                <a:solidFill>
+                  <a:schemeClr val="bg1"/>
+                </a:solidFill>
+                <a:latin typeface="+mj-lt"/>
+              </a:rPr>
+              <a:t>화면 구</a:t>
+            </a:r>
+            <a:r>
+              <a:rPr lang="ko-KR" altLang="en-US" sz="2500" b="1" dirty="0">
+                <a:solidFill>
+                  <a:schemeClr val="bg1"/>
+                </a:solidFill>
+                <a:latin typeface="+mj-lt"/>
+              </a:rPr>
+              <a:t>현</a:t>
+            </a:r>
+            <a:r>
+              <a:rPr lang="en-US" altLang="ko-KR" sz="2500" b="1" dirty="0" smtClean="0">
+                <a:solidFill>
+                  <a:schemeClr val="bg1"/>
+                </a:solidFill>
+                <a:latin typeface="+mj-lt"/>
+              </a:rPr>
+              <a:t>] </a:t>
+            </a:r>
+            <a:r>
+              <a:rPr lang="ko-KR" altLang="en-US" sz="2500" b="1" dirty="0" smtClean="0">
+                <a:solidFill>
+                  <a:schemeClr val="bg1"/>
+                </a:solidFill>
+                <a:latin typeface="+mj-lt"/>
+              </a:rPr>
+              <a:t>사용자 </a:t>
+            </a:r>
+            <a:r>
+              <a:rPr lang="en-US" altLang="ko-KR" sz="2500" b="1" dirty="0" smtClean="0">
+                <a:solidFill>
+                  <a:schemeClr val="bg1"/>
+                </a:solidFill>
+                <a:latin typeface="+mj-lt"/>
+              </a:rPr>
+              <a:t>– </a:t>
+            </a:r>
+            <a:r>
+              <a:rPr lang="ko-KR" altLang="en-US" sz="2500" b="1" dirty="0" smtClean="0">
+                <a:solidFill>
+                  <a:schemeClr val="bg1"/>
+                </a:solidFill>
+                <a:latin typeface="+mj-lt"/>
+              </a:rPr>
+              <a:t>웹</a:t>
+            </a:r>
+            <a:r>
+              <a:rPr lang="en-US" altLang="ko-KR" sz="2500" b="1" dirty="0" smtClean="0">
+                <a:solidFill>
+                  <a:schemeClr val="bg1"/>
+                </a:solidFill>
+                <a:latin typeface="+mj-lt"/>
+              </a:rPr>
+              <a:t> – </a:t>
+            </a:r>
+            <a:r>
+              <a:rPr lang="ko-KR" altLang="en-US" sz="2500" b="1" dirty="0" err="1" smtClean="0">
+                <a:solidFill>
+                  <a:schemeClr val="bg1"/>
+                </a:solidFill>
+                <a:latin typeface="+mj-lt"/>
+              </a:rPr>
+              <a:t>마이페이지</a:t>
+            </a:r>
+            <a:r>
+              <a:rPr lang="ko-KR" altLang="en-US" sz="2500" b="1" dirty="0" smtClean="0">
+                <a:solidFill>
+                  <a:schemeClr val="bg1"/>
+                </a:solidFill>
+                <a:latin typeface="+mj-lt"/>
+              </a:rPr>
+              <a:t> </a:t>
+            </a:r>
+            <a:r>
+              <a:rPr lang="en-US" altLang="ko-KR" sz="2500" b="1" dirty="0" smtClean="0">
+                <a:solidFill>
+                  <a:schemeClr val="bg1"/>
+                </a:solidFill>
+                <a:latin typeface="+mj-lt"/>
+              </a:rPr>
+              <a:t>– </a:t>
+            </a:r>
+            <a:r>
+              <a:rPr lang="ko-KR" altLang="en-US" sz="2500" b="1" dirty="0" smtClean="0">
+                <a:solidFill>
+                  <a:schemeClr val="bg1"/>
+                </a:solidFill>
+                <a:latin typeface="+mj-lt"/>
+              </a:rPr>
+              <a:t>세미나 예약 </a:t>
+            </a:r>
+            <a:r>
+              <a:rPr lang="ko-KR" altLang="en-US" sz="2500" b="1" dirty="0" smtClean="0">
+                <a:solidFill>
+                  <a:schemeClr val="bg1"/>
+                </a:solidFill>
+                <a:latin typeface="+mj-lt"/>
+              </a:rPr>
+              <a:t>리스트</a:t>
+            </a:r>
+            <a:r>
+              <a:rPr lang="en-US" altLang="ko-KR" sz="2500" b="1" dirty="0" smtClean="0">
+                <a:solidFill>
+                  <a:schemeClr val="bg1"/>
+                </a:solidFill>
+                <a:latin typeface="+mj-lt"/>
+              </a:rPr>
+              <a:t>(</a:t>
+            </a:r>
+            <a:r>
+              <a:rPr lang="ko-KR" altLang="en-US" sz="2500" b="1" dirty="0" smtClean="0">
+                <a:solidFill>
+                  <a:schemeClr val="bg1"/>
+                </a:solidFill>
+                <a:latin typeface="+mj-lt"/>
+              </a:rPr>
+              <a:t>삭제</a:t>
+            </a:r>
+            <a:r>
+              <a:rPr lang="en-US" altLang="ko-KR" sz="2500" b="1" dirty="0" smtClean="0">
+                <a:solidFill>
+                  <a:schemeClr val="bg1"/>
+                </a:solidFill>
+                <a:latin typeface="+mj-lt"/>
+              </a:rPr>
+              <a:t>)</a:t>
+            </a:r>
+            <a:endParaRPr lang="ko-KR" altLang="en-US" sz="2500" b="1" dirty="0">
+              <a:solidFill>
+                <a:schemeClr val="bg1"/>
+              </a:solidFill>
+              <a:latin typeface="+mj-lt"/>
+            </a:endParaRPr>
+          </a:p>
+        </p:txBody>
+      </p:sp>
+      <p:pic>
+        <p:nvPicPr>
+          <p:cNvPr id="9218" name="Picture 2" descr="C:\Users\ezen-033\Desktop\ppt\마이페이지세미나\삭제6.PNG"/>
+          <p:cNvPicPr>
+            <a:picLocks noChangeAspect="1" noChangeArrowheads="1"/>
+          </p:cNvPicPr>
+          <p:nvPr/>
+        </p:nvPicPr>
+        <p:blipFill>
+          <a:blip r:embed="rId3">
+            <a:extLst>
+              <a:ext uri="{28A0092B-C50C-407E-A947-70E740481C1C}">
+                <a14:useLocalDpi xmlns:a14="http://schemas.microsoft.com/office/drawing/2010/main" val="0"/>
+              </a:ext>
+            </a:extLst>
+          </a:blip>
+          <a:srcRect/>
+          <a:stretch>
+            <a:fillRect/>
+          </a:stretch>
+        </p:blipFill>
+        <p:spPr bwMode="auto">
+          <a:xfrm>
+            <a:off x="350069" y="2326450"/>
+            <a:ext cx="3315998" cy="1080570"/>
+          </a:xfrm>
+          <a:prstGeom prst="rect">
+            <a:avLst/>
+          </a:prstGeom>
+          <a:noFill/>
+          <a:ln>
+            <a:solidFill>
+              <a:schemeClr val="tx1"/>
+            </a:solidFill>
+          </a:ln>
+          <a:extLst>
+            <a:ext uri="{909E8E84-426E-40DD-AFC4-6F175D3DCCD1}">
+              <a14:hiddenFill xmlns:a14="http://schemas.microsoft.com/office/drawing/2010/main">
+                <a:solidFill>
+                  <a:srgbClr val="FFFFFF"/>
+                </a:solidFill>
+              </a14:hiddenFill>
+            </a:ext>
+          </a:extLst>
+        </p:spPr>
+      </p:pic>
+      <p:pic>
+        <p:nvPicPr>
+          <p:cNvPr id="10" name="Picture 2" descr="C:\Users\ezen-033\Desktop\ppt\마이페이지세미나\삭제3.PNG"/>
+          <p:cNvPicPr>
+            <a:picLocks noChangeAspect="1" noChangeArrowheads="1"/>
+          </p:cNvPicPr>
+          <p:nvPr/>
+        </p:nvPicPr>
+        <p:blipFill>
+          <a:blip r:embed="rId4">
+            <a:extLst>
+              <a:ext uri="{28A0092B-C50C-407E-A947-70E740481C1C}">
+                <a14:useLocalDpi xmlns:a14="http://schemas.microsoft.com/office/drawing/2010/main" val="0"/>
+              </a:ext>
+            </a:extLst>
+          </a:blip>
+          <a:srcRect/>
+          <a:stretch>
+            <a:fillRect/>
+          </a:stretch>
+        </p:blipFill>
+        <p:spPr bwMode="auto">
+          <a:xfrm>
+            <a:off x="4356629" y="2297585"/>
+            <a:ext cx="6726238" cy="3914775"/>
+          </a:xfrm>
+          <a:prstGeom prst="rect">
+            <a:avLst/>
+          </a:prstGeom>
+          <a:noFill/>
+          <a:ln>
+            <a:solidFill>
+              <a:schemeClr val="tx1"/>
+            </a:solidFill>
+          </a:ln>
+          <a:extLst>
+            <a:ext uri="{909E8E84-426E-40DD-AFC4-6F175D3DCCD1}">
+              <a14:hiddenFill xmlns:a14="http://schemas.microsoft.com/office/drawing/2010/main">
+                <a:solidFill>
+                  <a:srgbClr val="FFFFFF"/>
+                </a:solidFill>
+              </a14:hiddenFill>
+            </a:ext>
+          </a:extLst>
+        </p:spPr>
+      </p:pic>
+      <p:sp>
+        <p:nvSpPr>
+          <p:cNvPr id="2" name="TextBox 1"/>
+          <p:cNvSpPr txBox="1"/>
+          <p:nvPr/>
+        </p:nvSpPr>
+        <p:spPr>
+          <a:xfrm>
+            <a:off x="350069" y="1752600"/>
+            <a:ext cx="2426998" cy="369332"/>
+          </a:xfrm>
+          <a:prstGeom prst="rect">
+            <a:avLst/>
+          </a:prstGeom>
+          <a:noFill/>
+        </p:spPr>
+        <p:txBody>
+          <a:bodyPr wrap="square" rtlCol="0">
+            <a:spAutoFit/>
+          </a:bodyPr>
+          <a:lstStyle/>
+          <a:p>
+            <a:r>
+              <a:rPr lang="ko-KR" altLang="en-US" dirty="0" smtClean="0"/>
+              <a:t>삭제 결과</a:t>
+            </a:r>
+            <a:endParaRPr lang="ko-KR" altLang="en-US" dirty="0"/>
+          </a:p>
+        </p:txBody>
+      </p:sp>
+      <p:sp>
+        <p:nvSpPr>
+          <p:cNvPr id="4" name="TextBox 3"/>
+          <p:cNvSpPr txBox="1"/>
+          <p:nvPr/>
+        </p:nvSpPr>
+        <p:spPr>
+          <a:xfrm>
+            <a:off x="4356629" y="1681665"/>
+            <a:ext cx="2142067" cy="369332"/>
+          </a:xfrm>
+          <a:prstGeom prst="rect">
+            <a:avLst/>
+          </a:prstGeom>
+          <a:noFill/>
+        </p:spPr>
+        <p:txBody>
+          <a:bodyPr wrap="square" rtlCol="0">
+            <a:spAutoFit/>
+          </a:bodyPr>
+          <a:lstStyle/>
+          <a:p>
+            <a:r>
+              <a:rPr lang="ko-KR" altLang="en-US" smtClean="0"/>
+              <a:t>결과에 따른 작업</a:t>
+            </a:r>
+            <a:endParaRPr lang="ko-KR" altLang="en-US"/>
+          </a:p>
+        </p:txBody>
+      </p:sp>
+    </p:spTree>
+    <p:extLst>
+      <p:ext uri="{BB962C8B-B14F-4D97-AF65-F5344CB8AC3E}">
+        <p14:creationId xmlns:p14="http://schemas.microsoft.com/office/powerpoint/2010/main" val="1134826747"/>
+      </p:ext>
+    </p:extLst>
+  </p:cSld>
+  <p:clrMapOvr>
+    <a:masterClrMapping/>
+  </p:clrMapOvr>
+  <p:timing>
+    <p:tnLst>
+      <p:par>
+        <p:cTn id="1" dur="indefinite" restart="never" nodeType="tmRoot"/>
+      </p:par>
+    </p:tnLst>
+  </p:timing>
+</p:sld>
+</file>
+
 <file path=ppt/slides/slide3.xml><?xml version="1.0" encoding="utf-8"?>
 <p:sld xmlns:a="http://schemas.openxmlformats.org/drawingml/2006/main" xmlns:r="http://schemas.openxmlformats.org/officeDocument/2006/relationships" xmlns:p="http://schemas.openxmlformats.org/presentationml/2006/main">
   <p:cSld>
@@ -11259,14 +16036,14 @@
                 <a:gridCol w="289755">
                   <a:extLst>
                     <a:ext uri="{9D8B030D-6E8A-4147-A177-3AD203B41FA5}">
-                      <a16:colId xmlns="" xmlns:a16="http://schemas.microsoft.com/office/drawing/2014/main" val="20000"/>
+                      <a16:colId xmlns:a16="http://schemas.microsoft.com/office/drawing/2014/main" xmlns="" val="20000"/>
                     </a:ext>
                   </a:extLst>
                 </a:gridCol>
                 <a:gridCol w="2662575">
                   <a:extLst>
                     <a:ext uri="{9D8B030D-6E8A-4147-A177-3AD203B41FA5}">
-                      <a16:colId xmlns="" xmlns:a16="http://schemas.microsoft.com/office/drawing/2014/main" val="20001"/>
+                      <a16:colId xmlns:a16="http://schemas.microsoft.com/office/drawing/2014/main" xmlns="" val="20001"/>
                     </a:ext>
                   </a:extLst>
                 </a:gridCol>
@@ -11424,7 +16201,7 @@
                 </a:tc>
                 <a:extLst>
                   <a:ext uri="{0D108BD9-81ED-4DB2-BD59-A6C34878D82A}">
-                    <a16:rowId xmlns="" xmlns:a16="http://schemas.microsoft.com/office/drawing/2014/main" val="10000"/>
+                    <a16:rowId xmlns:a16="http://schemas.microsoft.com/office/drawing/2014/main" xmlns="" val="10000"/>
                   </a:ext>
                 </a:extLst>
               </a:tr>
@@ -11582,7 +16359,7 @@
                 </a:tc>
                 <a:extLst>
                   <a:ext uri="{0D108BD9-81ED-4DB2-BD59-A6C34878D82A}">
-                    <a16:rowId xmlns="" xmlns:a16="http://schemas.microsoft.com/office/drawing/2014/main" val="10001"/>
+                    <a16:rowId xmlns:a16="http://schemas.microsoft.com/office/drawing/2014/main" xmlns="" val="10001"/>
                   </a:ext>
                 </a:extLst>
               </a:tr>
@@ -11751,7 +16528,7 @@
                 </a:tc>
                 <a:extLst>
                   <a:ext uri="{0D108BD9-81ED-4DB2-BD59-A6C34878D82A}">
-                    <a16:rowId xmlns="" xmlns:a16="http://schemas.microsoft.com/office/drawing/2014/main" val="10002"/>
+                    <a16:rowId xmlns:a16="http://schemas.microsoft.com/office/drawing/2014/main" xmlns="" val="10002"/>
                   </a:ext>
                 </a:extLst>
               </a:tr>
@@ -11940,7 +16717,7 @@
                 </a:tc>
                 <a:extLst>
                   <a:ext uri="{0D108BD9-81ED-4DB2-BD59-A6C34878D82A}">
-                    <a16:rowId xmlns="" xmlns:a16="http://schemas.microsoft.com/office/drawing/2014/main" val="10003"/>
+                    <a16:rowId xmlns:a16="http://schemas.microsoft.com/office/drawing/2014/main" xmlns="" val="10003"/>
                   </a:ext>
                 </a:extLst>
               </a:tr>
@@ -13380,6 +18157,302 @@
                 </a:solidFill>
                 <a:latin typeface="+mj-lt"/>
               </a:rPr>
+              <a:t>– </a:t>
+            </a:r>
+            <a:r>
+              <a:rPr lang="ko-KR" altLang="en-US" sz="2500" b="1" dirty="0" smtClean="0">
+                <a:solidFill>
+                  <a:schemeClr val="bg1"/>
+                </a:solidFill>
+                <a:latin typeface="+mj-lt"/>
+              </a:rPr>
+              <a:t>회원가입 폼</a:t>
+            </a:r>
+            <a:endParaRPr lang="ko-KR" altLang="en-US" sz="2500" b="1" dirty="0">
+              <a:solidFill>
+                <a:schemeClr val="bg1"/>
+              </a:solidFill>
+              <a:latin typeface="+mj-lt"/>
+            </a:endParaRPr>
+          </a:p>
+        </p:txBody>
+      </p:sp>
+      <p:pic>
+        <p:nvPicPr>
+          <p:cNvPr id="1026" name="Picture 2" descr="C:\Users\ezen-033\Desktop\회원가입1.PNG"/>
+          <p:cNvPicPr>
+            <a:picLocks noChangeAspect="1" noChangeArrowheads="1"/>
+          </p:cNvPicPr>
+          <p:nvPr/>
+        </p:nvPicPr>
+        <p:blipFill>
+          <a:blip r:embed="rId2">
+            <a:extLst>
+              <a:ext uri="{28A0092B-C50C-407E-A947-70E740481C1C}">
+                <a14:useLocalDpi xmlns:a14="http://schemas.microsoft.com/office/drawing/2010/main" val="0"/>
+              </a:ext>
+            </a:extLst>
+          </a:blip>
+          <a:srcRect/>
+          <a:stretch>
+            <a:fillRect/>
+          </a:stretch>
+        </p:blipFill>
+        <p:spPr bwMode="auto">
+          <a:xfrm>
+            <a:off x="749300" y="853819"/>
+            <a:ext cx="6311900" cy="6004181"/>
+          </a:xfrm>
+          <a:prstGeom prst="rect">
+            <a:avLst/>
+          </a:prstGeom>
+          <a:noFill/>
+          <a:extLst>
+            <a:ext uri="{909E8E84-426E-40DD-AFC4-6F175D3DCCD1}">
+              <a14:hiddenFill xmlns:a14="http://schemas.microsoft.com/office/drawing/2010/main">
+                <a:solidFill>
+                  <a:srgbClr val="FFFFFF"/>
+                </a:solidFill>
+              </a14:hiddenFill>
+            </a:ext>
+          </a:extLst>
+        </p:spPr>
+      </p:pic>
+      <p:sp>
+        <p:nvSpPr>
+          <p:cNvPr id="5" name="TextBox 4"/>
+          <p:cNvSpPr txBox="1"/>
+          <p:nvPr/>
+        </p:nvSpPr>
+        <p:spPr>
+          <a:xfrm>
+            <a:off x="7531100" y="1854200"/>
+            <a:ext cx="4089400" cy="1200329"/>
+          </a:xfrm>
+          <a:prstGeom prst="rect">
+            <a:avLst/>
+          </a:prstGeom>
+          <a:noFill/>
+        </p:spPr>
+        <p:txBody>
+          <a:bodyPr wrap="square" rtlCol="0">
+            <a:spAutoFit/>
+          </a:bodyPr>
+          <a:lstStyle/>
+          <a:p>
+            <a:r>
+              <a:rPr lang="ko-KR" altLang="en-US" dirty="0" smtClean="0"/>
+              <a:t>아이디</a:t>
+            </a:r>
+            <a:r>
+              <a:rPr lang="en-US" altLang="ko-KR" dirty="0" smtClean="0"/>
+              <a:t>, </a:t>
+            </a:r>
+            <a:r>
+              <a:rPr lang="ko-KR" altLang="en-US" dirty="0" smtClean="0"/>
+              <a:t>비밀번호</a:t>
+            </a:r>
+            <a:r>
+              <a:rPr lang="en-US" altLang="ko-KR" dirty="0" smtClean="0"/>
+              <a:t>, </a:t>
+            </a:r>
+            <a:r>
+              <a:rPr lang="ko-KR" altLang="en-US" dirty="0" err="1" smtClean="0"/>
+              <a:t>이메일</a:t>
+            </a:r>
+            <a:r>
+              <a:rPr lang="en-US" altLang="ko-KR" dirty="0" smtClean="0"/>
+              <a:t>, </a:t>
+            </a:r>
+            <a:r>
+              <a:rPr lang="ko-KR" altLang="en-US" dirty="0" smtClean="0"/>
+              <a:t>이름</a:t>
+            </a:r>
+            <a:r>
+              <a:rPr lang="en-US" altLang="ko-KR" dirty="0" smtClean="0"/>
+              <a:t>, </a:t>
+            </a:r>
+            <a:r>
+              <a:rPr lang="ko-KR" altLang="en-US" dirty="0" smtClean="0"/>
+              <a:t>주소</a:t>
+            </a:r>
+            <a:r>
+              <a:rPr lang="en-US" altLang="ko-KR" dirty="0" smtClean="0"/>
+              <a:t>, </a:t>
+            </a:r>
+            <a:r>
+              <a:rPr lang="ko-KR" altLang="en-US" dirty="0" smtClean="0"/>
+              <a:t>프로필이미지</a:t>
+            </a:r>
+            <a:r>
+              <a:rPr lang="en-US" altLang="ko-KR" dirty="0" smtClean="0"/>
+              <a:t>, </a:t>
+            </a:r>
+            <a:r>
+              <a:rPr lang="ko-KR" altLang="en-US" dirty="0" smtClean="0"/>
+              <a:t>관심카테고리를 받을 수 있도록 </a:t>
+            </a:r>
+            <a:r>
+              <a:rPr lang="en-US" altLang="ko-KR" dirty="0" smtClean="0"/>
+              <a:t>input</a:t>
+            </a:r>
+            <a:r>
+              <a:rPr lang="ko-KR" altLang="en-US" dirty="0" smtClean="0"/>
+              <a:t>을 이용해 </a:t>
+            </a:r>
+            <a:r>
+              <a:rPr lang="en-US" altLang="ko-KR" dirty="0" smtClean="0"/>
+              <a:t>form </a:t>
+            </a:r>
+            <a:r>
+              <a:rPr lang="ko-KR" altLang="en-US" dirty="0" smtClean="0"/>
+              <a:t>작성</a:t>
+            </a:r>
+            <a:endParaRPr lang="en-US" altLang="ko-KR" dirty="0" smtClean="0"/>
+          </a:p>
+          <a:p>
+            <a:endParaRPr lang="en-US" altLang="ko-KR" dirty="0"/>
+          </a:p>
+        </p:txBody>
+      </p:sp>
+    </p:spTree>
+    <p:extLst>
+      <p:ext uri="{BB962C8B-B14F-4D97-AF65-F5344CB8AC3E}">
+        <p14:creationId xmlns:p14="http://schemas.microsoft.com/office/powerpoint/2010/main" val="1558521448"/>
+      </p:ext>
+    </p:extLst>
+  </p:cSld>
+  <p:clrMapOvr>
+    <a:masterClrMapping/>
+  </p:clrMapOvr>
+</p:sld>
+</file>
+
+<file path=ppt/slides/slide7.xml><?xml version="1.0" encoding="utf-8"?>
+<p:sld xmlns:a="http://schemas.openxmlformats.org/drawingml/2006/main" xmlns:r="http://schemas.openxmlformats.org/officeDocument/2006/relationships" xmlns:p="http://schemas.openxmlformats.org/presentationml/2006/main">
+  <p:cSld>
+    <p:spTree>
+      <p:nvGrpSpPr>
+        <p:cNvPr id="1" name=""/>
+        <p:cNvGrpSpPr/>
+        <p:nvPr/>
+      </p:nvGrpSpPr>
+      <p:grpSpPr>
+        <a:xfrm>
+          <a:off x="0" y="0"/>
+          <a:ext cx="0" cy="0"/>
+          <a:chOff x="0" y="0"/>
+          <a:chExt cx="0" cy="0"/>
+        </a:xfrm>
+      </p:grpSpPr>
+      <p:sp>
+        <p:nvSpPr>
+          <p:cNvPr id="4" name="TextBox 3"/>
+          <p:cNvSpPr txBox="1"/>
+          <p:nvPr/>
+        </p:nvSpPr>
+        <p:spPr>
+          <a:xfrm>
+            <a:off x="380466" y="160866"/>
+            <a:ext cx="10744734" cy="477054"/>
+          </a:xfrm>
+          <a:prstGeom prst="rect">
+            <a:avLst/>
+          </a:prstGeom>
+          <a:noFill/>
+        </p:spPr>
+        <p:txBody>
+          <a:bodyPr wrap="square" rtlCol="0">
+            <a:spAutoFit/>
+          </a:bodyPr>
+          <a:lstStyle/>
+          <a:p>
+            <a:pPr lvl="0" algn="ctr">
+              <a:buClr>
+                <a:srgbClr val="000000"/>
+              </a:buClr>
+              <a:buSzPts val="1500"/>
+              <a:defRPr/>
+            </a:pPr>
+            <a:r>
+              <a:rPr lang="en-US" altLang="ko-KR" sz="2500" b="1" dirty="0" smtClean="0">
+                <a:solidFill>
+                  <a:schemeClr val="bg1"/>
+                </a:solidFill>
+                <a:latin typeface="+mj-lt"/>
+              </a:rPr>
+              <a:t>[</a:t>
+            </a:r>
+            <a:r>
+              <a:rPr lang="ko-KR" altLang="en-US" sz="2500" b="1" dirty="0" smtClean="0">
+                <a:solidFill>
+                  <a:schemeClr val="bg1"/>
+                </a:solidFill>
+                <a:latin typeface="+mj-lt"/>
+              </a:rPr>
+              <a:t>화면 구현</a:t>
+            </a:r>
+            <a:r>
+              <a:rPr lang="en-US" altLang="ko-KR" sz="2500" b="1" dirty="0" smtClean="0">
+                <a:solidFill>
+                  <a:schemeClr val="bg1"/>
+                </a:solidFill>
+                <a:latin typeface="+mj-lt"/>
+              </a:rPr>
+              <a:t>] </a:t>
+            </a:r>
+            <a:r>
+              <a:rPr lang="ko-KR" altLang="en-US" sz="2500" b="1" dirty="0" smtClean="0">
+                <a:solidFill>
+                  <a:schemeClr val="bg1"/>
+                </a:solidFill>
+                <a:latin typeface="+mj-lt"/>
+              </a:rPr>
+              <a:t>사용자 </a:t>
+            </a:r>
+            <a:r>
+              <a:rPr lang="en-US" altLang="ko-KR" sz="2500" b="1" dirty="0" smtClean="0">
+                <a:solidFill>
+                  <a:schemeClr val="bg1"/>
+                </a:solidFill>
+                <a:latin typeface="+mj-lt"/>
+              </a:rPr>
+              <a:t>- </a:t>
+            </a:r>
+            <a:r>
+              <a:rPr lang="ko-KR" altLang="en-US" sz="2500" b="1" dirty="0" smtClean="0">
+                <a:solidFill>
+                  <a:schemeClr val="bg1"/>
+                </a:solidFill>
+                <a:latin typeface="+mj-lt"/>
+              </a:rPr>
+              <a:t>웹 </a:t>
+            </a:r>
+            <a:r>
+              <a:rPr lang="en-US" altLang="ko-KR" sz="2500" b="1" dirty="0" smtClean="0">
+                <a:solidFill>
+                  <a:schemeClr val="bg1"/>
+                </a:solidFill>
+                <a:latin typeface="+mj-lt"/>
+              </a:rPr>
+              <a:t>– </a:t>
+            </a:r>
+            <a:r>
+              <a:rPr lang="ko-KR" altLang="en-US" sz="2500" b="1" dirty="0" smtClean="0">
+                <a:solidFill>
+                  <a:schemeClr val="bg1"/>
+                </a:solidFill>
+                <a:latin typeface="+mj-lt"/>
+              </a:rPr>
+              <a:t>회원가입 </a:t>
+            </a:r>
+            <a:r>
+              <a:rPr lang="en-US" altLang="ko-KR" sz="2500" b="1" dirty="0" smtClean="0">
+                <a:solidFill>
+                  <a:schemeClr val="bg1"/>
+                </a:solidFill>
+                <a:latin typeface="+mj-lt"/>
+              </a:rPr>
               <a:t>– AJAX</a:t>
             </a:r>
             <a:r>
@@ -13597,7 +18670,7 @@
 </p:sld>
 </file>
 
-<file path=ppt/slides/slide7.xml><?xml version="1.0" encoding="utf-8"?>
+<file path=ppt/slides/slide8.xml><?xml version="1.0" encoding="utf-8"?>
 <p:sld xmlns:a="http://schemas.openxmlformats.org/drawingml/2006/main" xmlns:r="http://schemas.openxmlformats.org/officeDocument/2006/relationships" xmlns:p="http://schemas.openxmlformats.org/presentationml/2006/main">
   <p:cSld>
     <p:spTree>
@@ -14187,7 +19260,7 @@
 </p:sld>
 </file>
 
-<file path=ppt/slides/slide8.xml><?xml version="1.0" encoding="utf-8"?>
+<file path=ppt/slides/slide9.xml><?xml version="1.0" encoding="utf-8"?>
 <p:sld xmlns:a="http://schemas.openxmlformats.org/drawingml/2006/main" xmlns:r="http://schemas.openxmlformats.org/officeDocument/2006/relationships" xmlns:p="http://schemas.openxmlformats.org/presentationml/2006/main">
   <p:cSld>
     <p:spTree>
@@ -14655,395 +19728,6 @@
     <p:extLst>
       <p:ext uri="{BB962C8B-B14F-4D97-AF65-F5344CB8AC3E}">
         <p14:creationId xmlns:p14="http://schemas.microsoft.com/office/powerpoint/2010/main" val="2617933810"/>
-      </p:ext>
-    </p:extLst>
-  </p:cSld>
-  <p:clrMapOvr>
-    <a:masterClrMapping/>
-  </p:clrMapOvr>
-</p:sld>
-</file>
-
-<file path=ppt/slides/slide9.xml><?xml version="1.0" encoding="utf-8"?>
-<p:sld xmlns:a="http://schemas.openxmlformats.org/drawingml/2006/main" xmlns:r="http://schemas.openxmlformats.org/officeDocument/2006/relationships" xmlns:p="http://schemas.openxmlformats.org/presentationml/2006/main">
-  <p:cSld>
-    <p:spTree>
-      <p:nvGrpSpPr>
-        <p:cNvPr id="1" name=""/>
-        <p:cNvGrpSpPr/>
-        <p:nvPr/>
-      </p:nvGrpSpPr>
-      <p:grpSpPr>
-        <a:xfrm>
-          <a:off x="0" y="0"/>
-          <a:ext cx="0" cy="0"/>
-          <a:chOff x="0" y="0"/>
-          <a:chExt cx="0" cy="0"/>
-        </a:xfrm>
-      </p:grpSpPr>
-      <p:sp>
-        <p:nvSpPr>
-          <p:cNvPr id="4" name="TextBox 3"/>
-          <p:cNvSpPr txBox="1"/>
-          <p:nvPr/>
-        </p:nvSpPr>
-        <p:spPr>
-          <a:xfrm>
-            <a:off x="380466" y="160866"/>
-            <a:ext cx="10744734" cy="477054"/>
-          </a:xfrm>
-          <a:prstGeom prst="rect">
-            <a:avLst/>
-          </a:prstGeom>
-          <a:noFill/>
-        </p:spPr>
-        <p:txBody>
-          <a:bodyPr wrap="square" rtlCol="0">
-            <a:spAutoFit/>
-          </a:bodyPr>
-          <a:lstStyle/>
-          <a:p>
-            <a:pPr lvl="0" algn="ctr">
-              <a:buClr>
-                <a:srgbClr val="000000"/>
-              </a:buClr>
-              <a:buSzPts val="1500"/>
-              <a:defRPr/>
-            </a:pPr>
-            <a:r>
-              <a:rPr lang="en-US" altLang="ko-KR" sz="2500" b="1" dirty="0" smtClean="0">
-                <a:solidFill>
-                  <a:schemeClr val="bg1"/>
-                </a:solidFill>
-                <a:latin typeface="+mj-lt"/>
-              </a:rPr>
-              <a:t>[</a:t>
-            </a:r>
-            <a:r>
-              <a:rPr lang="ko-KR" altLang="en-US" sz="2500" b="1" dirty="0" smtClean="0">
-                <a:solidFill>
-                  <a:schemeClr val="bg1"/>
-                </a:solidFill>
-                <a:latin typeface="+mj-lt"/>
-              </a:rPr>
-              <a:t>화면 구현</a:t>
-            </a:r>
-            <a:r>
-              <a:rPr lang="en-US" altLang="ko-KR" sz="2500" b="1" dirty="0" smtClean="0">
-                <a:solidFill>
-                  <a:schemeClr val="bg1"/>
-                </a:solidFill>
-                <a:latin typeface="+mj-lt"/>
-              </a:rPr>
-              <a:t>] </a:t>
-            </a:r>
-            <a:r>
-              <a:rPr lang="ko-KR" altLang="en-US" sz="2500" b="1" dirty="0" smtClean="0">
-                <a:solidFill>
-                  <a:schemeClr val="bg1"/>
-                </a:solidFill>
-                <a:latin typeface="+mj-lt"/>
-              </a:rPr>
-              <a:t>사용자 </a:t>
-            </a:r>
-            <a:r>
-              <a:rPr lang="en-US" altLang="ko-KR" sz="2500" b="1" dirty="0" smtClean="0">
-                <a:solidFill>
-                  <a:schemeClr val="bg1"/>
-                </a:solidFill>
-                <a:latin typeface="+mj-lt"/>
-              </a:rPr>
-              <a:t>- </a:t>
-            </a:r>
-            <a:r>
-              <a:rPr lang="ko-KR" altLang="en-US" sz="2500" b="1" dirty="0" smtClean="0">
-                <a:solidFill>
-                  <a:schemeClr val="bg1"/>
-                </a:solidFill>
-                <a:latin typeface="+mj-lt"/>
-              </a:rPr>
-              <a:t>웹 </a:t>
-            </a:r>
-            <a:r>
-              <a:rPr lang="en-US" altLang="ko-KR" sz="2500" b="1" dirty="0" smtClean="0">
-                <a:solidFill>
-                  <a:schemeClr val="bg1"/>
-                </a:solidFill>
-                <a:latin typeface="+mj-lt"/>
-              </a:rPr>
-              <a:t>– </a:t>
-            </a:r>
-            <a:r>
-              <a:rPr lang="ko-KR" altLang="en-US" sz="2500" b="1" dirty="0" smtClean="0">
-                <a:solidFill>
-                  <a:schemeClr val="bg1"/>
-                </a:solidFill>
-                <a:latin typeface="+mj-lt"/>
-              </a:rPr>
-              <a:t>회원가입 </a:t>
-            </a:r>
-            <a:r>
-              <a:rPr lang="en-US" altLang="ko-KR" sz="2500" b="1" dirty="0" smtClean="0">
-                <a:solidFill>
-                  <a:schemeClr val="bg1"/>
-                </a:solidFill>
-                <a:latin typeface="+mj-lt"/>
-              </a:rPr>
-              <a:t>– AJAX</a:t>
-            </a:r>
-            <a:r>
-              <a:rPr lang="ko-KR" altLang="en-US" sz="2500" b="1" dirty="0" smtClean="0">
-                <a:solidFill>
-                  <a:schemeClr val="bg1"/>
-                </a:solidFill>
-                <a:latin typeface="+mj-lt"/>
-              </a:rPr>
-              <a:t>이용한 아이디 중복체크</a:t>
-            </a:r>
-            <a:endParaRPr lang="ko-KR" altLang="en-US" sz="2500" b="1" dirty="0">
-              <a:solidFill>
-                <a:schemeClr val="bg1"/>
-              </a:solidFill>
-              <a:latin typeface="+mj-lt"/>
-            </a:endParaRPr>
-          </a:p>
-        </p:txBody>
-      </p:sp>
-      <p:sp>
-        <p:nvSpPr>
-          <p:cNvPr id="5" name="TextBox 4"/>
-          <p:cNvSpPr txBox="1"/>
-          <p:nvPr/>
-        </p:nvSpPr>
-        <p:spPr>
-          <a:xfrm>
-            <a:off x="694644" y="3213580"/>
-            <a:ext cx="10608355" cy="646331"/>
-          </a:xfrm>
-          <a:prstGeom prst="rect">
-            <a:avLst/>
-          </a:prstGeom>
-          <a:noFill/>
-        </p:spPr>
-        <p:txBody>
-          <a:bodyPr wrap="square" rtlCol="0">
-            <a:spAutoFit/>
-          </a:bodyPr>
-          <a:lstStyle/>
-          <a:p>
-            <a:r>
-              <a:rPr lang="ko-KR" altLang="en-US" dirty="0" smtClean="0">
-                <a:sym typeface="Wingdings" panose="05000000000000000000" pitchFamily="2" charset="2"/>
-              </a:rPr>
-              <a:t>아이디 중복체크를 위한 </a:t>
-            </a:r>
-            <a:r>
-              <a:rPr lang="ko-KR" altLang="en-US" dirty="0" err="1" smtClean="0">
-                <a:sym typeface="Wingdings" panose="05000000000000000000" pitchFamily="2" charset="2"/>
-              </a:rPr>
-              <a:t>웹서블릿</a:t>
-            </a:r>
-            <a:r>
-              <a:rPr lang="en-US" altLang="ko-KR" dirty="0" smtClean="0">
-                <a:sym typeface="Wingdings" panose="05000000000000000000" pitchFamily="2" charset="2"/>
-              </a:rPr>
-              <a:t>(IdChk.java), </a:t>
-            </a:r>
-            <a:r>
-              <a:rPr lang="ko-KR" altLang="en-US" dirty="0" smtClean="0">
-                <a:sym typeface="Wingdings" panose="05000000000000000000" pitchFamily="2" charset="2"/>
-              </a:rPr>
-              <a:t>내부에서 </a:t>
-            </a:r>
-            <a:r>
-              <a:rPr lang="en-US" altLang="ko-KR" dirty="0" err="1" smtClean="0">
-                <a:sym typeface="Wingdings" panose="05000000000000000000" pitchFamily="2" charset="2"/>
-              </a:rPr>
-              <a:t>MemberDao</a:t>
-            </a:r>
-            <a:r>
-              <a:rPr lang="en-US" altLang="ko-KR" dirty="0" smtClean="0">
-                <a:sym typeface="Wingdings" panose="05000000000000000000" pitchFamily="2" charset="2"/>
-              </a:rPr>
-              <a:t> </a:t>
-            </a:r>
-            <a:r>
-              <a:rPr lang="ko-KR" altLang="en-US" dirty="0" smtClean="0">
-                <a:sym typeface="Wingdings" panose="05000000000000000000" pitchFamily="2" charset="2"/>
-              </a:rPr>
-              <a:t>객체를 이용하여</a:t>
-            </a:r>
-            <a:endParaRPr lang="en-US" altLang="ko-KR" dirty="0" smtClean="0">
-              <a:sym typeface="Wingdings" panose="05000000000000000000" pitchFamily="2" charset="2"/>
-            </a:endParaRPr>
-          </a:p>
-          <a:p>
-            <a:r>
-              <a:rPr lang="ko-KR" altLang="en-US" dirty="0" smtClean="0">
-                <a:sym typeface="Wingdings" panose="05000000000000000000" pitchFamily="2" charset="2"/>
-              </a:rPr>
-              <a:t>아이디 중복 체크를 위한 </a:t>
-            </a:r>
-            <a:r>
-              <a:rPr lang="en-US" altLang="ko-KR" dirty="0" smtClean="0">
-                <a:sym typeface="Wingdings" panose="05000000000000000000" pitchFamily="2" charset="2"/>
-              </a:rPr>
-              <a:t>JSON</a:t>
-            </a:r>
-            <a:r>
-              <a:rPr lang="ko-KR" altLang="en-US" dirty="0" smtClean="0">
-                <a:sym typeface="Wingdings" panose="05000000000000000000" pitchFamily="2" charset="2"/>
-              </a:rPr>
-              <a:t>생성 </a:t>
-            </a:r>
-            <a:endParaRPr lang="en-US" altLang="ko-KR" dirty="0" smtClean="0">
-              <a:sym typeface="Wingdings" panose="05000000000000000000" pitchFamily="2" charset="2"/>
-            </a:endParaRPr>
-          </a:p>
-        </p:txBody>
-      </p:sp>
-      <p:pic>
-        <p:nvPicPr>
-          <p:cNvPr id="3074" name="Picture 2" descr="C:\Users\ezen-033\Desktop\ppt\회원가입3.PNG"/>
-          <p:cNvPicPr>
-            <a:picLocks noChangeAspect="1" noChangeArrowheads="1"/>
-          </p:cNvPicPr>
-          <p:nvPr/>
-        </p:nvPicPr>
-        <p:blipFill>
-          <a:blip r:embed="rId2">
-            <a:extLst>
-              <a:ext uri="{28A0092B-C50C-407E-A947-70E740481C1C}">
-                <a14:useLocalDpi xmlns:a14="http://schemas.microsoft.com/office/drawing/2010/main" val="0"/>
-              </a:ext>
-            </a:extLst>
-          </a:blip>
-          <a:srcRect/>
-          <a:stretch>
-            <a:fillRect/>
-          </a:stretch>
-        </p:blipFill>
-        <p:spPr bwMode="auto">
-          <a:xfrm>
-            <a:off x="598457" y="1616139"/>
-            <a:ext cx="8832835" cy="1436595"/>
-          </a:xfrm>
-          <a:prstGeom prst="rect">
-            <a:avLst/>
-          </a:prstGeom>
-          <a:noFill/>
-          <a:ln>
-            <a:solidFill>
-              <a:schemeClr val="tx1"/>
-            </a:solidFill>
-          </a:ln>
-          <a:extLst>
-            <a:ext uri="{909E8E84-426E-40DD-AFC4-6F175D3DCCD1}">
-              <a14:hiddenFill xmlns:a14="http://schemas.microsoft.com/office/drawing/2010/main">
-                <a:solidFill>
-                  <a:srgbClr val="FFFFFF"/>
-                </a:solidFill>
-              </a14:hiddenFill>
-            </a:ext>
-          </a:extLst>
-        </p:spPr>
-      </p:pic>
-      <p:pic>
-        <p:nvPicPr>
-          <p:cNvPr id="3075" name="Picture 3" descr="C:\Users\ezen-033\Desktop\ppt\회원가입4.PNG"/>
-          <p:cNvPicPr>
-            <a:picLocks noChangeAspect="1" noChangeArrowheads="1"/>
-          </p:cNvPicPr>
-          <p:nvPr/>
-        </p:nvPicPr>
-        <p:blipFill>
-          <a:blip r:embed="rId3">
-            <a:extLst>
-              <a:ext uri="{28A0092B-C50C-407E-A947-70E740481C1C}">
-                <a14:useLocalDpi xmlns:a14="http://schemas.microsoft.com/office/drawing/2010/main" val="0"/>
-              </a:ext>
-            </a:extLst>
-          </a:blip>
-          <a:srcRect/>
-          <a:stretch>
-            <a:fillRect/>
-          </a:stretch>
-        </p:blipFill>
-        <p:spPr bwMode="auto">
-          <a:xfrm>
-            <a:off x="762530" y="4578350"/>
-            <a:ext cx="4400550" cy="952500"/>
-          </a:xfrm>
-          <a:prstGeom prst="rect">
-            <a:avLst/>
-          </a:prstGeom>
-          <a:noFill/>
-          <a:ln>
-            <a:solidFill>
-              <a:schemeClr val="tx1"/>
-            </a:solidFill>
-          </a:ln>
-          <a:extLst>
-            <a:ext uri="{909E8E84-426E-40DD-AFC4-6F175D3DCCD1}">
-              <a14:hiddenFill xmlns:a14="http://schemas.microsoft.com/office/drawing/2010/main">
-                <a:solidFill>
-                  <a:srgbClr val="FFFFFF"/>
-                </a:solidFill>
-              </a14:hiddenFill>
-            </a:ext>
-          </a:extLst>
-        </p:spPr>
-      </p:pic>
-      <p:pic>
-        <p:nvPicPr>
-          <p:cNvPr id="3076" name="Picture 4" descr="C:\Users\ezen-033\Desktop\ppt\회원가입5.PNG"/>
-          <p:cNvPicPr>
-            <a:picLocks noChangeAspect="1" noChangeArrowheads="1"/>
-          </p:cNvPicPr>
-          <p:nvPr/>
-        </p:nvPicPr>
-        <p:blipFill>
-          <a:blip r:embed="rId4">
-            <a:extLst>
-              <a:ext uri="{28A0092B-C50C-407E-A947-70E740481C1C}">
-                <a14:useLocalDpi xmlns:a14="http://schemas.microsoft.com/office/drawing/2010/main" val="0"/>
-              </a:ext>
-            </a:extLst>
-          </a:blip>
-          <a:srcRect/>
-          <a:stretch>
-            <a:fillRect/>
-          </a:stretch>
-        </p:blipFill>
-        <p:spPr bwMode="auto">
-          <a:xfrm>
-            <a:off x="5625833" y="4578350"/>
-            <a:ext cx="4200525" cy="933450"/>
-          </a:xfrm>
-          <a:prstGeom prst="rect">
-            <a:avLst/>
-          </a:prstGeom>
-          <a:noFill/>
-          <a:ln>
-            <a:solidFill>
-              <a:schemeClr val="tx1"/>
-            </a:solidFill>
-          </a:ln>
-          <a:extLst>
-            <a:ext uri="{909E8E84-426E-40DD-AFC4-6F175D3DCCD1}">
-              <a14:hiddenFill xmlns:a14="http://schemas.microsoft.com/office/drawing/2010/main">
-                <a:solidFill>
-                  <a:srgbClr val="FFFFFF"/>
-                </a:solidFill>
-              </a14:hiddenFill>
-            </a:ext>
-          </a:extLst>
-        </p:spPr>
-      </p:pic>
-    </p:spTree>
-    <p:extLst>
-      <p:ext uri="{BB962C8B-B14F-4D97-AF65-F5344CB8AC3E}">
-        <p14:creationId xmlns:p14="http://schemas.microsoft.com/office/powerpoint/2010/main" val="454951003"/>
       </p:ext>
     </p:extLst>
   </p:cSld>
@@ -15308,7 +19992,7 @@
   <a:extraClrSchemeLst/>
   <a:extLst>
     <a:ext uri="{05A4C25C-085E-4340-85A3-A5531E510DB2}">
-      <thm15:themeFamily xmlns="" xmlns:thm15="http://schemas.microsoft.com/office/thememl/2012/main" name="Office Theme" id="{62F939B6-93AF-4DB8-9C6B-D6C7DFDC589F}" vid="{4A3C46E8-61CC-4603-A589-7422A47A8E4A}"/>
+      <thm15:themeFamily xmlns:thm15="http://schemas.microsoft.com/office/thememl/2012/main" xmlns="" name="Office Theme" id="{62F939B6-93AF-4DB8-9C6B-D6C7DFDC589F}" vid="{4A3C46E8-61CC-4603-A589-7422A47A8E4A}"/>
     </a:ext>
   </a:extLst>
 </a:theme>
@@ -15569,7 +20253,7 @@
   <a:extraClrSchemeLst/>
   <a:extLst>
     <a:ext uri="{05A4C25C-085E-4340-85A3-A5531E510DB2}">
-      <thm15:themeFamily xmlns="" xmlns:thm15="http://schemas.microsoft.com/office/thememl/2012/main" name="Office Theme" id="{62F939B6-93AF-4DB8-9C6B-D6C7DFDC589F}" vid="{4A3C46E8-61CC-4603-A589-7422A47A8E4A}"/>
+      <thm15:themeFamily xmlns:thm15="http://schemas.microsoft.com/office/thememl/2012/main" xmlns="" name="Office Theme" id="{62F939B6-93AF-4DB8-9C6B-D6C7DFDC589F}" vid="{4A3C46E8-61CC-4603-A589-7422A47A8E4A}"/>
     </a:ext>
   </a:extLst>
 </a:theme>
